--- a/presa.pptx
+++ b/presa.pptx
@@ -3,12 +3,22 @@
 <p:presentation xmlns:a="http://schemas.openxmlformats.org/drawingml/2006/main" xmlns:p="http://schemas.openxmlformats.org/presentationml/2006/main" xmlns:r="http://schemas.openxmlformats.org/officeDocument/2006/relationships" xmlns:p14="http://schemas.microsoft.com/office/powerpoint/2010/main" xmlns:p15="http://schemas.microsoft.com/office/powerpoint/2012/main" xmlns:mc="http://schemas.openxmlformats.org/markup-compatibility/2006">
   <p:sldMasterIdLst>
     <p:sldMasterId id="2147483648" r:id="rId2"/>
+    <p:sldMasterId id="2147483661" r:id="rId3"/>
+    <p:sldMasterId id="2147483674" r:id="rId4"/>
   </p:sldMasterIdLst>
   <p:sldIdLst>
-    <p:sldId id="256" r:id="rId3"/>
-    <p:sldId id="257" r:id="rId4"/>
-    <p:sldId id="258" r:id="rId5"/>
-    <p:sldId id="259" r:id="rId6"/>
+    <p:sldId id="256" r:id="rId5"/>
+    <p:sldId id="257" r:id="rId6"/>
+    <p:sldId id="258" r:id="rId7"/>
+    <p:sldId id="259" r:id="rId8"/>
+    <p:sldId id="260" r:id="rId9"/>
+    <p:sldId id="261" r:id="rId10"/>
+    <p:sldId id="262" r:id="rId11"/>
+    <p:sldId id="263" r:id="rId12"/>
+    <p:sldId id="264" r:id="rId13"/>
+    <p:sldId id="265" r:id="rId14"/>
+    <p:sldId id="266" r:id="rId15"/>
+    <p:sldId id="267" r:id="rId16"/>
   </p:sldIdLst>
   <p:sldSz cx="10080625" cy="5670550"/>
   <p:notesSz cx="7559675" cy="10691812"/>
@@ -56,7 +66,7 @@
       </p:grpSpPr>
       <p:sp>
         <p:nvSpPr>
-          <p:cNvPr id="26" name="PlaceHolder 1"/>
+          <p:cNvPr id="23" name="PlaceHolder 1"/>
           <p:cNvSpPr>
             <a:spLocks noGrp="1"/>
           </p:cNvSpPr>
@@ -67,7 +77,7 @@
         <p:spPr>
           <a:xfrm>
             <a:off x="504000" y="74160"/>
-            <a:ext cx="9071640" cy="1250280"/>
+            <a:ext cx="9071280" cy="1250280"/>
           </a:xfrm>
           <a:prstGeom prst="rect">
             <a:avLst/>
@@ -87,7 +97,7 @@
       </p:sp>
       <p:sp>
         <p:nvSpPr>
-          <p:cNvPr id="27" name="PlaceHolder 2"/>
+          <p:cNvPr id="24" name="PlaceHolder 2"/>
           <p:cNvSpPr>
             <a:spLocks noGrp="1"/>
           </p:cNvSpPr>
@@ -98,7 +108,7 @@
         <p:spPr>
           <a:xfrm>
             <a:off x="504000" y="1326600"/>
-            <a:ext cx="9071640" cy="1568160"/>
+            <a:ext cx="4426560" cy="1568160"/>
           </a:xfrm>
           <a:prstGeom prst="rect">
             <a:avLst/>
@@ -117,7 +127,7 @@
       </p:sp>
       <p:sp>
         <p:nvSpPr>
-          <p:cNvPr id="28" name="PlaceHolder 3"/>
+          <p:cNvPr id="25" name="PlaceHolder 3"/>
           <p:cNvSpPr>
             <a:spLocks noGrp="1"/>
           </p:cNvSpPr>
@@ -128,7 +138,7 @@
         <p:spPr>
           <a:xfrm>
             <a:off x="504000" y="3044160"/>
-            <a:ext cx="9071640" cy="1568160"/>
+            <a:ext cx="4426560" cy="1568160"/>
           </a:xfrm>
           <a:prstGeom prst="rect">
             <a:avLst/>
@@ -169,7 +179,7 @@
       </p:grpSpPr>
       <p:sp>
         <p:nvSpPr>
-          <p:cNvPr id="29" name="PlaceHolder 1"/>
+          <p:cNvPr id="26" name="PlaceHolder 1"/>
           <p:cNvSpPr>
             <a:spLocks noGrp="1"/>
           </p:cNvSpPr>
@@ -180,7 +190,7 @@
         <p:spPr>
           <a:xfrm>
             <a:off x="504000" y="74160"/>
-            <a:ext cx="9071640" cy="1250280"/>
+            <a:ext cx="9071280" cy="1250280"/>
           </a:xfrm>
           <a:prstGeom prst="rect">
             <a:avLst/>
@@ -200,7 +210,7 @@
       </p:sp>
       <p:sp>
         <p:nvSpPr>
-          <p:cNvPr id="30" name="PlaceHolder 2"/>
+          <p:cNvPr id="27" name="PlaceHolder 2"/>
           <p:cNvSpPr>
             <a:spLocks noGrp="1"/>
           </p:cNvSpPr>
@@ -211,7 +221,7 @@
         <p:spPr>
           <a:xfrm>
             <a:off x="504000" y="1326600"/>
-            <a:ext cx="4426920" cy="1568160"/>
+            <a:ext cx="2160000" cy="1568160"/>
           </a:xfrm>
           <a:prstGeom prst="rect">
             <a:avLst/>
@@ -219,7 +229,7 @@
         </p:spPr>
         <p:txBody>
           <a:bodyPr lIns="0" rIns="0" tIns="0" bIns="0">
-            <a:normAutofit/>
+            <a:normAutofit fontScale="34000"/>
           </a:bodyPr>
           <a:p>
             <a:endParaRPr b="0" lang="ru-RU" sz="3200" spc="-1" strike="noStrike">
@@ -230,7 +240,7 @@
       </p:sp>
       <p:sp>
         <p:nvSpPr>
-          <p:cNvPr id="31" name="PlaceHolder 3"/>
+          <p:cNvPr id="28" name="PlaceHolder 3"/>
           <p:cNvSpPr>
             <a:spLocks noGrp="1"/>
           </p:cNvSpPr>
@@ -240,8 +250,8 @@
         </p:nvSpPr>
         <p:spPr>
           <a:xfrm>
-            <a:off x="5152680" y="1326600"/>
-            <a:ext cx="4426920" cy="1568160"/>
+            <a:off x="2772360" y="1326600"/>
+            <a:ext cx="2160000" cy="1568160"/>
           </a:xfrm>
           <a:prstGeom prst="rect">
             <a:avLst/>
@@ -249,7 +259,7 @@
         </p:spPr>
         <p:txBody>
           <a:bodyPr lIns="0" rIns="0" tIns="0" bIns="0">
-            <a:normAutofit/>
+            <a:normAutofit fontScale="34000"/>
           </a:bodyPr>
           <a:p>
             <a:endParaRPr b="0" lang="ru-RU" sz="3200" spc="-1" strike="noStrike">
@@ -260,7 +270,7 @@
       </p:sp>
       <p:sp>
         <p:nvSpPr>
-          <p:cNvPr id="32" name="PlaceHolder 4"/>
+          <p:cNvPr id="29" name="PlaceHolder 4"/>
           <p:cNvSpPr>
             <a:spLocks noGrp="1"/>
           </p:cNvSpPr>
@@ -271,7 +281,7 @@
         <p:spPr>
           <a:xfrm>
             <a:off x="504000" y="3044160"/>
-            <a:ext cx="4426920" cy="1568160"/>
+            <a:ext cx="2160000" cy="1568160"/>
           </a:xfrm>
           <a:prstGeom prst="rect">
             <a:avLst/>
@@ -279,7 +289,7 @@
         </p:spPr>
         <p:txBody>
           <a:bodyPr lIns="0" rIns="0" tIns="0" bIns="0">
-            <a:normAutofit/>
+            <a:normAutofit fontScale="34000"/>
           </a:bodyPr>
           <a:p>
             <a:endParaRPr b="0" lang="ru-RU" sz="3200" spc="-1" strike="noStrike">
@@ -290,7 +300,7 @@
       </p:sp>
       <p:sp>
         <p:nvSpPr>
-          <p:cNvPr id="33" name="PlaceHolder 5"/>
+          <p:cNvPr id="30" name="PlaceHolder 5"/>
           <p:cNvSpPr>
             <a:spLocks noGrp="1"/>
           </p:cNvSpPr>
@@ -300,8 +310,8 @@
         </p:nvSpPr>
         <p:spPr>
           <a:xfrm>
-            <a:off x="5152680" y="3044160"/>
-            <a:ext cx="4426920" cy="1568160"/>
+            <a:off x="2772360" y="3044160"/>
+            <a:ext cx="2160000" cy="1568160"/>
           </a:xfrm>
           <a:prstGeom prst="rect">
             <a:avLst/>
@@ -309,7 +319,7 @@
         </p:spPr>
         <p:txBody>
           <a:bodyPr lIns="0" rIns="0" tIns="0" bIns="0">
-            <a:normAutofit/>
+            <a:normAutofit fontScale="34000"/>
           </a:bodyPr>
           <a:p>
             <a:endParaRPr b="0" lang="ru-RU" sz="3200" spc="-1" strike="noStrike">
@@ -342,7 +352,7 @@
       </p:grpSpPr>
       <p:sp>
         <p:nvSpPr>
-          <p:cNvPr id="34" name="PlaceHolder 1"/>
+          <p:cNvPr id="31" name="PlaceHolder 1"/>
           <p:cNvSpPr>
             <a:spLocks noGrp="1"/>
           </p:cNvSpPr>
@@ -353,7 +363,7 @@
         <p:spPr>
           <a:xfrm>
             <a:off x="504000" y="74160"/>
-            <a:ext cx="9071640" cy="1250280"/>
+            <a:ext cx="9071280" cy="1250280"/>
           </a:xfrm>
           <a:prstGeom prst="rect">
             <a:avLst/>
@@ -373,7 +383,7 @@
       </p:sp>
       <p:sp>
         <p:nvSpPr>
-          <p:cNvPr id="35" name="PlaceHolder 2"/>
+          <p:cNvPr id="32" name="PlaceHolder 2"/>
           <p:cNvSpPr>
             <a:spLocks noGrp="1"/>
           </p:cNvSpPr>
@@ -384,7 +394,7 @@
         <p:spPr>
           <a:xfrm>
             <a:off x="504000" y="1326600"/>
-            <a:ext cx="2920680" cy="1568160"/>
+            <a:ext cx="1425240" cy="1568160"/>
           </a:xfrm>
           <a:prstGeom prst="rect">
             <a:avLst/>
@@ -392,7 +402,7 @@
         </p:spPr>
         <p:txBody>
           <a:bodyPr lIns="0" rIns="0" tIns="0" bIns="0">
-            <a:normAutofit fontScale="56000"/>
+            <a:normAutofit fontScale="20000"/>
           </a:bodyPr>
           <a:p>
             <a:endParaRPr b="0" lang="ru-RU" sz="3200" spc="-1" strike="noStrike">
@@ -403,7 +413,7 @@
       </p:sp>
       <p:sp>
         <p:nvSpPr>
-          <p:cNvPr id="36" name="PlaceHolder 3"/>
+          <p:cNvPr id="33" name="PlaceHolder 3"/>
           <p:cNvSpPr>
             <a:spLocks noGrp="1"/>
           </p:cNvSpPr>
@@ -413,8 +423,8 @@
         </p:nvSpPr>
         <p:spPr>
           <a:xfrm>
-            <a:off x="3571200" y="1326600"/>
-            <a:ext cx="2920680" cy="1568160"/>
+            <a:off x="2000880" y="1326600"/>
+            <a:ext cx="1425240" cy="1568160"/>
           </a:xfrm>
           <a:prstGeom prst="rect">
             <a:avLst/>
@@ -422,7 +432,7 @@
         </p:spPr>
         <p:txBody>
           <a:bodyPr lIns="0" rIns="0" tIns="0" bIns="0">
-            <a:normAutofit fontScale="56000"/>
+            <a:normAutofit fontScale="20000"/>
           </a:bodyPr>
           <a:p>
             <a:endParaRPr b="0" lang="ru-RU" sz="3200" spc="-1" strike="noStrike">
@@ -433,7 +443,7 @@
       </p:sp>
       <p:sp>
         <p:nvSpPr>
-          <p:cNvPr id="37" name="PlaceHolder 4"/>
+          <p:cNvPr id="34" name="PlaceHolder 4"/>
           <p:cNvSpPr>
             <a:spLocks noGrp="1"/>
           </p:cNvSpPr>
@@ -443,8 +453,8 @@
         </p:nvSpPr>
         <p:spPr>
           <a:xfrm>
-            <a:off x="6638040" y="1326600"/>
-            <a:ext cx="2920680" cy="1568160"/>
+            <a:off x="3497760" y="1326600"/>
+            <a:ext cx="1425240" cy="1568160"/>
           </a:xfrm>
           <a:prstGeom prst="rect">
             <a:avLst/>
@@ -452,7 +462,7 @@
         </p:spPr>
         <p:txBody>
           <a:bodyPr lIns="0" rIns="0" tIns="0" bIns="0">
-            <a:normAutofit fontScale="56000"/>
+            <a:normAutofit fontScale="20000"/>
           </a:bodyPr>
           <a:p>
             <a:endParaRPr b="0" lang="ru-RU" sz="3200" spc="-1" strike="noStrike">
@@ -463,7 +473,7 @@
       </p:sp>
       <p:sp>
         <p:nvSpPr>
-          <p:cNvPr id="38" name="PlaceHolder 5"/>
+          <p:cNvPr id="35" name="PlaceHolder 5"/>
           <p:cNvSpPr>
             <a:spLocks noGrp="1"/>
           </p:cNvSpPr>
@@ -474,7 +484,7 @@
         <p:spPr>
           <a:xfrm>
             <a:off x="504000" y="3044160"/>
-            <a:ext cx="2920680" cy="1568160"/>
+            <a:ext cx="1425240" cy="1568160"/>
           </a:xfrm>
           <a:prstGeom prst="rect">
             <a:avLst/>
@@ -482,7 +492,7 @@
         </p:spPr>
         <p:txBody>
           <a:bodyPr lIns="0" rIns="0" tIns="0" bIns="0">
-            <a:normAutofit fontScale="56000"/>
+            <a:normAutofit fontScale="20000"/>
           </a:bodyPr>
           <a:p>
             <a:endParaRPr b="0" lang="ru-RU" sz="3200" spc="-1" strike="noStrike">
@@ -493,7 +503,7 @@
       </p:sp>
       <p:sp>
         <p:nvSpPr>
-          <p:cNvPr id="39" name="PlaceHolder 6"/>
+          <p:cNvPr id="36" name="PlaceHolder 6"/>
           <p:cNvSpPr>
             <a:spLocks noGrp="1"/>
           </p:cNvSpPr>
@@ -503,8 +513,8 @@
         </p:nvSpPr>
         <p:spPr>
           <a:xfrm>
-            <a:off x="3571200" y="3044160"/>
-            <a:ext cx="2920680" cy="1568160"/>
+            <a:off x="2000880" y="3044160"/>
+            <a:ext cx="1425240" cy="1568160"/>
           </a:xfrm>
           <a:prstGeom prst="rect">
             <a:avLst/>
@@ -512,7 +522,7 @@
         </p:spPr>
         <p:txBody>
           <a:bodyPr lIns="0" rIns="0" tIns="0" bIns="0">
-            <a:normAutofit fontScale="56000"/>
+            <a:normAutofit fontScale="20000"/>
           </a:bodyPr>
           <a:p>
             <a:endParaRPr b="0" lang="ru-RU" sz="3200" spc="-1" strike="noStrike">
@@ -523,7 +533,7 @@
       </p:sp>
       <p:sp>
         <p:nvSpPr>
-          <p:cNvPr id="40" name="PlaceHolder 7"/>
+          <p:cNvPr id="37" name="PlaceHolder 7"/>
           <p:cNvSpPr>
             <a:spLocks noGrp="1"/>
           </p:cNvSpPr>
@@ -533,8 +543,8 @@
         </p:nvSpPr>
         <p:spPr>
           <a:xfrm>
-            <a:off x="6638040" y="3044160"/>
-            <a:ext cx="2920680" cy="1568160"/>
+            <a:off x="3497760" y="3044160"/>
+            <a:ext cx="1425240" cy="1568160"/>
           </a:xfrm>
           <a:prstGeom prst="rect">
             <a:avLst/>
@@ -542,7 +552,558 @@
         </p:spPr>
         <p:txBody>
           <a:bodyPr lIns="0" rIns="0" tIns="0" bIns="0">
-            <a:normAutofit fontScale="56000"/>
+            <a:normAutofit fontScale="20000"/>
+          </a:bodyPr>
+          <a:p>
+            <a:endParaRPr b="0" lang="ru-RU" sz="3200" spc="-1" strike="noStrike">
+              <a:latin typeface="Arial"/>
+            </a:endParaRPr>
+          </a:p>
+        </p:txBody>
+      </p:sp>
+    </p:spTree>
+  </p:cSld>
+</p:sldLayout>
+</file>
+
+<file path=ppt/slideLayouts/slideLayout13.xml><?xml version="1.0" encoding="utf-8"?>
+<p:sldLayout xmlns:a="http://schemas.openxmlformats.org/drawingml/2006/main" xmlns:p="http://schemas.openxmlformats.org/presentationml/2006/main" xmlns:r="http://schemas.openxmlformats.org/officeDocument/2006/relationships" xmlns:p14="http://schemas.microsoft.com/office/powerpoint/2010/main" xmlns:p15="http://schemas.microsoft.com/office/powerpoint/2012/main" xmlns:mc="http://schemas.openxmlformats.org/markup-compatibility/2006" type="blank" preserve="1">
+  <p:cSld name="Blank Slide">
+    <p:spTree>
+      <p:nvGrpSpPr>
+        <p:cNvPr id="1" name=""/>
+        <p:cNvGrpSpPr/>
+        <p:nvPr/>
+      </p:nvGrpSpPr>
+      <p:grpSpPr>
+        <a:xfrm>
+          <a:off x="0" y="0"/>
+          <a:ext cx="0" cy="0"/>
+          <a:chOff x="0" y="0"/>
+          <a:chExt cx="0" cy="0"/>
+        </a:xfrm>
+      </p:grpSpPr>
+    </p:spTree>
+  </p:cSld>
+</p:sldLayout>
+</file>
+
+<file path=ppt/slideLayouts/slideLayout14.xml><?xml version="1.0" encoding="utf-8"?>
+<p:sldLayout xmlns:a="http://schemas.openxmlformats.org/drawingml/2006/main" xmlns:p="http://schemas.openxmlformats.org/presentationml/2006/main" xmlns:r="http://schemas.openxmlformats.org/officeDocument/2006/relationships" xmlns:p14="http://schemas.microsoft.com/office/powerpoint/2010/main" xmlns:p15="http://schemas.microsoft.com/office/powerpoint/2012/main" xmlns:mc="http://schemas.openxmlformats.org/markup-compatibility/2006" type="tx" preserve="1">
+  <p:cSld name="Title Slide">
+    <p:spTree>
+      <p:nvGrpSpPr>
+        <p:cNvPr id="1" name=""/>
+        <p:cNvGrpSpPr/>
+        <p:nvPr/>
+      </p:nvGrpSpPr>
+      <p:grpSpPr>
+        <a:xfrm>
+          <a:off x="0" y="0"/>
+          <a:ext cx="0" cy="0"/>
+          <a:chOff x="0" y="0"/>
+          <a:chExt cx="0" cy="0"/>
+        </a:xfrm>
+      </p:grpSpPr>
+      <p:sp>
+        <p:nvSpPr>
+          <p:cNvPr id="40" name="PlaceHolder 1"/>
+          <p:cNvSpPr>
+            <a:spLocks noGrp="1"/>
+          </p:cNvSpPr>
+          <p:nvPr>
+            <p:ph type="title"/>
+          </p:nvPr>
+        </p:nvSpPr>
+        <p:spPr>
+          <a:xfrm>
+            <a:off x="504000" y="74160"/>
+            <a:ext cx="9071280" cy="1250280"/>
+          </a:xfrm>
+          <a:prstGeom prst="rect">
+            <a:avLst/>
+          </a:prstGeom>
+        </p:spPr>
+        <p:txBody>
+          <a:bodyPr lIns="0" rIns="0" tIns="0" bIns="0" anchor="ctr">
+            <a:noAutofit/>
+          </a:bodyPr>
+          <a:p>
+            <a:pPr algn="ctr"/>
+            <a:endParaRPr b="0" lang="ru-RU" sz="4400" spc="-1" strike="noStrike">
+              <a:latin typeface="Arial"/>
+            </a:endParaRPr>
+          </a:p>
+        </p:txBody>
+      </p:sp>
+      <p:sp>
+        <p:nvSpPr>
+          <p:cNvPr id="41" name="PlaceHolder 2"/>
+          <p:cNvSpPr>
+            <a:spLocks noGrp="1"/>
+          </p:cNvSpPr>
+          <p:nvPr>
+            <p:ph type="subTitle"/>
+          </p:nvPr>
+        </p:nvSpPr>
+        <p:spPr>
+          <a:xfrm>
+            <a:off x="504000" y="1326600"/>
+            <a:ext cx="4426560" cy="3287880"/>
+          </a:xfrm>
+          <a:prstGeom prst="rect">
+            <a:avLst/>
+          </a:prstGeom>
+        </p:spPr>
+        <p:txBody>
+          <a:bodyPr lIns="0" rIns="0" tIns="0" bIns="0" anchor="ctr">
+            <a:noAutofit/>
+          </a:bodyPr>
+          <a:p>
+            <a:pPr algn="ctr"/>
+            <a:endParaRPr b="0" lang="ru-RU" sz="3200" spc="-1" strike="noStrike">
+              <a:latin typeface="Arial"/>
+            </a:endParaRPr>
+          </a:p>
+        </p:txBody>
+      </p:sp>
+    </p:spTree>
+  </p:cSld>
+</p:sldLayout>
+</file>
+
+<file path=ppt/slideLayouts/slideLayout15.xml><?xml version="1.0" encoding="utf-8"?>
+<p:sldLayout xmlns:a="http://schemas.openxmlformats.org/drawingml/2006/main" xmlns:p="http://schemas.openxmlformats.org/presentationml/2006/main" xmlns:r="http://schemas.openxmlformats.org/officeDocument/2006/relationships" xmlns:p14="http://schemas.microsoft.com/office/powerpoint/2010/main" xmlns:p15="http://schemas.microsoft.com/office/powerpoint/2012/main" xmlns:mc="http://schemas.openxmlformats.org/markup-compatibility/2006" type="obj" preserve="1">
+  <p:cSld name="Title, Content">
+    <p:spTree>
+      <p:nvGrpSpPr>
+        <p:cNvPr id="1" name=""/>
+        <p:cNvGrpSpPr/>
+        <p:nvPr/>
+      </p:nvGrpSpPr>
+      <p:grpSpPr>
+        <a:xfrm>
+          <a:off x="0" y="0"/>
+          <a:ext cx="0" cy="0"/>
+          <a:chOff x="0" y="0"/>
+          <a:chExt cx="0" cy="0"/>
+        </a:xfrm>
+      </p:grpSpPr>
+      <p:sp>
+        <p:nvSpPr>
+          <p:cNvPr id="42" name="PlaceHolder 1"/>
+          <p:cNvSpPr>
+            <a:spLocks noGrp="1"/>
+          </p:cNvSpPr>
+          <p:nvPr>
+            <p:ph type="title"/>
+          </p:nvPr>
+        </p:nvSpPr>
+        <p:spPr>
+          <a:xfrm>
+            <a:off x="504000" y="74160"/>
+            <a:ext cx="9071280" cy="1250280"/>
+          </a:xfrm>
+          <a:prstGeom prst="rect">
+            <a:avLst/>
+          </a:prstGeom>
+        </p:spPr>
+        <p:txBody>
+          <a:bodyPr lIns="0" rIns="0" tIns="0" bIns="0" anchor="ctr">
+            <a:noAutofit/>
+          </a:bodyPr>
+          <a:p>
+            <a:pPr algn="ctr"/>
+            <a:endParaRPr b="0" lang="ru-RU" sz="4400" spc="-1" strike="noStrike">
+              <a:latin typeface="Arial"/>
+            </a:endParaRPr>
+          </a:p>
+        </p:txBody>
+      </p:sp>
+      <p:sp>
+        <p:nvSpPr>
+          <p:cNvPr id="43" name="PlaceHolder 2"/>
+          <p:cNvSpPr>
+            <a:spLocks noGrp="1"/>
+          </p:cNvSpPr>
+          <p:nvPr>
+            <p:ph type="body"/>
+          </p:nvPr>
+        </p:nvSpPr>
+        <p:spPr>
+          <a:xfrm>
+            <a:off x="504000" y="1326600"/>
+            <a:ext cx="4426560" cy="3287880"/>
+          </a:xfrm>
+          <a:prstGeom prst="rect">
+            <a:avLst/>
+          </a:prstGeom>
+        </p:spPr>
+        <p:txBody>
+          <a:bodyPr lIns="0" rIns="0" tIns="0" bIns="0">
+            <a:normAutofit/>
+          </a:bodyPr>
+          <a:p>
+            <a:endParaRPr b="0" lang="ru-RU" sz="3200" spc="-1" strike="noStrike">
+              <a:latin typeface="Arial"/>
+            </a:endParaRPr>
+          </a:p>
+        </p:txBody>
+      </p:sp>
+    </p:spTree>
+  </p:cSld>
+</p:sldLayout>
+</file>
+
+<file path=ppt/slideLayouts/slideLayout16.xml><?xml version="1.0" encoding="utf-8"?>
+<p:sldLayout xmlns:a="http://schemas.openxmlformats.org/drawingml/2006/main" xmlns:p="http://schemas.openxmlformats.org/presentationml/2006/main" xmlns:r="http://schemas.openxmlformats.org/officeDocument/2006/relationships" xmlns:p14="http://schemas.microsoft.com/office/powerpoint/2010/main" xmlns:p15="http://schemas.microsoft.com/office/powerpoint/2012/main" xmlns:mc="http://schemas.openxmlformats.org/markup-compatibility/2006" type="twoObj" preserve="1">
+  <p:cSld name="Title, 2 Content">
+    <p:spTree>
+      <p:nvGrpSpPr>
+        <p:cNvPr id="1" name=""/>
+        <p:cNvGrpSpPr/>
+        <p:nvPr/>
+      </p:nvGrpSpPr>
+      <p:grpSpPr>
+        <a:xfrm>
+          <a:off x="0" y="0"/>
+          <a:ext cx="0" cy="0"/>
+          <a:chOff x="0" y="0"/>
+          <a:chExt cx="0" cy="0"/>
+        </a:xfrm>
+      </p:grpSpPr>
+      <p:sp>
+        <p:nvSpPr>
+          <p:cNvPr id="44" name="PlaceHolder 1"/>
+          <p:cNvSpPr>
+            <a:spLocks noGrp="1"/>
+          </p:cNvSpPr>
+          <p:nvPr>
+            <p:ph type="title"/>
+          </p:nvPr>
+        </p:nvSpPr>
+        <p:spPr>
+          <a:xfrm>
+            <a:off x="504000" y="74160"/>
+            <a:ext cx="9071280" cy="1250280"/>
+          </a:xfrm>
+          <a:prstGeom prst="rect">
+            <a:avLst/>
+          </a:prstGeom>
+        </p:spPr>
+        <p:txBody>
+          <a:bodyPr lIns="0" rIns="0" tIns="0" bIns="0" anchor="ctr">
+            <a:noAutofit/>
+          </a:bodyPr>
+          <a:p>
+            <a:pPr algn="ctr"/>
+            <a:endParaRPr b="0" lang="ru-RU" sz="4400" spc="-1" strike="noStrike">
+              <a:latin typeface="Arial"/>
+            </a:endParaRPr>
+          </a:p>
+        </p:txBody>
+      </p:sp>
+      <p:sp>
+        <p:nvSpPr>
+          <p:cNvPr id="45" name="PlaceHolder 2"/>
+          <p:cNvSpPr>
+            <a:spLocks noGrp="1"/>
+          </p:cNvSpPr>
+          <p:nvPr>
+            <p:ph type="body"/>
+          </p:nvPr>
+        </p:nvSpPr>
+        <p:spPr>
+          <a:xfrm>
+            <a:off x="504000" y="1326600"/>
+            <a:ext cx="2160000" cy="3287880"/>
+          </a:xfrm>
+          <a:prstGeom prst="rect">
+            <a:avLst/>
+          </a:prstGeom>
+        </p:spPr>
+        <p:txBody>
+          <a:bodyPr lIns="0" rIns="0" tIns="0" bIns="0">
+            <a:normAutofit/>
+          </a:bodyPr>
+          <a:p>
+            <a:endParaRPr b="0" lang="ru-RU" sz="3200" spc="-1" strike="noStrike">
+              <a:latin typeface="Arial"/>
+            </a:endParaRPr>
+          </a:p>
+        </p:txBody>
+      </p:sp>
+      <p:sp>
+        <p:nvSpPr>
+          <p:cNvPr id="46" name="PlaceHolder 3"/>
+          <p:cNvSpPr>
+            <a:spLocks noGrp="1"/>
+          </p:cNvSpPr>
+          <p:nvPr>
+            <p:ph type="body"/>
+          </p:nvPr>
+        </p:nvSpPr>
+        <p:spPr>
+          <a:xfrm>
+            <a:off x="2772360" y="1326600"/>
+            <a:ext cx="2160000" cy="3287880"/>
+          </a:xfrm>
+          <a:prstGeom prst="rect">
+            <a:avLst/>
+          </a:prstGeom>
+        </p:spPr>
+        <p:txBody>
+          <a:bodyPr lIns="0" rIns="0" tIns="0" bIns="0">
+            <a:normAutofit/>
+          </a:bodyPr>
+          <a:p>
+            <a:endParaRPr b="0" lang="ru-RU" sz="3200" spc="-1" strike="noStrike">
+              <a:latin typeface="Arial"/>
+            </a:endParaRPr>
+          </a:p>
+        </p:txBody>
+      </p:sp>
+    </p:spTree>
+  </p:cSld>
+</p:sldLayout>
+</file>
+
+<file path=ppt/slideLayouts/slideLayout17.xml><?xml version="1.0" encoding="utf-8"?>
+<p:sldLayout xmlns:a="http://schemas.openxmlformats.org/drawingml/2006/main" xmlns:p="http://schemas.openxmlformats.org/presentationml/2006/main" xmlns:r="http://schemas.openxmlformats.org/officeDocument/2006/relationships" xmlns:p14="http://schemas.microsoft.com/office/powerpoint/2010/main" xmlns:p15="http://schemas.microsoft.com/office/powerpoint/2012/main" xmlns:mc="http://schemas.openxmlformats.org/markup-compatibility/2006" type="titleOnly" preserve="1">
+  <p:cSld name="Title Only">
+    <p:spTree>
+      <p:nvGrpSpPr>
+        <p:cNvPr id="1" name=""/>
+        <p:cNvGrpSpPr/>
+        <p:nvPr/>
+      </p:nvGrpSpPr>
+      <p:grpSpPr>
+        <a:xfrm>
+          <a:off x="0" y="0"/>
+          <a:ext cx="0" cy="0"/>
+          <a:chOff x="0" y="0"/>
+          <a:chExt cx="0" cy="0"/>
+        </a:xfrm>
+      </p:grpSpPr>
+      <p:sp>
+        <p:nvSpPr>
+          <p:cNvPr id="47" name="PlaceHolder 1"/>
+          <p:cNvSpPr>
+            <a:spLocks noGrp="1"/>
+          </p:cNvSpPr>
+          <p:nvPr>
+            <p:ph type="title"/>
+          </p:nvPr>
+        </p:nvSpPr>
+        <p:spPr>
+          <a:xfrm>
+            <a:off x="504000" y="74160"/>
+            <a:ext cx="9071280" cy="1250280"/>
+          </a:xfrm>
+          <a:prstGeom prst="rect">
+            <a:avLst/>
+          </a:prstGeom>
+        </p:spPr>
+        <p:txBody>
+          <a:bodyPr lIns="0" rIns="0" tIns="0" bIns="0" anchor="ctr">
+            <a:noAutofit/>
+          </a:bodyPr>
+          <a:p>
+            <a:pPr algn="ctr"/>
+            <a:endParaRPr b="0" lang="ru-RU" sz="4400" spc="-1" strike="noStrike">
+              <a:latin typeface="Arial"/>
+            </a:endParaRPr>
+          </a:p>
+        </p:txBody>
+      </p:sp>
+    </p:spTree>
+  </p:cSld>
+</p:sldLayout>
+</file>
+
+<file path=ppt/slideLayouts/slideLayout18.xml><?xml version="1.0" encoding="utf-8"?>
+<p:sldLayout xmlns:a="http://schemas.openxmlformats.org/drawingml/2006/main" xmlns:p="http://schemas.openxmlformats.org/presentationml/2006/main" xmlns:r="http://schemas.openxmlformats.org/officeDocument/2006/relationships" xmlns:p14="http://schemas.microsoft.com/office/powerpoint/2010/main" xmlns:p15="http://schemas.microsoft.com/office/powerpoint/2012/main" xmlns:mc="http://schemas.openxmlformats.org/markup-compatibility/2006" type="objOnly" preserve="1">
+  <p:cSld name="Centered Text">
+    <p:spTree>
+      <p:nvGrpSpPr>
+        <p:cNvPr id="1" name=""/>
+        <p:cNvGrpSpPr/>
+        <p:nvPr/>
+      </p:nvGrpSpPr>
+      <p:grpSpPr>
+        <a:xfrm>
+          <a:off x="0" y="0"/>
+          <a:ext cx="0" cy="0"/>
+          <a:chOff x="0" y="0"/>
+          <a:chExt cx="0" cy="0"/>
+        </a:xfrm>
+      </p:grpSpPr>
+      <p:sp>
+        <p:nvSpPr>
+          <p:cNvPr id="48" name="PlaceHolder 1"/>
+          <p:cNvSpPr>
+            <a:spLocks noGrp="1"/>
+          </p:cNvSpPr>
+          <p:nvPr>
+            <p:ph type="subTitle"/>
+          </p:nvPr>
+        </p:nvSpPr>
+        <p:spPr>
+          <a:xfrm>
+            <a:off x="504000" y="74160"/>
+            <a:ext cx="9071280" cy="5795280"/>
+          </a:xfrm>
+          <a:prstGeom prst="rect">
+            <a:avLst/>
+          </a:prstGeom>
+        </p:spPr>
+        <p:txBody>
+          <a:bodyPr lIns="0" rIns="0" tIns="0" bIns="0" anchor="ctr">
+            <a:noAutofit/>
+          </a:bodyPr>
+          <a:p>
+            <a:pPr algn="ctr"/>
+            <a:endParaRPr b="0" lang="ru-RU" sz="3200" spc="-1" strike="noStrike">
+              <a:latin typeface="Arial"/>
+            </a:endParaRPr>
+          </a:p>
+        </p:txBody>
+      </p:sp>
+    </p:spTree>
+  </p:cSld>
+</p:sldLayout>
+</file>
+
+<file path=ppt/slideLayouts/slideLayout19.xml><?xml version="1.0" encoding="utf-8"?>
+<p:sldLayout xmlns:a="http://schemas.openxmlformats.org/drawingml/2006/main" xmlns:p="http://schemas.openxmlformats.org/presentationml/2006/main" xmlns:r="http://schemas.openxmlformats.org/officeDocument/2006/relationships" xmlns:p14="http://schemas.microsoft.com/office/powerpoint/2010/main" xmlns:p15="http://schemas.microsoft.com/office/powerpoint/2012/main" xmlns:mc="http://schemas.openxmlformats.org/markup-compatibility/2006" type="twoObjAndObj" preserve="1">
+  <p:cSld name="Title, 2 Content and Content">
+    <p:spTree>
+      <p:nvGrpSpPr>
+        <p:cNvPr id="1" name=""/>
+        <p:cNvGrpSpPr/>
+        <p:nvPr/>
+      </p:nvGrpSpPr>
+      <p:grpSpPr>
+        <a:xfrm>
+          <a:off x="0" y="0"/>
+          <a:ext cx="0" cy="0"/>
+          <a:chOff x="0" y="0"/>
+          <a:chExt cx="0" cy="0"/>
+        </a:xfrm>
+      </p:grpSpPr>
+      <p:sp>
+        <p:nvSpPr>
+          <p:cNvPr id="49" name="PlaceHolder 1"/>
+          <p:cNvSpPr>
+            <a:spLocks noGrp="1"/>
+          </p:cNvSpPr>
+          <p:nvPr>
+            <p:ph type="title"/>
+          </p:nvPr>
+        </p:nvSpPr>
+        <p:spPr>
+          <a:xfrm>
+            <a:off x="504000" y="74160"/>
+            <a:ext cx="9071280" cy="1250280"/>
+          </a:xfrm>
+          <a:prstGeom prst="rect">
+            <a:avLst/>
+          </a:prstGeom>
+        </p:spPr>
+        <p:txBody>
+          <a:bodyPr lIns="0" rIns="0" tIns="0" bIns="0" anchor="ctr">
+            <a:noAutofit/>
+          </a:bodyPr>
+          <a:p>
+            <a:pPr algn="ctr"/>
+            <a:endParaRPr b="0" lang="ru-RU" sz="4400" spc="-1" strike="noStrike">
+              <a:latin typeface="Arial"/>
+            </a:endParaRPr>
+          </a:p>
+        </p:txBody>
+      </p:sp>
+      <p:sp>
+        <p:nvSpPr>
+          <p:cNvPr id="50" name="PlaceHolder 2"/>
+          <p:cNvSpPr>
+            <a:spLocks noGrp="1"/>
+          </p:cNvSpPr>
+          <p:nvPr>
+            <p:ph type="body"/>
+          </p:nvPr>
+        </p:nvSpPr>
+        <p:spPr>
+          <a:xfrm>
+            <a:off x="504000" y="1326600"/>
+            <a:ext cx="2160000" cy="1568160"/>
+          </a:xfrm>
+          <a:prstGeom prst="rect">
+            <a:avLst/>
+          </a:prstGeom>
+        </p:spPr>
+        <p:txBody>
+          <a:bodyPr lIns="0" rIns="0" tIns="0" bIns="0">
+            <a:normAutofit fontScale="34000"/>
+          </a:bodyPr>
+          <a:p>
+            <a:endParaRPr b="0" lang="ru-RU" sz="3200" spc="-1" strike="noStrike">
+              <a:latin typeface="Arial"/>
+            </a:endParaRPr>
+          </a:p>
+        </p:txBody>
+      </p:sp>
+      <p:sp>
+        <p:nvSpPr>
+          <p:cNvPr id="51" name="PlaceHolder 3"/>
+          <p:cNvSpPr>
+            <a:spLocks noGrp="1"/>
+          </p:cNvSpPr>
+          <p:nvPr>
+            <p:ph type="body"/>
+          </p:nvPr>
+        </p:nvSpPr>
+        <p:spPr>
+          <a:xfrm>
+            <a:off x="2772360" y="1326600"/>
+            <a:ext cx="2160000" cy="3287880"/>
+          </a:xfrm>
+          <a:prstGeom prst="rect">
+            <a:avLst/>
+          </a:prstGeom>
+        </p:spPr>
+        <p:txBody>
+          <a:bodyPr lIns="0" rIns="0" tIns="0" bIns="0">
+            <a:normAutofit/>
+          </a:bodyPr>
+          <a:p>
+            <a:endParaRPr b="0" lang="ru-RU" sz="3200" spc="-1" strike="noStrike">
+              <a:latin typeface="Arial"/>
+            </a:endParaRPr>
+          </a:p>
+        </p:txBody>
+      </p:sp>
+      <p:sp>
+        <p:nvSpPr>
+          <p:cNvPr id="52" name="PlaceHolder 4"/>
+          <p:cNvSpPr>
+            <a:spLocks noGrp="1"/>
+          </p:cNvSpPr>
+          <p:nvPr>
+            <p:ph type="body"/>
+          </p:nvPr>
+        </p:nvSpPr>
+        <p:spPr>
+          <a:xfrm>
+            <a:off x="504000" y="3044160"/>
+            <a:ext cx="2160000" cy="1568160"/>
+          </a:xfrm>
+          <a:prstGeom prst="rect">
+            <a:avLst/>
+          </a:prstGeom>
+        </p:spPr>
+        <p:txBody>
+          <a:bodyPr lIns="0" rIns="0" tIns="0" bIns="0">
+            <a:normAutofit fontScale="34000"/>
           </a:bodyPr>
           <a:p>
             <a:endParaRPr b="0" lang="ru-RU" sz="3200" spc="-1" strike="noStrike">
@@ -575,7 +1136,7 @@
       </p:grpSpPr>
       <p:sp>
         <p:nvSpPr>
-          <p:cNvPr id="5" name="PlaceHolder 1"/>
+          <p:cNvPr id="2" name="PlaceHolder 1"/>
           <p:cNvSpPr>
             <a:spLocks noGrp="1"/>
           </p:cNvSpPr>
@@ -586,7 +1147,7 @@
         <p:spPr>
           <a:xfrm>
             <a:off x="504000" y="74160"/>
-            <a:ext cx="9071640" cy="1250280"/>
+            <a:ext cx="9071280" cy="1250280"/>
           </a:xfrm>
           <a:prstGeom prst="rect">
             <a:avLst/>
@@ -606,7 +1167,7 @@
       </p:sp>
       <p:sp>
         <p:nvSpPr>
-          <p:cNvPr id="6" name="PlaceHolder 2"/>
+          <p:cNvPr id="3" name="PlaceHolder 2"/>
           <p:cNvSpPr>
             <a:spLocks noGrp="1"/>
           </p:cNvSpPr>
@@ -617,7 +1178,7 @@
         <p:spPr>
           <a:xfrm>
             <a:off x="504000" y="1326600"/>
-            <a:ext cx="9071640" cy="3288240"/>
+            <a:ext cx="4426560" cy="3287880"/>
           </a:xfrm>
           <a:prstGeom prst="rect">
             <a:avLst/>
@@ -630,6 +1191,1166 @@
           <a:p>
             <a:pPr algn="ctr"/>
             <a:endParaRPr b="0" lang="ru-RU" sz="3200" spc="-1" strike="noStrike">
+              <a:latin typeface="Arial"/>
+            </a:endParaRPr>
+          </a:p>
+        </p:txBody>
+      </p:sp>
+    </p:spTree>
+  </p:cSld>
+</p:sldLayout>
+</file>
+
+<file path=ppt/slideLayouts/slideLayout20.xml><?xml version="1.0" encoding="utf-8"?>
+<p:sldLayout xmlns:a="http://schemas.openxmlformats.org/drawingml/2006/main" xmlns:p="http://schemas.openxmlformats.org/presentationml/2006/main" xmlns:r="http://schemas.openxmlformats.org/officeDocument/2006/relationships" xmlns:p14="http://schemas.microsoft.com/office/powerpoint/2010/main" xmlns:p15="http://schemas.microsoft.com/office/powerpoint/2012/main" xmlns:mc="http://schemas.openxmlformats.org/markup-compatibility/2006" type="objAndTwoObj" preserve="1">
+  <p:cSld name="Title Content and 2 Content">
+    <p:spTree>
+      <p:nvGrpSpPr>
+        <p:cNvPr id="1" name=""/>
+        <p:cNvGrpSpPr/>
+        <p:nvPr/>
+      </p:nvGrpSpPr>
+      <p:grpSpPr>
+        <a:xfrm>
+          <a:off x="0" y="0"/>
+          <a:ext cx="0" cy="0"/>
+          <a:chOff x="0" y="0"/>
+          <a:chExt cx="0" cy="0"/>
+        </a:xfrm>
+      </p:grpSpPr>
+      <p:sp>
+        <p:nvSpPr>
+          <p:cNvPr id="53" name="PlaceHolder 1"/>
+          <p:cNvSpPr>
+            <a:spLocks noGrp="1"/>
+          </p:cNvSpPr>
+          <p:nvPr>
+            <p:ph type="title"/>
+          </p:nvPr>
+        </p:nvSpPr>
+        <p:spPr>
+          <a:xfrm>
+            <a:off x="504000" y="74160"/>
+            <a:ext cx="9071280" cy="1250280"/>
+          </a:xfrm>
+          <a:prstGeom prst="rect">
+            <a:avLst/>
+          </a:prstGeom>
+        </p:spPr>
+        <p:txBody>
+          <a:bodyPr lIns="0" rIns="0" tIns="0" bIns="0" anchor="ctr">
+            <a:noAutofit/>
+          </a:bodyPr>
+          <a:p>
+            <a:pPr algn="ctr"/>
+            <a:endParaRPr b="0" lang="ru-RU" sz="4400" spc="-1" strike="noStrike">
+              <a:latin typeface="Arial"/>
+            </a:endParaRPr>
+          </a:p>
+        </p:txBody>
+      </p:sp>
+      <p:sp>
+        <p:nvSpPr>
+          <p:cNvPr id="54" name="PlaceHolder 2"/>
+          <p:cNvSpPr>
+            <a:spLocks noGrp="1"/>
+          </p:cNvSpPr>
+          <p:nvPr>
+            <p:ph type="body"/>
+          </p:nvPr>
+        </p:nvSpPr>
+        <p:spPr>
+          <a:xfrm>
+            <a:off x="504000" y="1326600"/>
+            <a:ext cx="2160000" cy="3287880"/>
+          </a:xfrm>
+          <a:prstGeom prst="rect">
+            <a:avLst/>
+          </a:prstGeom>
+        </p:spPr>
+        <p:txBody>
+          <a:bodyPr lIns="0" rIns="0" tIns="0" bIns="0">
+            <a:normAutofit/>
+          </a:bodyPr>
+          <a:p>
+            <a:endParaRPr b="0" lang="ru-RU" sz="3200" spc="-1" strike="noStrike">
+              <a:latin typeface="Arial"/>
+            </a:endParaRPr>
+          </a:p>
+        </p:txBody>
+      </p:sp>
+      <p:sp>
+        <p:nvSpPr>
+          <p:cNvPr id="55" name="PlaceHolder 3"/>
+          <p:cNvSpPr>
+            <a:spLocks noGrp="1"/>
+          </p:cNvSpPr>
+          <p:nvPr>
+            <p:ph type="body"/>
+          </p:nvPr>
+        </p:nvSpPr>
+        <p:spPr>
+          <a:xfrm>
+            <a:off x="2772360" y="1326600"/>
+            <a:ext cx="2160000" cy="1568160"/>
+          </a:xfrm>
+          <a:prstGeom prst="rect">
+            <a:avLst/>
+          </a:prstGeom>
+        </p:spPr>
+        <p:txBody>
+          <a:bodyPr lIns="0" rIns="0" tIns="0" bIns="0">
+            <a:normAutofit fontScale="34000"/>
+          </a:bodyPr>
+          <a:p>
+            <a:endParaRPr b="0" lang="ru-RU" sz="3200" spc="-1" strike="noStrike">
+              <a:latin typeface="Arial"/>
+            </a:endParaRPr>
+          </a:p>
+        </p:txBody>
+      </p:sp>
+      <p:sp>
+        <p:nvSpPr>
+          <p:cNvPr id="56" name="PlaceHolder 4"/>
+          <p:cNvSpPr>
+            <a:spLocks noGrp="1"/>
+          </p:cNvSpPr>
+          <p:nvPr>
+            <p:ph type="body"/>
+          </p:nvPr>
+        </p:nvSpPr>
+        <p:spPr>
+          <a:xfrm>
+            <a:off x="2772360" y="3044160"/>
+            <a:ext cx="2160000" cy="1568160"/>
+          </a:xfrm>
+          <a:prstGeom prst="rect">
+            <a:avLst/>
+          </a:prstGeom>
+        </p:spPr>
+        <p:txBody>
+          <a:bodyPr lIns="0" rIns="0" tIns="0" bIns="0">
+            <a:normAutofit fontScale="34000"/>
+          </a:bodyPr>
+          <a:p>
+            <a:endParaRPr b="0" lang="ru-RU" sz="3200" spc="-1" strike="noStrike">
+              <a:latin typeface="Arial"/>
+            </a:endParaRPr>
+          </a:p>
+        </p:txBody>
+      </p:sp>
+    </p:spTree>
+  </p:cSld>
+</p:sldLayout>
+</file>
+
+<file path=ppt/slideLayouts/slideLayout21.xml><?xml version="1.0" encoding="utf-8"?>
+<p:sldLayout xmlns:a="http://schemas.openxmlformats.org/drawingml/2006/main" xmlns:p="http://schemas.openxmlformats.org/presentationml/2006/main" xmlns:r="http://schemas.openxmlformats.org/officeDocument/2006/relationships" xmlns:p14="http://schemas.microsoft.com/office/powerpoint/2010/main" xmlns:p15="http://schemas.microsoft.com/office/powerpoint/2012/main" xmlns:mc="http://schemas.openxmlformats.org/markup-compatibility/2006" type="twoObjOverTx" preserve="1">
+  <p:cSld name="Title, 2 Content over Content">
+    <p:spTree>
+      <p:nvGrpSpPr>
+        <p:cNvPr id="1" name=""/>
+        <p:cNvGrpSpPr/>
+        <p:nvPr/>
+      </p:nvGrpSpPr>
+      <p:grpSpPr>
+        <a:xfrm>
+          <a:off x="0" y="0"/>
+          <a:ext cx="0" cy="0"/>
+          <a:chOff x="0" y="0"/>
+          <a:chExt cx="0" cy="0"/>
+        </a:xfrm>
+      </p:grpSpPr>
+      <p:sp>
+        <p:nvSpPr>
+          <p:cNvPr id="57" name="PlaceHolder 1"/>
+          <p:cNvSpPr>
+            <a:spLocks noGrp="1"/>
+          </p:cNvSpPr>
+          <p:nvPr>
+            <p:ph type="title"/>
+          </p:nvPr>
+        </p:nvSpPr>
+        <p:spPr>
+          <a:xfrm>
+            <a:off x="504000" y="74160"/>
+            <a:ext cx="9071280" cy="1250280"/>
+          </a:xfrm>
+          <a:prstGeom prst="rect">
+            <a:avLst/>
+          </a:prstGeom>
+        </p:spPr>
+        <p:txBody>
+          <a:bodyPr lIns="0" rIns="0" tIns="0" bIns="0" anchor="ctr">
+            <a:noAutofit/>
+          </a:bodyPr>
+          <a:p>
+            <a:pPr algn="ctr"/>
+            <a:endParaRPr b="0" lang="ru-RU" sz="4400" spc="-1" strike="noStrike">
+              <a:latin typeface="Arial"/>
+            </a:endParaRPr>
+          </a:p>
+        </p:txBody>
+      </p:sp>
+      <p:sp>
+        <p:nvSpPr>
+          <p:cNvPr id="58" name="PlaceHolder 2"/>
+          <p:cNvSpPr>
+            <a:spLocks noGrp="1"/>
+          </p:cNvSpPr>
+          <p:nvPr>
+            <p:ph type="body"/>
+          </p:nvPr>
+        </p:nvSpPr>
+        <p:spPr>
+          <a:xfrm>
+            <a:off x="504000" y="1326600"/>
+            <a:ext cx="2160000" cy="1568160"/>
+          </a:xfrm>
+          <a:prstGeom prst="rect">
+            <a:avLst/>
+          </a:prstGeom>
+        </p:spPr>
+        <p:txBody>
+          <a:bodyPr lIns="0" rIns="0" tIns="0" bIns="0">
+            <a:normAutofit fontScale="34000"/>
+          </a:bodyPr>
+          <a:p>
+            <a:endParaRPr b="0" lang="ru-RU" sz="3200" spc="-1" strike="noStrike">
+              <a:latin typeface="Arial"/>
+            </a:endParaRPr>
+          </a:p>
+        </p:txBody>
+      </p:sp>
+      <p:sp>
+        <p:nvSpPr>
+          <p:cNvPr id="59" name="PlaceHolder 3"/>
+          <p:cNvSpPr>
+            <a:spLocks noGrp="1"/>
+          </p:cNvSpPr>
+          <p:nvPr>
+            <p:ph type="body"/>
+          </p:nvPr>
+        </p:nvSpPr>
+        <p:spPr>
+          <a:xfrm>
+            <a:off x="2772360" y="1326600"/>
+            <a:ext cx="2160000" cy="1568160"/>
+          </a:xfrm>
+          <a:prstGeom prst="rect">
+            <a:avLst/>
+          </a:prstGeom>
+        </p:spPr>
+        <p:txBody>
+          <a:bodyPr lIns="0" rIns="0" tIns="0" bIns="0">
+            <a:normAutofit fontScale="34000"/>
+          </a:bodyPr>
+          <a:p>
+            <a:endParaRPr b="0" lang="ru-RU" sz="3200" spc="-1" strike="noStrike">
+              <a:latin typeface="Arial"/>
+            </a:endParaRPr>
+          </a:p>
+        </p:txBody>
+      </p:sp>
+      <p:sp>
+        <p:nvSpPr>
+          <p:cNvPr id="60" name="PlaceHolder 4"/>
+          <p:cNvSpPr>
+            <a:spLocks noGrp="1"/>
+          </p:cNvSpPr>
+          <p:nvPr>
+            <p:ph type="body"/>
+          </p:nvPr>
+        </p:nvSpPr>
+        <p:spPr>
+          <a:xfrm>
+            <a:off x="504000" y="3044160"/>
+            <a:ext cx="4426560" cy="1568160"/>
+          </a:xfrm>
+          <a:prstGeom prst="rect">
+            <a:avLst/>
+          </a:prstGeom>
+        </p:spPr>
+        <p:txBody>
+          <a:bodyPr lIns="0" rIns="0" tIns="0" bIns="0">
+            <a:normAutofit/>
+          </a:bodyPr>
+          <a:p>
+            <a:endParaRPr b="0" lang="ru-RU" sz="3200" spc="-1" strike="noStrike">
+              <a:latin typeface="Arial"/>
+            </a:endParaRPr>
+          </a:p>
+        </p:txBody>
+      </p:sp>
+    </p:spTree>
+  </p:cSld>
+</p:sldLayout>
+</file>
+
+<file path=ppt/slideLayouts/slideLayout22.xml><?xml version="1.0" encoding="utf-8"?>
+<p:sldLayout xmlns:a="http://schemas.openxmlformats.org/drawingml/2006/main" xmlns:p="http://schemas.openxmlformats.org/presentationml/2006/main" xmlns:r="http://schemas.openxmlformats.org/officeDocument/2006/relationships" xmlns:p14="http://schemas.microsoft.com/office/powerpoint/2010/main" xmlns:p15="http://schemas.microsoft.com/office/powerpoint/2012/main" xmlns:mc="http://schemas.openxmlformats.org/markup-compatibility/2006" type="objOverTx" preserve="1">
+  <p:cSld name="Title, Content over Content">
+    <p:spTree>
+      <p:nvGrpSpPr>
+        <p:cNvPr id="1" name=""/>
+        <p:cNvGrpSpPr/>
+        <p:nvPr/>
+      </p:nvGrpSpPr>
+      <p:grpSpPr>
+        <a:xfrm>
+          <a:off x="0" y="0"/>
+          <a:ext cx="0" cy="0"/>
+          <a:chOff x="0" y="0"/>
+          <a:chExt cx="0" cy="0"/>
+        </a:xfrm>
+      </p:grpSpPr>
+      <p:sp>
+        <p:nvSpPr>
+          <p:cNvPr id="61" name="PlaceHolder 1"/>
+          <p:cNvSpPr>
+            <a:spLocks noGrp="1"/>
+          </p:cNvSpPr>
+          <p:nvPr>
+            <p:ph type="title"/>
+          </p:nvPr>
+        </p:nvSpPr>
+        <p:spPr>
+          <a:xfrm>
+            <a:off x="504000" y="74160"/>
+            <a:ext cx="9071280" cy="1250280"/>
+          </a:xfrm>
+          <a:prstGeom prst="rect">
+            <a:avLst/>
+          </a:prstGeom>
+        </p:spPr>
+        <p:txBody>
+          <a:bodyPr lIns="0" rIns="0" tIns="0" bIns="0" anchor="ctr">
+            <a:noAutofit/>
+          </a:bodyPr>
+          <a:p>
+            <a:pPr algn="ctr"/>
+            <a:endParaRPr b="0" lang="ru-RU" sz="4400" spc="-1" strike="noStrike">
+              <a:latin typeface="Arial"/>
+            </a:endParaRPr>
+          </a:p>
+        </p:txBody>
+      </p:sp>
+      <p:sp>
+        <p:nvSpPr>
+          <p:cNvPr id="62" name="PlaceHolder 2"/>
+          <p:cNvSpPr>
+            <a:spLocks noGrp="1"/>
+          </p:cNvSpPr>
+          <p:nvPr>
+            <p:ph type="body"/>
+          </p:nvPr>
+        </p:nvSpPr>
+        <p:spPr>
+          <a:xfrm>
+            <a:off x="504000" y="1326600"/>
+            <a:ext cx="4426560" cy="1568160"/>
+          </a:xfrm>
+          <a:prstGeom prst="rect">
+            <a:avLst/>
+          </a:prstGeom>
+        </p:spPr>
+        <p:txBody>
+          <a:bodyPr lIns="0" rIns="0" tIns="0" bIns="0">
+            <a:normAutofit/>
+          </a:bodyPr>
+          <a:p>
+            <a:endParaRPr b="0" lang="ru-RU" sz="3200" spc="-1" strike="noStrike">
+              <a:latin typeface="Arial"/>
+            </a:endParaRPr>
+          </a:p>
+        </p:txBody>
+      </p:sp>
+      <p:sp>
+        <p:nvSpPr>
+          <p:cNvPr id="63" name="PlaceHolder 3"/>
+          <p:cNvSpPr>
+            <a:spLocks noGrp="1"/>
+          </p:cNvSpPr>
+          <p:nvPr>
+            <p:ph type="body"/>
+          </p:nvPr>
+        </p:nvSpPr>
+        <p:spPr>
+          <a:xfrm>
+            <a:off x="504000" y="3044160"/>
+            <a:ext cx="4426560" cy="1568160"/>
+          </a:xfrm>
+          <a:prstGeom prst="rect">
+            <a:avLst/>
+          </a:prstGeom>
+        </p:spPr>
+        <p:txBody>
+          <a:bodyPr lIns="0" rIns="0" tIns="0" bIns="0">
+            <a:normAutofit/>
+          </a:bodyPr>
+          <a:p>
+            <a:endParaRPr b="0" lang="ru-RU" sz="3200" spc="-1" strike="noStrike">
+              <a:latin typeface="Arial"/>
+            </a:endParaRPr>
+          </a:p>
+        </p:txBody>
+      </p:sp>
+    </p:spTree>
+  </p:cSld>
+</p:sldLayout>
+</file>
+
+<file path=ppt/slideLayouts/slideLayout23.xml><?xml version="1.0" encoding="utf-8"?>
+<p:sldLayout xmlns:a="http://schemas.openxmlformats.org/drawingml/2006/main" xmlns:p="http://schemas.openxmlformats.org/presentationml/2006/main" xmlns:r="http://schemas.openxmlformats.org/officeDocument/2006/relationships" xmlns:p14="http://schemas.microsoft.com/office/powerpoint/2010/main" xmlns:p15="http://schemas.microsoft.com/office/powerpoint/2012/main" xmlns:mc="http://schemas.openxmlformats.org/markup-compatibility/2006" type="fourObj" preserve="1">
+  <p:cSld name="Title, 4 Content">
+    <p:spTree>
+      <p:nvGrpSpPr>
+        <p:cNvPr id="1" name=""/>
+        <p:cNvGrpSpPr/>
+        <p:nvPr/>
+      </p:nvGrpSpPr>
+      <p:grpSpPr>
+        <a:xfrm>
+          <a:off x="0" y="0"/>
+          <a:ext cx="0" cy="0"/>
+          <a:chOff x="0" y="0"/>
+          <a:chExt cx="0" cy="0"/>
+        </a:xfrm>
+      </p:grpSpPr>
+      <p:sp>
+        <p:nvSpPr>
+          <p:cNvPr id="64" name="PlaceHolder 1"/>
+          <p:cNvSpPr>
+            <a:spLocks noGrp="1"/>
+          </p:cNvSpPr>
+          <p:nvPr>
+            <p:ph type="title"/>
+          </p:nvPr>
+        </p:nvSpPr>
+        <p:spPr>
+          <a:xfrm>
+            <a:off x="504000" y="74160"/>
+            <a:ext cx="9071280" cy="1250280"/>
+          </a:xfrm>
+          <a:prstGeom prst="rect">
+            <a:avLst/>
+          </a:prstGeom>
+        </p:spPr>
+        <p:txBody>
+          <a:bodyPr lIns="0" rIns="0" tIns="0" bIns="0" anchor="ctr">
+            <a:noAutofit/>
+          </a:bodyPr>
+          <a:p>
+            <a:pPr algn="ctr"/>
+            <a:endParaRPr b="0" lang="ru-RU" sz="4400" spc="-1" strike="noStrike">
+              <a:latin typeface="Arial"/>
+            </a:endParaRPr>
+          </a:p>
+        </p:txBody>
+      </p:sp>
+      <p:sp>
+        <p:nvSpPr>
+          <p:cNvPr id="65" name="PlaceHolder 2"/>
+          <p:cNvSpPr>
+            <a:spLocks noGrp="1"/>
+          </p:cNvSpPr>
+          <p:nvPr>
+            <p:ph type="body"/>
+          </p:nvPr>
+        </p:nvSpPr>
+        <p:spPr>
+          <a:xfrm>
+            <a:off x="504000" y="1326600"/>
+            <a:ext cx="2160000" cy="1568160"/>
+          </a:xfrm>
+          <a:prstGeom prst="rect">
+            <a:avLst/>
+          </a:prstGeom>
+        </p:spPr>
+        <p:txBody>
+          <a:bodyPr lIns="0" rIns="0" tIns="0" bIns="0">
+            <a:normAutofit fontScale="34000"/>
+          </a:bodyPr>
+          <a:p>
+            <a:endParaRPr b="0" lang="ru-RU" sz="3200" spc="-1" strike="noStrike">
+              <a:latin typeface="Arial"/>
+            </a:endParaRPr>
+          </a:p>
+        </p:txBody>
+      </p:sp>
+      <p:sp>
+        <p:nvSpPr>
+          <p:cNvPr id="66" name="PlaceHolder 3"/>
+          <p:cNvSpPr>
+            <a:spLocks noGrp="1"/>
+          </p:cNvSpPr>
+          <p:nvPr>
+            <p:ph type="body"/>
+          </p:nvPr>
+        </p:nvSpPr>
+        <p:spPr>
+          <a:xfrm>
+            <a:off x="2772360" y="1326600"/>
+            <a:ext cx="2160000" cy="1568160"/>
+          </a:xfrm>
+          <a:prstGeom prst="rect">
+            <a:avLst/>
+          </a:prstGeom>
+        </p:spPr>
+        <p:txBody>
+          <a:bodyPr lIns="0" rIns="0" tIns="0" bIns="0">
+            <a:normAutofit fontScale="34000"/>
+          </a:bodyPr>
+          <a:p>
+            <a:endParaRPr b="0" lang="ru-RU" sz="3200" spc="-1" strike="noStrike">
+              <a:latin typeface="Arial"/>
+            </a:endParaRPr>
+          </a:p>
+        </p:txBody>
+      </p:sp>
+      <p:sp>
+        <p:nvSpPr>
+          <p:cNvPr id="67" name="PlaceHolder 4"/>
+          <p:cNvSpPr>
+            <a:spLocks noGrp="1"/>
+          </p:cNvSpPr>
+          <p:nvPr>
+            <p:ph type="body"/>
+          </p:nvPr>
+        </p:nvSpPr>
+        <p:spPr>
+          <a:xfrm>
+            <a:off x="504000" y="3044160"/>
+            <a:ext cx="2160000" cy="1568160"/>
+          </a:xfrm>
+          <a:prstGeom prst="rect">
+            <a:avLst/>
+          </a:prstGeom>
+        </p:spPr>
+        <p:txBody>
+          <a:bodyPr lIns="0" rIns="0" tIns="0" bIns="0">
+            <a:normAutofit fontScale="34000"/>
+          </a:bodyPr>
+          <a:p>
+            <a:endParaRPr b="0" lang="ru-RU" sz="3200" spc="-1" strike="noStrike">
+              <a:latin typeface="Arial"/>
+            </a:endParaRPr>
+          </a:p>
+        </p:txBody>
+      </p:sp>
+      <p:sp>
+        <p:nvSpPr>
+          <p:cNvPr id="68" name="PlaceHolder 5"/>
+          <p:cNvSpPr>
+            <a:spLocks noGrp="1"/>
+          </p:cNvSpPr>
+          <p:nvPr>
+            <p:ph type="body"/>
+          </p:nvPr>
+        </p:nvSpPr>
+        <p:spPr>
+          <a:xfrm>
+            <a:off x="2772360" y="3044160"/>
+            <a:ext cx="2160000" cy="1568160"/>
+          </a:xfrm>
+          <a:prstGeom prst="rect">
+            <a:avLst/>
+          </a:prstGeom>
+        </p:spPr>
+        <p:txBody>
+          <a:bodyPr lIns="0" rIns="0" tIns="0" bIns="0">
+            <a:normAutofit fontScale="34000"/>
+          </a:bodyPr>
+          <a:p>
+            <a:endParaRPr b="0" lang="ru-RU" sz="3200" spc="-1" strike="noStrike">
+              <a:latin typeface="Arial"/>
+            </a:endParaRPr>
+          </a:p>
+        </p:txBody>
+      </p:sp>
+    </p:spTree>
+  </p:cSld>
+</p:sldLayout>
+</file>
+
+<file path=ppt/slideLayouts/slideLayout24.xml><?xml version="1.0" encoding="utf-8"?>
+<p:sldLayout xmlns:a="http://schemas.openxmlformats.org/drawingml/2006/main" xmlns:p="http://schemas.openxmlformats.org/presentationml/2006/main" xmlns:r="http://schemas.openxmlformats.org/officeDocument/2006/relationships" xmlns:p14="http://schemas.microsoft.com/office/powerpoint/2010/main" xmlns:p15="http://schemas.microsoft.com/office/powerpoint/2012/main" xmlns:mc="http://schemas.openxmlformats.org/markup-compatibility/2006" type="blank" preserve="1">
+  <p:cSld name="Title, 6 Content">
+    <p:spTree>
+      <p:nvGrpSpPr>
+        <p:cNvPr id="1" name=""/>
+        <p:cNvGrpSpPr/>
+        <p:nvPr/>
+      </p:nvGrpSpPr>
+      <p:grpSpPr>
+        <a:xfrm>
+          <a:off x="0" y="0"/>
+          <a:ext cx="0" cy="0"/>
+          <a:chOff x="0" y="0"/>
+          <a:chExt cx="0" cy="0"/>
+        </a:xfrm>
+      </p:grpSpPr>
+      <p:sp>
+        <p:nvSpPr>
+          <p:cNvPr id="69" name="PlaceHolder 1"/>
+          <p:cNvSpPr>
+            <a:spLocks noGrp="1"/>
+          </p:cNvSpPr>
+          <p:nvPr>
+            <p:ph type="title"/>
+          </p:nvPr>
+        </p:nvSpPr>
+        <p:spPr>
+          <a:xfrm>
+            <a:off x="504000" y="74160"/>
+            <a:ext cx="9071280" cy="1250280"/>
+          </a:xfrm>
+          <a:prstGeom prst="rect">
+            <a:avLst/>
+          </a:prstGeom>
+        </p:spPr>
+        <p:txBody>
+          <a:bodyPr lIns="0" rIns="0" tIns="0" bIns="0" anchor="ctr">
+            <a:noAutofit/>
+          </a:bodyPr>
+          <a:p>
+            <a:pPr algn="ctr"/>
+            <a:endParaRPr b="0" lang="ru-RU" sz="4400" spc="-1" strike="noStrike">
+              <a:latin typeface="Arial"/>
+            </a:endParaRPr>
+          </a:p>
+        </p:txBody>
+      </p:sp>
+      <p:sp>
+        <p:nvSpPr>
+          <p:cNvPr id="70" name="PlaceHolder 2"/>
+          <p:cNvSpPr>
+            <a:spLocks noGrp="1"/>
+          </p:cNvSpPr>
+          <p:nvPr>
+            <p:ph type="body"/>
+          </p:nvPr>
+        </p:nvSpPr>
+        <p:spPr>
+          <a:xfrm>
+            <a:off x="504000" y="1326600"/>
+            <a:ext cx="1425240" cy="1568160"/>
+          </a:xfrm>
+          <a:prstGeom prst="rect">
+            <a:avLst/>
+          </a:prstGeom>
+        </p:spPr>
+        <p:txBody>
+          <a:bodyPr lIns="0" rIns="0" tIns="0" bIns="0">
+            <a:normAutofit fontScale="20000"/>
+          </a:bodyPr>
+          <a:p>
+            <a:endParaRPr b="0" lang="ru-RU" sz="3200" spc="-1" strike="noStrike">
+              <a:latin typeface="Arial"/>
+            </a:endParaRPr>
+          </a:p>
+        </p:txBody>
+      </p:sp>
+      <p:sp>
+        <p:nvSpPr>
+          <p:cNvPr id="71" name="PlaceHolder 3"/>
+          <p:cNvSpPr>
+            <a:spLocks noGrp="1"/>
+          </p:cNvSpPr>
+          <p:nvPr>
+            <p:ph type="body"/>
+          </p:nvPr>
+        </p:nvSpPr>
+        <p:spPr>
+          <a:xfrm>
+            <a:off x="2000880" y="1326600"/>
+            <a:ext cx="1425240" cy="1568160"/>
+          </a:xfrm>
+          <a:prstGeom prst="rect">
+            <a:avLst/>
+          </a:prstGeom>
+        </p:spPr>
+        <p:txBody>
+          <a:bodyPr lIns="0" rIns="0" tIns="0" bIns="0">
+            <a:normAutofit fontScale="20000"/>
+          </a:bodyPr>
+          <a:p>
+            <a:endParaRPr b="0" lang="ru-RU" sz="3200" spc="-1" strike="noStrike">
+              <a:latin typeface="Arial"/>
+            </a:endParaRPr>
+          </a:p>
+        </p:txBody>
+      </p:sp>
+      <p:sp>
+        <p:nvSpPr>
+          <p:cNvPr id="72" name="PlaceHolder 4"/>
+          <p:cNvSpPr>
+            <a:spLocks noGrp="1"/>
+          </p:cNvSpPr>
+          <p:nvPr>
+            <p:ph type="body"/>
+          </p:nvPr>
+        </p:nvSpPr>
+        <p:spPr>
+          <a:xfrm>
+            <a:off x="3497760" y="1326600"/>
+            <a:ext cx="1425240" cy="1568160"/>
+          </a:xfrm>
+          <a:prstGeom prst="rect">
+            <a:avLst/>
+          </a:prstGeom>
+        </p:spPr>
+        <p:txBody>
+          <a:bodyPr lIns="0" rIns="0" tIns="0" bIns="0">
+            <a:normAutofit fontScale="20000"/>
+          </a:bodyPr>
+          <a:p>
+            <a:endParaRPr b="0" lang="ru-RU" sz="3200" spc="-1" strike="noStrike">
+              <a:latin typeface="Arial"/>
+            </a:endParaRPr>
+          </a:p>
+        </p:txBody>
+      </p:sp>
+      <p:sp>
+        <p:nvSpPr>
+          <p:cNvPr id="73" name="PlaceHolder 5"/>
+          <p:cNvSpPr>
+            <a:spLocks noGrp="1"/>
+          </p:cNvSpPr>
+          <p:nvPr>
+            <p:ph type="body"/>
+          </p:nvPr>
+        </p:nvSpPr>
+        <p:spPr>
+          <a:xfrm>
+            <a:off x="504000" y="3044160"/>
+            <a:ext cx="1425240" cy="1568160"/>
+          </a:xfrm>
+          <a:prstGeom prst="rect">
+            <a:avLst/>
+          </a:prstGeom>
+        </p:spPr>
+        <p:txBody>
+          <a:bodyPr lIns="0" rIns="0" tIns="0" bIns="0">
+            <a:normAutofit fontScale="20000"/>
+          </a:bodyPr>
+          <a:p>
+            <a:endParaRPr b="0" lang="ru-RU" sz="3200" spc="-1" strike="noStrike">
+              <a:latin typeface="Arial"/>
+            </a:endParaRPr>
+          </a:p>
+        </p:txBody>
+      </p:sp>
+      <p:sp>
+        <p:nvSpPr>
+          <p:cNvPr id="74" name="PlaceHolder 6"/>
+          <p:cNvSpPr>
+            <a:spLocks noGrp="1"/>
+          </p:cNvSpPr>
+          <p:nvPr>
+            <p:ph type="body"/>
+          </p:nvPr>
+        </p:nvSpPr>
+        <p:spPr>
+          <a:xfrm>
+            <a:off x="2000880" y="3044160"/>
+            <a:ext cx="1425240" cy="1568160"/>
+          </a:xfrm>
+          <a:prstGeom prst="rect">
+            <a:avLst/>
+          </a:prstGeom>
+        </p:spPr>
+        <p:txBody>
+          <a:bodyPr lIns="0" rIns="0" tIns="0" bIns="0">
+            <a:normAutofit fontScale="20000"/>
+          </a:bodyPr>
+          <a:p>
+            <a:endParaRPr b="0" lang="ru-RU" sz="3200" spc="-1" strike="noStrike">
+              <a:latin typeface="Arial"/>
+            </a:endParaRPr>
+          </a:p>
+        </p:txBody>
+      </p:sp>
+      <p:sp>
+        <p:nvSpPr>
+          <p:cNvPr id="75" name="PlaceHolder 7"/>
+          <p:cNvSpPr>
+            <a:spLocks noGrp="1"/>
+          </p:cNvSpPr>
+          <p:nvPr>
+            <p:ph type="body"/>
+          </p:nvPr>
+        </p:nvSpPr>
+        <p:spPr>
+          <a:xfrm>
+            <a:off x="3497760" y="3044160"/>
+            <a:ext cx="1425240" cy="1568160"/>
+          </a:xfrm>
+          <a:prstGeom prst="rect">
+            <a:avLst/>
+          </a:prstGeom>
+        </p:spPr>
+        <p:txBody>
+          <a:bodyPr lIns="0" rIns="0" tIns="0" bIns="0">
+            <a:normAutofit fontScale="20000"/>
+          </a:bodyPr>
+          <a:p>
+            <a:endParaRPr b="0" lang="ru-RU" sz="3200" spc="-1" strike="noStrike">
+              <a:latin typeface="Arial"/>
+            </a:endParaRPr>
+          </a:p>
+        </p:txBody>
+      </p:sp>
+    </p:spTree>
+  </p:cSld>
+</p:sldLayout>
+</file>
+
+<file path=ppt/slideLayouts/slideLayout25.xml><?xml version="1.0" encoding="utf-8"?>
+<p:sldLayout xmlns:a="http://schemas.openxmlformats.org/drawingml/2006/main" xmlns:p="http://schemas.openxmlformats.org/presentationml/2006/main" xmlns:r="http://schemas.openxmlformats.org/officeDocument/2006/relationships" xmlns:p14="http://schemas.microsoft.com/office/powerpoint/2010/main" xmlns:p15="http://schemas.microsoft.com/office/powerpoint/2012/main" xmlns:mc="http://schemas.openxmlformats.org/markup-compatibility/2006" type="blank" preserve="1">
+  <p:cSld name="Blank Slide">
+    <p:spTree>
+      <p:nvGrpSpPr>
+        <p:cNvPr id="1" name=""/>
+        <p:cNvGrpSpPr/>
+        <p:nvPr/>
+      </p:nvGrpSpPr>
+      <p:grpSpPr>
+        <a:xfrm>
+          <a:off x="0" y="0"/>
+          <a:ext cx="0" cy="0"/>
+          <a:chOff x="0" y="0"/>
+          <a:chExt cx="0" cy="0"/>
+        </a:xfrm>
+      </p:grpSpPr>
+    </p:spTree>
+  </p:cSld>
+</p:sldLayout>
+</file>
+
+<file path=ppt/slideLayouts/slideLayout26.xml><?xml version="1.0" encoding="utf-8"?>
+<p:sldLayout xmlns:a="http://schemas.openxmlformats.org/drawingml/2006/main" xmlns:p="http://schemas.openxmlformats.org/presentationml/2006/main" xmlns:r="http://schemas.openxmlformats.org/officeDocument/2006/relationships" xmlns:p14="http://schemas.microsoft.com/office/powerpoint/2010/main" xmlns:p15="http://schemas.microsoft.com/office/powerpoint/2012/main" xmlns:mc="http://schemas.openxmlformats.org/markup-compatibility/2006" type="tx" preserve="1">
+  <p:cSld name="Title Slide">
+    <p:spTree>
+      <p:nvGrpSpPr>
+        <p:cNvPr id="1" name=""/>
+        <p:cNvGrpSpPr/>
+        <p:nvPr/>
+      </p:nvGrpSpPr>
+      <p:grpSpPr>
+        <a:xfrm>
+          <a:off x="0" y="0"/>
+          <a:ext cx="0" cy="0"/>
+          <a:chOff x="0" y="0"/>
+          <a:chExt cx="0" cy="0"/>
+        </a:xfrm>
+      </p:grpSpPr>
+      <p:sp>
+        <p:nvSpPr>
+          <p:cNvPr id="79" name="PlaceHolder 1"/>
+          <p:cNvSpPr>
+            <a:spLocks noGrp="1"/>
+          </p:cNvSpPr>
+          <p:nvPr>
+            <p:ph type="title"/>
+          </p:nvPr>
+        </p:nvSpPr>
+        <p:spPr>
+          <a:xfrm>
+            <a:off x="504000" y="74160"/>
+            <a:ext cx="9071280" cy="1250280"/>
+          </a:xfrm>
+          <a:prstGeom prst="rect">
+            <a:avLst/>
+          </a:prstGeom>
+        </p:spPr>
+        <p:txBody>
+          <a:bodyPr lIns="0" rIns="0" tIns="0" bIns="0" anchor="ctr">
+            <a:noAutofit/>
+          </a:bodyPr>
+          <a:p>
+            <a:pPr algn="ctr"/>
+            <a:endParaRPr b="0" lang="ru-RU" sz="4400" spc="-1" strike="noStrike">
+              <a:latin typeface="Arial"/>
+            </a:endParaRPr>
+          </a:p>
+        </p:txBody>
+      </p:sp>
+      <p:sp>
+        <p:nvSpPr>
+          <p:cNvPr id="80" name="PlaceHolder 2"/>
+          <p:cNvSpPr>
+            <a:spLocks noGrp="1"/>
+          </p:cNvSpPr>
+          <p:nvPr>
+            <p:ph type="subTitle"/>
+          </p:nvPr>
+        </p:nvSpPr>
+        <p:spPr>
+          <a:xfrm>
+            <a:off x="504000" y="1326600"/>
+            <a:ext cx="4426560" cy="3287880"/>
+          </a:xfrm>
+          <a:prstGeom prst="rect">
+            <a:avLst/>
+          </a:prstGeom>
+        </p:spPr>
+        <p:txBody>
+          <a:bodyPr lIns="0" rIns="0" tIns="0" bIns="0" anchor="ctr">
+            <a:noAutofit/>
+          </a:bodyPr>
+          <a:p>
+            <a:pPr algn="ctr"/>
+            <a:endParaRPr b="0" lang="ru-RU" sz="3200" spc="-1" strike="noStrike">
+              <a:latin typeface="Arial"/>
+            </a:endParaRPr>
+          </a:p>
+        </p:txBody>
+      </p:sp>
+    </p:spTree>
+  </p:cSld>
+</p:sldLayout>
+</file>
+
+<file path=ppt/slideLayouts/slideLayout27.xml><?xml version="1.0" encoding="utf-8"?>
+<p:sldLayout xmlns:a="http://schemas.openxmlformats.org/drawingml/2006/main" xmlns:p="http://schemas.openxmlformats.org/presentationml/2006/main" xmlns:r="http://schemas.openxmlformats.org/officeDocument/2006/relationships" xmlns:p14="http://schemas.microsoft.com/office/powerpoint/2010/main" xmlns:p15="http://schemas.microsoft.com/office/powerpoint/2012/main" xmlns:mc="http://schemas.openxmlformats.org/markup-compatibility/2006" type="obj" preserve="1">
+  <p:cSld name="Title, Content">
+    <p:spTree>
+      <p:nvGrpSpPr>
+        <p:cNvPr id="1" name=""/>
+        <p:cNvGrpSpPr/>
+        <p:nvPr/>
+      </p:nvGrpSpPr>
+      <p:grpSpPr>
+        <a:xfrm>
+          <a:off x="0" y="0"/>
+          <a:ext cx="0" cy="0"/>
+          <a:chOff x="0" y="0"/>
+          <a:chExt cx="0" cy="0"/>
+        </a:xfrm>
+      </p:grpSpPr>
+      <p:sp>
+        <p:nvSpPr>
+          <p:cNvPr id="81" name="PlaceHolder 1"/>
+          <p:cNvSpPr>
+            <a:spLocks noGrp="1"/>
+          </p:cNvSpPr>
+          <p:nvPr>
+            <p:ph type="title"/>
+          </p:nvPr>
+        </p:nvSpPr>
+        <p:spPr>
+          <a:xfrm>
+            <a:off x="504000" y="74160"/>
+            <a:ext cx="9071280" cy="1250280"/>
+          </a:xfrm>
+          <a:prstGeom prst="rect">
+            <a:avLst/>
+          </a:prstGeom>
+        </p:spPr>
+        <p:txBody>
+          <a:bodyPr lIns="0" rIns="0" tIns="0" bIns="0" anchor="ctr">
+            <a:noAutofit/>
+          </a:bodyPr>
+          <a:p>
+            <a:pPr algn="ctr"/>
+            <a:endParaRPr b="0" lang="ru-RU" sz="4400" spc="-1" strike="noStrike">
+              <a:latin typeface="Arial"/>
+            </a:endParaRPr>
+          </a:p>
+        </p:txBody>
+      </p:sp>
+      <p:sp>
+        <p:nvSpPr>
+          <p:cNvPr id="82" name="PlaceHolder 2"/>
+          <p:cNvSpPr>
+            <a:spLocks noGrp="1"/>
+          </p:cNvSpPr>
+          <p:nvPr>
+            <p:ph type="body"/>
+          </p:nvPr>
+        </p:nvSpPr>
+        <p:spPr>
+          <a:xfrm>
+            <a:off x="504000" y="1326600"/>
+            <a:ext cx="4426560" cy="3287880"/>
+          </a:xfrm>
+          <a:prstGeom prst="rect">
+            <a:avLst/>
+          </a:prstGeom>
+        </p:spPr>
+        <p:txBody>
+          <a:bodyPr lIns="0" rIns="0" tIns="0" bIns="0">
+            <a:normAutofit/>
+          </a:bodyPr>
+          <a:p>
+            <a:endParaRPr b="0" lang="ru-RU" sz="3200" spc="-1" strike="noStrike">
+              <a:latin typeface="Arial"/>
+            </a:endParaRPr>
+          </a:p>
+        </p:txBody>
+      </p:sp>
+    </p:spTree>
+  </p:cSld>
+</p:sldLayout>
+</file>
+
+<file path=ppt/slideLayouts/slideLayout28.xml><?xml version="1.0" encoding="utf-8"?>
+<p:sldLayout xmlns:a="http://schemas.openxmlformats.org/drawingml/2006/main" xmlns:p="http://schemas.openxmlformats.org/presentationml/2006/main" xmlns:r="http://schemas.openxmlformats.org/officeDocument/2006/relationships" xmlns:p14="http://schemas.microsoft.com/office/powerpoint/2010/main" xmlns:p15="http://schemas.microsoft.com/office/powerpoint/2012/main" xmlns:mc="http://schemas.openxmlformats.org/markup-compatibility/2006" type="twoObj" preserve="1">
+  <p:cSld name="Title, 2 Content">
+    <p:spTree>
+      <p:nvGrpSpPr>
+        <p:cNvPr id="1" name=""/>
+        <p:cNvGrpSpPr/>
+        <p:nvPr/>
+      </p:nvGrpSpPr>
+      <p:grpSpPr>
+        <a:xfrm>
+          <a:off x="0" y="0"/>
+          <a:ext cx="0" cy="0"/>
+          <a:chOff x="0" y="0"/>
+          <a:chExt cx="0" cy="0"/>
+        </a:xfrm>
+      </p:grpSpPr>
+      <p:sp>
+        <p:nvSpPr>
+          <p:cNvPr id="83" name="PlaceHolder 1"/>
+          <p:cNvSpPr>
+            <a:spLocks noGrp="1"/>
+          </p:cNvSpPr>
+          <p:nvPr>
+            <p:ph type="title"/>
+          </p:nvPr>
+        </p:nvSpPr>
+        <p:spPr>
+          <a:xfrm>
+            <a:off x="504000" y="74160"/>
+            <a:ext cx="9071280" cy="1250280"/>
+          </a:xfrm>
+          <a:prstGeom prst="rect">
+            <a:avLst/>
+          </a:prstGeom>
+        </p:spPr>
+        <p:txBody>
+          <a:bodyPr lIns="0" rIns="0" tIns="0" bIns="0" anchor="ctr">
+            <a:noAutofit/>
+          </a:bodyPr>
+          <a:p>
+            <a:pPr algn="ctr"/>
+            <a:endParaRPr b="0" lang="ru-RU" sz="4400" spc="-1" strike="noStrike">
+              <a:latin typeface="Arial"/>
+            </a:endParaRPr>
+          </a:p>
+        </p:txBody>
+      </p:sp>
+      <p:sp>
+        <p:nvSpPr>
+          <p:cNvPr id="84" name="PlaceHolder 2"/>
+          <p:cNvSpPr>
+            <a:spLocks noGrp="1"/>
+          </p:cNvSpPr>
+          <p:nvPr>
+            <p:ph type="body"/>
+          </p:nvPr>
+        </p:nvSpPr>
+        <p:spPr>
+          <a:xfrm>
+            <a:off x="504000" y="1326600"/>
+            <a:ext cx="2160000" cy="3287880"/>
+          </a:xfrm>
+          <a:prstGeom prst="rect">
+            <a:avLst/>
+          </a:prstGeom>
+        </p:spPr>
+        <p:txBody>
+          <a:bodyPr lIns="0" rIns="0" tIns="0" bIns="0">
+            <a:normAutofit/>
+          </a:bodyPr>
+          <a:p>
+            <a:endParaRPr b="0" lang="ru-RU" sz="3200" spc="-1" strike="noStrike">
+              <a:latin typeface="Arial"/>
+            </a:endParaRPr>
+          </a:p>
+        </p:txBody>
+      </p:sp>
+      <p:sp>
+        <p:nvSpPr>
+          <p:cNvPr id="85" name="PlaceHolder 3"/>
+          <p:cNvSpPr>
+            <a:spLocks noGrp="1"/>
+          </p:cNvSpPr>
+          <p:nvPr>
+            <p:ph type="body"/>
+          </p:nvPr>
+        </p:nvSpPr>
+        <p:spPr>
+          <a:xfrm>
+            <a:off x="2772360" y="1326600"/>
+            <a:ext cx="2160000" cy="3287880"/>
+          </a:xfrm>
+          <a:prstGeom prst="rect">
+            <a:avLst/>
+          </a:prstGeom>
+        </p:spPr>
+        <p:txBody>
+          <a:bodyPr lIns="0" rIns="0" tIns="0" bIns="0">
+            <a:normAutofit/>
+          </a:bodyPr>
+          <a:p>
+            <a:endParaRPr b="0" lang="ru-RU" sz="3200" spc="-1" strike="noStrike">
+              <a:latin typeface="Arial"/>
+            </a:endParaRPr>
+          </a:p>
+        </p:txBody>
+      </p:sp>
+    </p:spTree>
+  </p:cSld>
+</p:sldLayout>
+</file>
+
+<file path=ppt/slideLayouts/slideLayout29.xml><?xml version="1.0" encoding="utf-8"?>
+<p:sldLayout xmlns:a="http://schemas.openxmlformats.org/drawingml/2006/main" xmlns:p="http://schemas.openxmlformats.org/presentationml/2006/main" xmlns:r="http://schemas.openxmlformats.org/officeDocument/2006/relationships" xmlns:p14="http://schemas.microsoft.com/office/powerpoint/2010/main" xmlns:p15="http://schemas.microsoft.com/office/powerpoint/2012/main" xmlns:mc="http://schemas.openxmlformats.org/markup-compatibility/2006" type="titleOnly" preserve="1">
+  <p:cSld name="Title Only">
+    <p:spTree>
+      <p:nvGrpSpPr>
+        <p:cNvPr id="1" name=""/>
+        <p:cNvGrpSpPr/>
+        <p:nvPr/>
+      </p:nvGrpSpPr>
+      <p:grpSpPr>
+        <a:xfrm>
+          <a:off x="0" y="0"/>
+          <a:ext cx="0" cy="0"/>
+          <a:chOff x="0" y="0"/>
+          <a:chExt cx="0" cy="0"/>
+        </a:xfrm>
+      </p:grpSpPr>
+      <p:sp>
+        <p:nvSpPr>
+          <p:cNvPr id="86" name="PlaceHolder 1"/>
+          <p:cNvSpPr>
+            <a:spLocks noGrp="1"/>
+          </p:cNvSpPr>
+          <p:nvPr>
+            <p:ph type="title"/>
+          </p:nvPr>
+        </p:nvSpPr>
+        <p:spPr>
+          <a:xfrm>
+            <a:off x="504000" y="74160"/>
+            <a:ext cx="9071280" cy="1250280"/>
+          </a:xfrm>
+          <a:prstGeom prst="rect">
+            <a:avLst/>
+          </a:prstGeom>
+        </p:spPr>
+        <p:txBody>
+          <a:bodyPr lIns="0" rIns="0" tIns="0" bIns="0" anchor="ctr">
+            <a:noAutofit/>
+          </a:bodyPr>
+          <a:p>
+            <a:pPr algn="ctr"/>
+            <a:endParaRPr b="0" lang="ru-RU" sz="4400" spc="-1" strike="noStrike">
               <a:latin typeface="Arial"/>
             </a:endParaRPr>
           </a:p>
@@ -659,7 +2380,7 @@
       </p:grpSpPr>
       <p:sp>
         <p:nvSpPr>
-          <p:cNvPr id="7" name="PlaceHolder 1"/>
+          <p:cNvPr id="4" name="PlaceHolder 1"/>
           <p:cNvSpPr>
             <a:spLocks noGrp="1"/>
           </p:cNvSpPr>
@@ -670,7 +2391,7 @@
         <p:spPr>
           <a:xfrm>
             <a:off x="504000" y="74160"/>
-            <a:ext cx="9071640" cy="1250280"/>
+            <a:ext cx="9071280" cy="1250280"/>
           </a:xfrm>
           <a:prstGeom prst="rect">
             <a:avLst/>
@@ -690,7 +2411,7 @@
       </p:sp>
       <p:sp>
         <p:nvSpPr>
-          <p:cNvPr id="8" name="PlaceHolder 2"/>
+          <p:cNvPr id="5" name="PlaceHolder 2"/>
           <p:cNvSpPr>
             <a:spLocks noGrp="1"/>
           </p:cNvSpPr>
@@ -701,7 +2422,7 @@
         <p:spPr>
           <a:xfrm>
             <a:off x="504000" y="1326600"/>
-            <a:ext cx="9071640" cy="3288240"/>
+            <a:ext cx="4426560" cy="3287880"/>
           </a:xfrm>
           <a:prstGeom prst="rect">
             <a:avLst/>
@@ -710,6 +2431,1007 @@
         <p:txBody>
           <a:bodyPr lIns="0" rIns="0" tIns="0" bIns="0">
             <a:normAutofit/>
+          </a:bodyPr>
+          <a:p>
+            <a:endParaRPr b="0" lang="ru-RU" sz="3200" spc="-1" strike="noStrike">
+              <a:latin typeface="Arial"/>
+            </a:endParaRPr>
+          </a:p>
+        </p:txBody>
+      </p:sp>
+    </p:spTree>
+  </p:cSld>
+</p:sldLayout>
+</file>
+
+<file path=ppt/slideLayouts/slideLayout30.xml><?xml version="1.0" encoding="utf-8"?>
+<p:sldLayout xmlns:a="http://schemas.openxmlformats.org/drawingml/2006/main" xmlns:p="http://schemas.openxmlformats.org/presentationml/2006/main" xmlns:r="http://schemas.openxmlformats.org/officeDocument/2006/relationships" xmlns:p14="http://schemas.microsoft.com/office/powerpoint/2010/main" xmlns:p15="http://schemas.microsoft.com/office/powerpoint/2012/main" xmlns:mc="http://schemas.openxmlformats.org/markup-compatibility/2006" type="objOnly" preserve="1">
+  <p:cSld name="Centered Text">
+    <p:spTree>
+      <p:nvGrpSpPr>
+        <p:cNvPr id="1" name=""/>
+        <p:cNvGrpSpPr/>
+        <p:nvPr/>
+      </p:nvGrpSpPr>
+      <p:grpSpPr>
+        <a:xfrm>
+          <a:off x="0" y="0"/>
+          <a:ext cx="0" cy="0"/>
+          <a:chOff x="0" y="0"/>
+          <a:chExt cx="0" cy="0"/>
+        </a:xfrm>
+      </p:grpSpPr>
+      <p:sp>
+        <p:nvSpPr>
+          <p:cNvPr id="87" name="PlaceHolder 1"/>
+          <p:cNvSpPr>
+            <a:spLocks noGrp="1"/>
+          </p:cNvSpPr>
+          <p:nvPr>
+            <p:ph type="subTitle"/>
+          </p:nvPr>
+        </p:nvSpPr>
+        <p:spPr>
+          <a:xfrm>
+            <a:off x="504000" y="74160"/>
+            <a:ext cx="9071280" cy="5795280"/>
+          </a:xfrm>
+          <a:prstGeom prst="rect">
+            <a:avLst/>
+          </a:prstGeom>
+        </p:spPr>
+        <p:txBody>
+          <a:bodyPr lIns="0" rIns="0" tIns="0" bIns="0" anchor="ctr">
+            <a:noAutofit/>
+          </a:bodyPr>
+          <a:p>
+            <a:pPr algn="ctr"/>
+            <a:endParaRPr b="0" lang="ru-RU" sz="3200" spc="-1" strike="noStrike">
+              <a:latin typeface="Arial"/>
+            </a:endParaRPr>
+          </a:p>
+        </p:txBody>
+      </p:sp>
+    </p:spTree>
+  </p:cSld>
+</p:sldLayout>
+</file>
+
+<file path=ppt/slideLayouts/slideLayout31.xml><?xml version="1.0" encoding="utf-8"?>
+<p:sldLayout xmlns:a="http://schemas.openxmlformats.org/drawingml/2006/main" xmlns:p="http://schemas.openxmlformats.org/presentationml/2006/main" xmlns:r="http://schemas.openxmlformats.org/officeDocument/2006/relationships" xmlns:p14="http://schemas.microsoft.com/office/powerpoint/2010/main" xmlns:p15="http://schemas.microsoft.com/office/powerpoint/2012/main" xmlns:mc="http://schemas.openxmlformats.org/markup-compatibility/2006" type="twoObjAndObj" preserve="1">
+  <p:cSld name="Title, 2 Content and Content">
+    <p:spTree>
+      <p:nvGrpSpPr>
+        <p:cNvPr id="1" name=""/>
+        <p:cNvGrpSpPr/>
+        <p:nvPr/>
+      </p:nvGrpSpPr>
+      <p:grpSpPr>
+        <a:xfrm>
+          <a:off x="0" y="0"/>
+          <a:ext cx="0" cy="0"/>
+          <a:chOff x="0" y="0"/>
+          <a:chExt cx="0" cy="0"/>
+        </a:xfrm>
+      </p:grpSpPr>
+      <p:sp>
+        <p:nvSpPr>
+          <p:cNvPr id="88" name="PlaceHolder 1"/>
+          <p:cNvSpPr>
+            <a:spLocks noGrp="1"/>
+          </p:cNvSpPr>
+          <p:nvPr>
+            <p:ph type="title"/>
+          </p:nvPr>
+        </p:nvSpPr>
+        <p:spPr>
+          <a:xfrm>
+            <a:off x="504000" y="74160"/>
+            <a:ext cx="9071280" cy="1250280"/>
+          </a:xfrm>
+          <a:prstGeom prst="rect">
+            <a:avLst/>
+          </a:prstGeom>
+        </p:spPr>
+        <p:txBody>
+          <a:bodyPr lIns="0" rIns="0" tIns="0" bIns="0" anchor="ctr">
+            <a:noAutofit/>
+          </a:bodyPr>
+          <a:p>
+            <a:pPr algn="ctr"/>
+            <a:endParaRPr b="0" lang="ru-RU" sz="4400" spc="-1" strike="noStrike">
+              <a:latin typeface="Arial"/>
+            </a:endParaRPr>
+          </a:p>
+        </p:txBody>
+      </p:sp>
+      <p:sp>
+        <p:nvSpPr>
+          <p:cNvPr id="89" name="PlaceHolder 2"/>
+          <p:cNvSpPr>
+            <a:spLocks noGrp="1"/>
+          </p:cNvSpPr>
+          <p:nvPr>
+            <p:ph type="body"/>
+          </p:nvPr>
+        </p:nvSpPr>
+        <p:spPr>
+          <a:xfrm>
+            <a:off x="504000" y="1326600"/>
+            <a:ext cx="2160000" cy="1568160"/>
+          </a:xfrm>
+          <a:prstGeom prst="rect">
+            <a:avLst/>
+          </a:prstGeom>
+        </p:spPr>
+        <p:txBody>
+          <a:bodyPr lIns="0" rIns="0" tIns="0" bIns="0">
+            <a:normAutofit fontScale="34000"/>
+          </a:bodyPr>
+          <a:p>
+            <a:endParaRPr b="0" lang="ru-RU" sz="3200" spc="-1" strike="noStrike">
+              <a:latin typeface="Arial"/>
+            </a:endParaRPr>
+          </a:p>
+        </p:txBody>
+      </p:sp>
+      <p:sp>
+        <p:nvSpPr>
+          <p:cNvPr id="90" name="PlaceHolder 3"/>
+          <p:cNvSpPr>
+            <a:spLocks noGrp="1"/>
+          </p:cNvSpPr>
+          <p:nvPr>
+            <p:ph type="body"/>
+          </p:nvPr>
+        </p:nvSpPr>
+        <p:spPr>
+          <a:xfrm>
+            <a:off x="2772360" y="1326600"/>
+            <a:ext cx="2160000" cy="3287880"/>
+          </a:xfrm>
+          <a:prstGeom prst="rect">
+            <a:avLst/>
+          </a:prstGeom>
+        </p:spPr>
+        <p:txBody>
+          <a:bodyPr lIns="0" rIns="0" tIns="0" bIns="0">
+            <a:normAutofit/>
+          </a:bodyPr>
+          <a:p>
+            <a:endParaRPr b="0" lang="ru-RU" sz="3200" spc="-1" strike="noStrike">
+              <a:latin typeface="Arial"/>
+            </a:endParaRPr>
+          </a:p>
+        </p:txBody>
+      </p:sp>
+      <p:sp>
+        <p:nvSpPr>
+          <p:cNvPr id="91" name="PlaceHolder 4"/>
+          <p:cNvSpPr>
+            <a:spLocks noGrp="1"/>
+          </p:cNvSpPr>
+          <p:nvPr>
+            <p:ph type="body"/>
+          </p:nvPr>
+        </p:nvSpPr>
+        <p:spPr>
+          <a:xfrm>
+            <a:off x="504000" y="3044160"/>
+            <a:ext cx="2160000" cy="1568160"/>
+          </a:xfrm>
+          <a:prstGeom prst="rect">
+            <a:avLst/>
+          </a:prstGeom>
+        </p:spPr>
+        <p:txBody>
+          <a:bodyPr lIns="0" rIns="0" tIns="0" bIns="0">
+            <a:normAutofit fontScale="34000"/>
+          </a:bodyPr>
+          <a:p>
+            <a:endParaRPr b="0" lang="ru-RU" sz="3200" spc="-1" strike="noStrike">
+              <a:latin typeface="Arial"/>
+            </a:endParaRPr>
+          </a:p>
+        </p:txBody>
+      </p:sp>
+    </p:spTree>
+  </p:cSld>
+</p:sldLayout>
+</file>
+
+<file path=ppt/slideLayouts/slideLayout32.xml><?xml version="1.0" encoding="utf-8"?>
+<p:sldLayout xmlns:a="http://schemas.openxmlformats.org/drawingml/2006/main" xmlns:p="http://schemas.openxmlformats.org/presentationml/2006/main" xmlns:r="http://schemas.openxmlformats.org/officeDocument/2006/relationships" xmlns:p14="http://schemas.microsoft.com/office/powerpoint/2010/main" xmlns:p15="http://schemas.microsoft.com/office/powerpoint/2012/main" xmlns:mc="http://schemas.openxmlformats.org/markup-compatibility/2006" type="objAndTwoObj" preserve="1">
+  <p:cSld name="Title Content and 2 Content">
+    <p:spTree>
+      <p:nvGrpSpPr>
+        <p:cNvPr id="1" name=""/>
+        <p:cNvGrpSpPr/>
+        <p:nvPr/>
+      </p:nvGrpSpPr>
+      <p:grpSpPr>
+        <a:xfrm>
+          <a:off x="0" y="0"/>
+          <a:ext cx="0" cy="0"/>
+          <a:chOff x="0" y="0"/>
+          <a:chExt cx="0" cy="0"/>
+        </a:xfrm>
+      </p:grpSpPr>
+      <p:sp>
+        <p:nvSpPr>
+          <p:cNvPr id="92" name="PlaceHolder 1"/>
+          <p:cNvSpPr>
+            <a:spLocks noGrp="1"/>
+          </p:cNvSpPr>
+          <p:nvPr>
+            <p:ph type="title"/>
+          </p:nvPr>
+        </p:nvSpPr>
+        <p:spPr>
+          <a:xfrm>
+            <a:off x="504000" y="74160"/>
+            <a:ext cx="9071280" cy="1250280"/>
+          </a:xfrm>
+          <a:prstGeom prst="rect">
+            <a:avLst/>
+          </a:prstGeom>
+        </p:spPr>
+        <p:txBody>
+          <a:bodyPr lIns="0" rIns="0" tIns="0" bIns="0" anchor="ctr">
+            <a:noAutofit/>
+          </a:bodyPr>
+          <a:p>
+            <a:pPr algn="ctr"/>
+            <a:endParaRPr b="0" lang="ru-RU" sz="4400" spc="-1" strike="noStrike">
+              <a:latin typeface="Arial"/>
+            </a:endParaRPr>
+          </a:p>
+        </p:txBody>
+      </p:sp>
+      <p:sp>
+        <p:nvSpPr>
+          <p:cNvPr id="93" name="PlaceHolder 2"/>
+          <p:cNvSpPr>
+            <a:spLocks noGrp="1"/>
+          </p:cNvSpPr>
+          <p:nvPr>
+            <p:ph type="body"/>
+          </p:nvPr>
+        </p:nvSpPr>
+        <p:spPr>
+          <a:xfrm>
+            <a:off x="504000" y="1326600"/>
+            <a:ext cx="2160000" cy="3287880"/>
+          </a:xfrm>
+          <a:prstGeom prst="rect">
+            <a:avLst/>
+          </a:prstGeom>
+        </p:spPr>
+        <p:txBody>
+          <a:bodyPr lIns="0" rIns="0" tIns="0" bIns="0">
+            <a:normAutofit/>
+          </a:bodyPr>
+          <a:p>
+            <a:endParaRPr b="0" lang="ru-RU" sz="3200" spc="-1" strike="noStrike">
+              <a:latin typeface="Arial"/>
+            </a:endParaRPr>
+          </a:p>
+        </p:txBody>
+      </p:sp>
+      <p:sp>
+        <p:nvSpPr>
+          <p:cNvPr id="94" name="PlaceHolder 3"/>
+          <p:cNvSpPr>
+            <a:spLocks noGrp="1"/>
+          </p:cNvSpPr>
+          <p:nvPr>
+            <p:ph type="body"/>
+          </p:nvPr>
+        </p:nvSpPr>
+        <p:spPr>
+          <a:xfrm>
+            <a:off x="2772360" y="1326600"/>
+            <a:ext cx="2160000" cy="1568160"/>
+          </a:xfrm>
+          <a:prstGeom prst="rect">
+            <a:avLst/>
+          </a:prstGeom>
+        </p:spPr>
+        <p:txBody>
+          <a:bodyPr lIns="0" rIns="0" tIns="0" bIns="0">
+            <a:normAutofit fontScale="34000"/>
+          </a:bodyPr>
+          <a:p>
+            <a:endParaRPr b="0" lang="ru-RU" sz="3200" spc="-1" strike="noStrike">
+              <a:latin typeface="Arial"/>
+            </a:endParaRPr>
+          </a:p>
+        </p:txBody>
+      </p:sp>
+      <p:sp>
+        <p:nvSpPr>
+          <p:cNvPr id="95" name="PlaceHolder 4"/>
+          <p:cNvSpPr>
+            <a:spLocks noGrp="1"/>
+          </p:cNvSpPr>
+          <p:nvPr>
+            <p:ph type="body"/>
+          </p:nvPr>
+        </p:nvSpPr>
+        <p:spPr>
+          <a:xfrm>
+            <a:off x="2772360" y="3044160"/>
+            <a:ext cx="2160000" cy="1568160"/>
+          </a:xfrm>
+          <a:prstGeom prst="rect">
+            <a:avLst/>
+          </a:prstGeom>
+        </p:spPr>
+        <p:txBody>
+          <a:bodyPr lIns="0" rIns="0" tIns="0" bIns="0">
+            <a:normAutofit fontScale="34000"/>
+          </a:bodyPr>
+          <a:p>
+            <a:endParaRPr b="0" lang="ru-RU" sz="3200" spc="-1" strike="noStrike">
+              <a:latin typeface="Arial"/>
+            </a:endParaRPr>
+          </a:p>
+        </p:txBody>
+      </p:sp>
+    </p:spTree>
+  </p:cSld>
+</p:sldLayout>
+</file>
+
+<file path=ppt/slideLayouts/slideLayout33.xml><?xml version="1.0" encoding="utf-8"?>
+<p:sldLayout xmlns:a="http://schemas.openxmlformats.org/drawingml/2006/main" xmlns:p="http://schemas.openxmlformats.org/presentationml/2006/main" xmlns:r="http://schemas.openxmlformats.org/officeDocument/2006/relationships" xmlns:p14="http://schemas.microsoft.com/office/powerpoint/2010/main" xmlns:p15="http://schemas.microsoft.com/office/powerpoint/2012/main" xmlns:mc="http://schemas.openxmlformats.org/markup-compatibility/2006" type="twoObjOverTx" preserve="1">
+  <p:cSld name="Title, 2 Content over Content">
+    <p:spTree>
+      <p:nvGrpSpPr>
+        <p:cNvPr id="1" name=""/>
+        <p:cNvGrpSpPr/>
+        <p:nvPr/>
+      </p:nvGrpSpPr>
+      <p:grpSpPr>
+        <a:xfrm>
+          <a:off x="0" y="0"/>
+          <a:ext cx="0" cy="0"/>
+          <a:chOff x="0" y="0"/>
+          <a:chExt cx="0" cy="0"/>
+        </a:xfrm>
+      </p:grpSpPr>
+      <p:sp>
+        <p:nvSpPr>
+          <p:cNvPr id="96" name="PlaceHolder 1"/>
+          <p:cNvSpPr>
+            <a:spLocks noGrp="1"/>
+          </p:cNvSpPr>
+          <p:nvPr>
+            <p:ph type="title"/>
+          </p:nvPr>
+        </p:nvSpPr>
+        <p:spPr>
+          <a:xfrm>
+            <a:off x="504000" y="74160"/>
+            <a:ext cx="9071280" cy="1250280"/>
+          </a:xfrm>
+          <a:prstGeom prst="rect">
+            <a:avLst/>
+          </a:prstGeom>
+        </p:spPr>
+        <p:txBody>
+          <a:bodyPr lIns="0" rIns="0" tIns="0" bIns="0" anchor="ctr">
+            <a:noAutofit/>
+          </a:bodyPr>
+          <a:p>
+            <a:pPr algn="ctr"/>
+            <a:endParaRPr b="0" lang="ru-RU" sz="4400" spc="-1" strike="noStrike">
+              <a:latin typeface="Arial"/>
+            </a:endParaRPr>
+          </a:p>
+        </p:txBody>
+      </p:sp>
+      <p:sp>
+        <p:nvSpPr>
+          <p:cNvPr id="97" name="PlaceHolder 2"/>
+          <p:cNvSpPr>
+            <a:spLocks noGrp="1"/>
+          </p:cNvSpPr>
+          <p:nvPr>
+            <p:ph type="body"/>
+          </p:nvPr>
+        </p:nvSpPr>
+        <p:spPr>
+          <a:xfrm>
+            <a:off x="504000" y="1326600"/>
+            <a:ext cx="2160000" cy="1568160"/>
+          </a:xfrm>
+          <a:prstGeom prst="rect">
+            <a:avLst/>
+          </a:prstGeom>
+        </p:spPr>
+        <p:txBody>
+          <a:bodyPr lIns="0" rIns="0" tIns="0" bIns="0">
+            <a:normAutofit fontScale="34000"/>
+          </a:bodyPr>
+          <a:p>
+            <a:endParaRPr b="0" lang="ru-RU" sz="3200" spc="-1" strike="noStrike">
+              <a:latin typeface="Arial"/>
+            </a:endParaRPr>
+          </a:p>
+        </p:txBody>
+      </p:sp>
+      <p:sp>
+        <p:nvSpPr>
+          <p:cNvPr id="98" name="PlaceHolder 3"/>
+          <p:cNvSpPr>
+            <a:spLocks noGrp="1"/>
+          </p:cNvSpPr>
+          <p:nvPr>
+            <p:ph type="body"/>
+          </p:nvPr>
+        </p:nvSpPr>
+        <p:spPr>
+          <a:xfrm>
+            <a:off x="2772360" y="1326600"/>
+            <a:ext cx="2160000" cy="1568160"/>
+          </a:xfrm>
+          <a:prstGeom prst="rect">
+            <a:avLst/>
+          </a:prstGeom>
+        </p:spPr>
+        <p:txBody>
+          <a:bodyPr lIns="0" rIns="0" tIns="0" bIns="0">
+            <a:normAutofit fontScale="34000"/>
+          </a:bodyPr>
+          <a:p>
+            <a:endParaRPr b="0" lang="ru-RU" sz="3200" spc="-1" strike="noStrike">
+              <a:latin typeface="Arial"/>
+            </a:endParaRPr>
+          </a:p>
+        </p:txBody>
+      </p:sp>
+      <p:sp>
+        <p:nvSpPr>
+          <p:cNvPr id="99" name="PlaceHolder 4"/>
+          <p:cNvSpPr>
+            <a:spLocks noGrp="1"/>
+          </p:cNvSpPr>
+          <p:nvPr>
+            <p:ph type="body"/>
+          </p:nvPr>
+        </p:nvSpPr>
+        <p:spPr>
+          <a:xfrm>
+            <a:off x="504000" y="3044160"/>
+            <a:ext cx="4426560" cy="1568160"/>
+          </a:xfrm>
+          <a:prstGeom prst="rect">
+            <a:avLst/>
+          </a:prstGeom>
+        </p:spPr>
+        <p:txBody>
+          <a:bodyPr lIns="0" rIns="0" tIns="0" bIns="0">
+            <a:normAutofit/>
+          </a:bodyPr>
+          <a:p>
+            <a:endParaRPr b="0" lang="ru-RU" sz="3200" spc="-1" strike="noStrike">
+              <a:latin typeface="Arial"/>
+            </a:endParaRPr>
+          </a:p>
+        </p:txBody>
+      </p:sp>
+    </p:spTree>
+  </p:cSld>
+</p:sldLayout>
+</file>
+
+<file path=ppt/slideLayouts/slideLayout34.xml><?xml version="1.0" encoding="utf-8"?>
+<p:sldLayout xmlns:a="http://schemas.openxmlformats.org/drawingml/2006/main" xmlns:p="http://schemas.openxmlformats.org/presentationml/2006/main" xmlns:r="http://schemas.openxmlformats.org/officeDocument/2006/relationships" xmlns:p14="http://schemas.microsoft.com/office/powerpoint/2010/main" xmlns:p15="http://schemas.microsoft.com/office/powerpoint/2012/main" xmlns:mc="http://schemas.openxmlformats.org/markup-compatibility/2006" type="objOverTx" preserve="1">
+  <p:cSld name="Title, Content over Content">
+    <p:spTree>
+      <p:nvGrpSpPr>
+        <p:cNvPr id="1" name=""/>
+        <p:cNvGrpSpPr/>
+        <p:nvPr/>
+      </p:nvGrpSpPr>
+      <p:grpSpPr>
+        <a:xfrm>
+          <a:off x="0" y="0"/>
+          <a:ext cx="0" cy="0"/>
+          <a:chOff x="0" y="0"/>
+          <a:chExt cx="0" cy="0"/>
+        </a:xfrm>
+      </p:grpSpPr>
+      <p:sp>
+        <p:nvSpPr>
+          <p:cNvPr id="100" name="PlaceHolder 1"/>
+          <p:cNvSpPr>
+            <a:spLocks noGrp="1"/>
+          </p:cNvSpPr>
+          <p:nvPr>
+            <p:ph type="title"/>
+          </p:nvPr>
+        </p:nvSpPr>
+        <p:spPr>
+          <a:xfrm>
+            <a:off x="504000" y="74160"/>
+            <a:ext cx="9071280" cy="1250280"/>
+          </a:xfrm>
+          <a:prstGeom prst="rect">
+            <a:avLst/>
+          </a:prstGeom>
+        </p:spPr>
+        <p:txBody>
+          <a:bodyPr lIns="0" rIns="0" tIns="0" bIns="0" anchor="ctr">
+            <a:noAutofit/>
+          </a:bodyPr>
+          <a:p>
+            <a:pPr algn="ctr"/>
+            <a:endParaRPr b="0" lang="ru-RU" sz="4400" spc="-1" strike="noStrike">
+              <a:latin typeface="Arial"/>
+            </a:endParaRPr>
+          </a:p>
+        </p:txBody>
+      </p:sp>
+      <p:sp>
+        <p:nvSpPr>
+          <p:cNvPr id="101" name="PlaceHolder 2"/>
+          <p:cNvSpPr>
+            <a:spLocks noGrp="1"/>
+          </p:cNvSpPr>
+          <p:nvPr>
+            <p:ph type="body"/>
+          </p:nvPr>
+        </p:nvSpPr>
+        <p:spPr>
+          <a:xfrm>
+            <a:off x="504000" y="1326600"/>
+            <a:ext cx="4426560" cy="1568160"/>
+          </a:xfrm>
+          <a:prstGeom prst="rect">
+            <a:avLst/>
+          </a:prstGeom>
+        </p:spPr>
+        <p:txBody>
+          <a:bodyPr lIns="0" rIns="0" tIns="0" bIns="0">
+            <a:normAutofit/>
+          </a:bodyPr>
+          <a:p>
+            <a:endParaRPr b="0" lang="ru-RU" sz="3200" spc="-1" strike="noStrike">
+              <a:latin typeface="Arial"/>
+            </a:endParaRPr>
+          </a:p>
+        </p:txBody>
+      </p:sp>
+      <p:sp>
+        <p:nvSpPr>
+          <p:cNvPr id="102" name="PlaceHolder 3"/>
+          <p:cNvSpPr>
+            <a:spLocks noGrp="1"/>
+          </p:cNvSpPr>
+          <p:nvPr>
+            <p:ph type="body"/>
+          </p:nvPr>
+        </p:nvSpPr>
+        <p:spPr>
+          <a:xfrm>
+            <a:off x="504000" y="3044160"/>
+            <a:ext cx="4426560" cy="1568160"/>
+          </a:xfrm>
+          <a:prstGeom prst="rect">
+            <a:avLst/>
+          </a:prstGeom>
+        </p:spPr>
+        <p:txBody>
+          <a:bodyPr lIns="0" rIns="0" tIns="0" bIns="0">
+            <a:normAutofit/>
+          </a:bodyPr>
+          <a:p>
+            <a:endParaRPr b="0" lang="ru-RU" sz="3200" spc="-1" strike="noStrike">
+              <a:latin typeface="Arial"/>
+            </a:endParaRPr>
+          </a:p>
+        </p:txBody>
+      </p:sp>
+    </p:spTree>
+  </p:cSld>
+</p:sldLayout>
+</file>
+
+<file path=ppt/slideLayouts/slideLayout35.xml><?xml version="1.0" encoding="utf-8"?>
+<p:sldLayout xmlns:a="http://schemas.openxmlformats.org/drawingml/2006/main" xmlns:p="http://schemas.openxmlformats.org/presentationml/2006/main" xmlns:r="http://schemas.openxmlformats.org/officeDocument/2006/relationships" xmlns:p14="http://schemas.microsoft.com/office/powerpoint/2010/main" xmlns:p15="http://schemas.microsoft.com/office/powerpoint/2012/main" xmlns:mc="http://schemas.openxmlformats.org/markup-compatibility/2006" type="fourObj" preserve="1">
+  <p:cSld name="Title, 4 Content">
+    <p:spTree>
+      <p:nvGrpSpPr>
+        <p:cNvPr id="1" name=""/>
+        <p:cNvGrpSpPr/>
+        <p:nvPr/>
+      </p:nvGrpSpPr>
+      <p:grpSpPr>
+        <a:xfrm>
+          <a:off x="0" y="0"/>
+          <a:ext cx="0" cy="0"/>
+          <a:chOff x="0" y="0"/>
+          <a:chExt cx="0" cy="0"/>
+        </a:xfrm>
+      </p:grpSpPr>
+      <p:sp>
+        <p:nvSpPr>
+          <p:cNvPr id="103" name="PlaceHolder 1"/>
+          <p:cNvSpPr>
+            <a:spLocks noGrp="1"/>
+          </p:cNvSpPr>
+          <p:nvPr>
+            <p:ph type="title"/>
+          </p:nvPr>
+        </p:nvSpPr>
+        <p:spPr>
+          <a:xfrm>
+            <a:off x="504000" y="74160"/>
+            <a:ext cx="9071280" cy="1250280"/>
+          </a:xfrm>
+          <a:prstGeom prst="rect">
+            <a:avLst/>
+          </a:prstGeom>
+        </p:spPr>
+        <p:txBody>
+          <a:bodyPr lIns="0" rIns="0" tIns="0" bIns="0" anchor="ctr">
+            <a:noAutofit/>
+          </a:bodyPr>
+          <a:p>
+            <a:pPr algn="ctr"/>
+            <a:endParaRPr b="0" lang="ru-RU" sz="4400" spc="-1" strike="noStrike">
+              <a:latin typeface="Arial"/>
+            </a:endParaRPr>
+          </a:p>
+        </p:txBody>
+      </p:sp>
+      <p:sp>
+        <p:nvSpPr>
+          <p:cNvPr id="104" name="PlaceHolder 2"/>
+          <p:cNvSpPr>
+            <a:spLocks noGrp="1"/>
+          </p:cNvSpPr>
+          <p:nvPr>
+            <p:ph type="body"/>
+          </p:nvPr>
+        </p:nvSpPr>
+        <p:spPr>
+          <a:xfrm>
+            <a:off x="504000" y="1326600"/>
+            <a:ext cx="2160000" cy="1568160"/>
+          </a:xfrm>
+          <a:prstGeom prst="rect">
+            <a:avLst/>
+          </a:prstGeom>
+        </p:spPr>
+        <p:txBody>
+          <a:bodyPr lIns="0" rIns="0" tIns="0" bIns="0">
+            <a:normAutofit fontScale="34000"/>
+          </a:bodyPr>
+          <a:p>
+            <a:endParaRPr b="0" lang="ru-RU" sz="3200" spc="-1" strike="noStrike">
+              <a:latin typeface="Arial"/>
+            </a:endParaRPr>
+          </a:p>
+        </p:txBody>
+      </p:sp>
+      <p:sp>
+        <p:nvSpPr>
+          <p:cNvPr id="105" name="PlaceHolder 3"/>
+          <p:cNvSpPr>
+            <a:spLocks noGrp="1"/>
+          </p:cNvSpPr>
+          <p:nvPr>
+            <p:ph type="body"/>
+          </p:nvPr>
+        </p:nvSpPr>
+        <p:spPr>
+          <a:xfrm>
+            <a:off x="2772360" y="1326600"/>
+            <a:ext cx="2160000" cy="1568160"/>
+          </a:xfrm>
+          <a:prstGeom prst="rect">
+            <a:avLst/>
+          </a:prstGeom>
+        </p:spPr>
+        <p:txBody>
+          <a:bodyPr lIns="0" rIns="0" tIns="0" bIns="0">
+            <a:normAutofit fontScale="34000"/>
+          </a:bodyPr>
+          <a:p>
+            <a:endParaRPr b="0" lang="ru-RU" sz="3200" spc="-1" strike="noStrike">
+              <a:latin typeface="Arial"/>
+            </a:endParaRPr>
+          </a:p>
+        </p:txBody>
+      </p:sp>
+      <p:sp>
+        <p:nvSpPr>
+          <p:cNvPr id="106" name="PlaceHolder 4"/>
+          <p:cNvSpPr>
+            <a:spLocks noGrp="1"/>
+          </p:cNvSpPr>
+          <p:nvPr>
+            <p:ph type="body"/>
+          </p:nvPr>
+        </p:nvSpPr>
+        <p:spPr>
+          <a:xfrm>
+            <a:off x="504000" y="3044160"/>
+            <a:ext cx="2160000" cy="1568160"/>
+          </a:xfrm>
+          <a:prstGeom prst="rect">
+            <a:avLst/>
+          </a:prstGeom>
+        </p:spPr>
+        <p:txBody>
+          <a:bodyPr lIns="0" rIns="0" tIns="0" bIns="0">
+            <a:normAutofit fontScale="34000"/>
+          </a:bodyPr>
+          <a:p>
+            <a:endParaRPr b="0" lang="ru-RU" sz="3200" spc="-1" strike="noStrike">
+              <a:latin typeface="Arial"/>
+            </a:endParaRPr>
+          </a:p>
+        </p:txBody>
+      </p:sp>
+      <p:sp>
+        <p:nvSpPr>
+          <p:cNvPr id="107" name="PlaceHolder 5"/>
+          <p:cNvSpPr>
+            <a:spLocks noGrp="1"/>
+          </p:cNvSpPr>
+          <p:nvPr>
+            <p:ph type="body"/>
+          </p:nvPr>
+        </p:nvSpPr>
+        <p:spPr>
+          <a:xfrm>
+            <a:off x="2772360" y="3044160"/>
+            <a:ext cx="2160000" cy="1568160"/>
+          </a:xfrm>
+          <a:prstGeom prst="rect">
+            <a:avLst/>
+          </a:prstGeom>
+        </p:spPr>
+        <p:txBody>
+          <a:bodyPr lIns="0" rIns="0" tIns="0" bIns="0">
+            <a:normAutofit fontScale="34000"/>
+          </a:bodyPr>
+          <a:p>
+            <a:endParaRPr b="0" lang="ru-RU" sz="3200" spc="-1" strike="noStrike">
+              <a:latin typeface="Arial"/>
+            </a:endParaRPr>
+          </a:p>
+        </p:txBody>
+      </p:sp>
+    </p:spTree>
+  </p:cSld>
+</p:sldLayout>
+</file>
+
+<file path=ppt/slideLayouts/slideLayout36.xml><?xml version="1.0" encoding="utf-8"?>
+<p:sldLayout xmlns:a="http://schemas.openxmlformats.org/drawingml/2006/main" xmlns:p="http://schemas.openxmlformats.org/presentationml/2006/main" xmlns:r="http://schemas.openxmlformats.org/officeDocument/2006/relationships" xmlns:p14="http://schemas.microsoft.com/office/powerpoint/2010/main" xmlns:p15="http://schemas.microsoft.com/office/powerpoint/2012/main" xmlns:mc="http://schemas.openxmlformats.org/markup-compatibility/2006" type="blank" preserve="1">
+  <p:cSld name="Title, 6 Content">
+    <p:spTree>
+      <p:nvGrpSpPr>
+        <p:cNvPr id="1" name=""/>
+        <p:cNvGrpSpPr/>
+        <p:nvPr/>
+      </p:nvGrpSpPr>
+      <p:grpSpPr>
+        <a:xfrm>
+          <a:off x="0" y="0"/>
+          <a:ext cx="0" cy="0"/>
+          <a:chOff x="0" y="0"/>
+          <a:chExt cx="0" cy="0"/>
+        </a:xfrm>
+      </p:grpSpPr>
+      <p:sp>
+        <p:nvSpPr>
+          <p:cNvPr id="108" name="PlaceHolder 1"/>
+          <p:cNvSpPr>
+            <a:spLocks noGrp="1"/>
+          </p:cNvSpPr>
+          <p:nvPr>
+            <p:ph type="title"/>
+          </p:nvPr>
+        </p:nvSpPr>
+        <p:spPr>
+          <a:xfrm>
+            <a:off x="504000" y="74160"/>
+            <a:ext cx="9071280" cy="1250280"/>
+          </a:xfrm>
+          <a:prstGeom prst="rect">
+            <a:avLst/>
+          </a:prstGeom>
+        </p:spPr>
+        <p:txBody>
+          <a:bodyPr lIns="0" rIns="0" tIns="0" bIns="0" anchor="ctr">
+            <a:noAutofit/>
+          </a:bodyPr>
+          <a:p>
+            <a:pPr algn="ctr"/>
+            <a:endParaRPr b="0" lang="ru-RU" sz="4400" spc="-1" strike="noStrike">
+              <a:latin typeface="Arial"/>
+            </a:endParaRPr>
+          </a:p>
+        </p:txBody>
+      </p:sp>
+      <p:sp>
+        <p:nvSpPr>
+          <p:cNvPr id="109" name="PlaceHolder 2"/>
+          <p:cNvSpPr>
+            <a:spLocks noGrp="1"/>
+          </p:cNvSpPr>
+          <p:nvPr>
+            <p:ph type="body"/>
+          </p:nvPr>
+        </p:nvSpPr>
+        <p:spPr>
+          <a:xfrm>
+            <a:off x="504000" y="1326600"/>
+            <a:ext cx="1425240" cy="1568160"/>
+          </a:xfrm>
+          <a:prstGeom prst="rect">
+            <a:avLst/>
+          </a:prstGeom>
+        </p:spPr>
+        <p:txBody>
+          <a:bodyPr lIns="0" rIns="0" tIns="0" bIns="0">
+            <a:normAutofit fontScale="20000"/>
+          </a:bodyPr>
+          <a:p>
+            <a:endParaRPr b="0" lang="ru-RU" sz="3200" spc="-1" strike="noStrike">
+              <a:latin typeface="Arial"/>
+            </a:endParaRPr>
+          </a:p>
+        </p:txBody>
+      </p:sp>
+      <p:sp>
+        <p:nvSpPr>
+          <p:cNvPr id="110" name="PlaceHolder 3"/>
+          <p:cNvSpPr>
+            <a:spLocks noGrp="1"/>
+          </p:cNvSpPr>
+          <p:nvPr>
+            <p:ph type="body"/>
+          </p:nvPr>
+        </p:nvSpPr>
+        <p:spPr>
+          <a:xfrm>
+            <a:off x="2000880" y="1326600"/>
+            <a:ext cx="1425240" cy="1568160"/>
+          </a:xfrm>
+          <a:prstGeom prst="rect">
+            <a:avLst/>
+          </a:prstGeom>
+        </p:spPr>
+        <p:txBody>
+          <a:bodyPr lIns="0" rIns="0" tIns="0" bIns="0">
+            <a:normAutofit fontScale="20000"/>
+          </a:bodyPr>
+          <a:p>
+            <a:endParaRPr b="0" lang="ru-RU" sz="3200" spc="-1" strike="noStrike">
+              <a:latin typeface="Arial"/>
+            </a:endParaRPr>
+          </a:p>
+        </p:txBody>
+      </p:sp>
+      <p:sp>
+        <p:nvSpPr>
+          <p:cNvPr id="111" name="PlaceHolder 4"/>
+          <p:cNvSpPr>
+            <a:spLocks noGrp="1"/>
+          </p:cNvSpPr>
+          <p:nvPr>
+            <p:ph type="body"/>
+          </p:nvPr>
+        </p:nvSpPr>
+        <p:spPr>
+          <a:xfrm>
+            <a:off x="3497760" y="1326600"/>
+            <a:ext cx="1425240" cy="1568160"/>
+          </a:xfrm>
+          <a:prstGeom prst="rect">
+            <a:avLst/>
+          </a:prstGeom>
+        </p:spPr>
+        <p:txBody>
+          <a:bodyPr lIns="0" rIns="0" tIns="0" bIns="0">
+            <a:normAutofit fontScale="20000"/>
+          </a:bodyPr>
+          <a:p>
+            <a:endParaRPr b="0" lang="ru-RU" sz="3200" spc="-1" strike="noStrike">
+              <a:latin typeface="Arial"/>
+            </a:endParaRPr>
+          </a:p>
+        </p:txBody>
+      </p:sp>
+      <p:sp>
+        <p:nvSpPr>
+          <p:cNvPr id="112" name="PlaceHolder 5"/>
+          <p:cNvSpPr>
+            <a:spLocks noGrp="1"/>
+          </p:cNvSpPr>
+          <p:nvPr>
+            <p:ph type="body"/>
+          </p:nvPr>
+        </p:nvSpPr>
+        <p:spPr>
+          <a:xfrm>
+            <a:off x="504000" y="3044160"/>
+            <a:ext cx="1425240" cy="1568160"/>
+          </a:xfrm>
+          <a:prstGeom prst="rect">
+            <a:avLst/>
+          </a:prstGeom>
+        </p:spPr>
+        <p:txBody>
+          <a:bodyPr lIns="0" rIns="0" tIns="0" bIns="0">
+            <a:normAutofit fontScale="20000"/>
+          </a:bodyPr>
+          <a:p>
+            <a:endParaRPr b="0" lang="ru-RU" sz="3200" spc="-1" strike="noStrike">
+              <a:latin typeface="Arial"/>
+            </a:endParaRPr>
+          </a:p>
+        </p:txBody>
+      </p:sp>
+      <p:sp>
+        <p:nvSpPr>
+          <p:cNvPr id="113" name="PlaceHolder 6"/>
+          <p:cNvSpPr>
+            <a:spLocks noGrp="1"/>
+          </p:cNvSpPr>
+          <p:nvPr>
+            <p:ph type="body"/>
+          </p:nvPr>
+        </p:nvSpPr>
+        <p:spPr>
+          <a:xfrm>
+            <a:off x="2000880" y="3044160"/>
+            <a:ext cx="1425240" cy="1568160"/>
+          </a:xfrm>
+          <a:prstGeom prst="rect">
+            <a:avLst/>
+          </a:prstGeom>
+        </p:spPr>
+        <p:txBody>
+          <a:bodyPr lIns="0" rIns="0" tIns="0" bIns="0">
+            <a:normAutofit fontScale="20000"/>
+          </a:bodyPr>
+          <a:p>
+            <a:endParaRPr b="0" lang="ru-RU" sz="3200" spc="-1" strike="noStrike">
+              <a:latin typeface="Arial"/>
+            </a:endParaRPr>
+          </a:p>
+        </p:txBody>
+      </p:sp>
+      <p:sp>
+        <p:nvSpPr>
+          <p:cNvPr id="114" name="PlaceHolder 7"/>
+          <p:cNvSpPr>
+            <a:spLocks noGrp="1"/>
+          </p:cNvSpPr>
+          <p:nvPr>
+            <p:ph type="body"/>
+          </p:nvPr>
+        </p:nvSpPr>
+        <p:spPr>
+          <a:xfrm>
+            <a:off x="3497760" y="3044160"/>
+            <a:ext cx="1425240" cy="1568160"/>
+          </a:xfrm>
+          <a:prstGeom prst="rect">
+            <a:avLst/>
+          </a:prstGeom>
+        </p:spPr>
+        <p:txBody>
+          <a:bodyPr lIns="0" rIns="0" tIns="0" bIns="0">
+            <a:normAutofit fontScale="20000"/>
           </a:bodyPr>
           <a:p>
             <a:endParaRPr b="0" lang="ru-RU" sz="3200" spc="-1" strike="noStrike">
@@ -742,7 +3464,7 @@
       </p:grpSpPr>
       <p:sp>
         <p:nvSpPr>
-          <p:cNvPr id="9" name="PlaceHolder 1"/>
+          <p:cNvPr id="6" name="PlaceHolder 1"/>
           <p:cNvSpPr>
             <a:spLocks noGrp="1"/>
           </p:cNvSpPr>
@@ -753,7 +3475,7 @@
         <p:spPr>
           <a:xfrm>
             <a:off x="504000" y="74160"/>
-            <a:ext cx="9071640" cy="1250280"/>
+            <a:ext cx="9071280" cy="1250280"/>
           </a:xfrm>
           <a:prstGeom prst="rect">
             <a:avLst/>
@@ -773,7 +3495,7 @@
       </p:sp>
       <p:sp>
         <p:nvSpPr>
-          <p:cNvPr id="10" name="PlaceHolder 2"/>
+          <p:cNvPr id="7" name="PlaceHolder 2"/>
           <p:cNvSpPr>
             <a:spLocks noGrp="1"/>
           </p:cNvSpPr>
@@ -784,7 +3506,7 @@
         <p:spPr>
           <a:xfrm>
             <a:off x="504000" y="1326600"/>
-            <a:ext cx="4426920" cy="3288240"/>
+            <a:ext cx="2160000" cy="3287880"/>
           </a:xfrm>
           <a:prstGeom prst="rect">
             <a:avLst/>
@@ -803,7 +3525,7 @@
       </p:sp>
       <p:sp>
         <p:nvSpPr>
-          <p:cNvPr id="11" name="PlaceHolder 3"/>
+          <p:cNvPr id="8" name="PlaceHolder 3"/>
           <p:cNvSpPr>
             <a:spLocks noGrp="1"/>
           </p:cNvSpPr>
@@ -813,8 +3535,8 @@
         </p:nvSpPr>
         <p:spPr>
           <a:xfrm>
-            <a:off x="5152680" y="1326600"/>
-            <a:ext cx="4426920" cy="3288240"/>
+            <a:off x="2772360" y="1326600"/>
+            <a:ext cx="2160000" cy="3287880"/>
           </a:xfrm>
           <a:prstGeom prst="rect">
             <a:avLst/>
@@ -855,7 +3577,7 @@
       </p:grpSpPr>
       <p:sp>
         <p:nvSpPr>
-          <p:cNvPr id="12" name="PlaceHolder 1"/>
+          <p:cNvPr id="9" name="PlaceHolder 1"/>
           <p:cNvSpPr>
             <a:spLocks noGrp="1"/>
           </p:cNvSpPr>
@@ -866,7 +3588,7 @@
         <p:spPr>
           <a:xfrm>
             <a:off x="504000" y="74160"/>
-            <a:ext cx="9071640" cy="1250280"/>
+            <a:ext cx="9071280" cy="1250280"/>
           </a:xfrm>
           <a:prstGeom prst="rect">
             <a:avLst/>
@@ -908,7 +3630,7 @@
       </p:grpSpPr>
       <p:sp>
         <p:nvSpPr>
-          <p:cNvPr id="13" name="PlaceHolder 1"/>
+          <p:cNvPr id="10" name="PlaceHolder 1"/>
           <p:cNvSpPr>
             <a:spLocks noGrp="1"/>
           </p:cNvSpPr>
@@ -918,8 +3640,8 @@
         </p:nvSpPr>
         <p:spPr>
           <a:xfrm>
-            <a:off x="504000" y="226080"/>
-            <a:ext cx="9071640" cy="4388400"/>
+            <a:off x="504000" y="74160"/>
+            <a:ext cx="9071280" cy="5795280"/>
           </a:xfrm>
           <a:prstGeom prst="rect">
             <a:avLst/>
@@ -961,7 +3683,7 @@
       </p:grpSpPr>
       <p:sp>
         <p:nvSpPr>
-          <p:cNvPr id="14" name="PlaceHolder 1"/>
+          <p:cNvPr id="11" name="PlaceHolder 1"/>
           <p:cNvSpPr>
             <a:spLocks noGrp="1"/>
           </p:cNvSpPr>
@@ -972,7 +3694,7 @@
         <p:spPr>
           <a:xfrm>
             <a:off x="504000" y="74160"/>
-            <a:ext cx="9071640" cy="1250280"/>
+            <a:ext cx="9071280" cy="1250280"/>
           </a:xfrm>
           <a:prstGeom prst="rect">
             <a:avLst/>
@@ -992,7 +3714,7 @@
       </p:sp>
       <p:sp>
         <p:nvSpPr>
-          <p:cNvPr id="15" name="PlaceHolder 2"/>
+          <p:cNvPr id="12" name="PlaceHolder 2"/>
           <p:cNvSpPr>
             <a:spLocks noGrp="1"/>
           </p:cNvSpPr>
@@ -1003,7 +3725,37 @@
         <p:spPr>
           <a:xfrm>
             <a:off x="504000" y="1326600"/>
-            <a:ext cx="4426920" cy="1568160"/>
+            <a:ext cx="2160000" cy="1568160"/>
+          </a:xfrm>
+          <a:prstGeom prst="rect">
+            <a:avLst/>
+          </a:prstGeom>
+        </p:spPr>
+        <p:txBody>
+          <a:bodyPr lIns="0" rIns="0" tIns="0" bIns="0">
+            <a:normAutofit fontScale="34000"/>
+          </a:bodyPr>
+          <a:p>
+            <a:endParaRPr b="0" lang="ru-RU" sz="3200" spc="-1" strike="noStrike">
+              <a:latin typeface="Arial"/>
+            </a:endParaRPr>
+          </a:p>
+        </p:txBody>
+      </p:sp>
+      <p:sp>
+        <p:nvSpPr>
+          <p:cNvPr id="13" name="PlaceHolder 3"/>
+          <p:cNvSpPr>
+            <a:spLocks noGrp="1"/>
+          </p:cNvSpPr>
+          <p:nvPr>
+            <p:ph type="body"/>
+          </p:nvPr>
+        </p:nvSpPr>
+        <p:spPr>
+          <a:xfrm>
+            <a:off x="2772360" y="1326600"/>
+            <a:ext cx="2160000" cy="3287880"/>
           </a:xfrm>
           <a:prstGeom prst="rect">
             <a:avLst/>
@@ -1022,7 +3774,7 @@
       </p:sp>
       <p:sp>
         <p:nvSpPr>
-          <p:cNvPr id="16" name="PlaceHolder 3"/>
+          <p:cNvPr id="14" name="PlaceHolder 4"/>
           <p:cNvSpPr>
             <a:spLocks noGrp="1"/>
           </p:cNvSpPr>
@@ -1032,8 +3784,8 @@
         </p:nvSpPr>
         <p:spPr>
           <a:xfrm>
-            <a:off x="5152680" y="1326600"/>
-            <a:ext cx="4426920" cy="3288240"/>
+            <a:off x="504000" y="3044160"/>
+            <a:ext cx="2160000" cy="1568160"/>
           </a:xfrm>
           <a:prstGeom prst="rect">
             <a:avLst/>
@@ -1041,37 +3793,7 @@
         </p:spPr>
         <p:txBody>
           <a:bodyPr lIns="0" rIns="0" tIns="0" bIns="0">
-            <a:normAutofit/>
-          </a:bodyPr>
-          <a:p>
-            <a:endParaRPr b="0" lang="ru-RU" sz="3200" spc="-1" strike="noStrike">
-              <a:latin typeface="Arial"/>
-            </a:endParaRPr>
-          </a:p>
-        </p:txBody>
-      </p:sp>
-      <p:sp>
-        <p:nvSpPr>
-          <p:cNvPr id="17" name="PlaceHolder 4"/>
-          <p:cNvSpPr>
-            <a:spLocks noGrp="1"/>
-          </p:cNvSpPr>
-          <p:nvPr>
-            <p:ph type="body"/>
-          </p:nvPr>
-        </p:nvSpPr>
-        <p:spPr>
-          <a:xfrm>
-            <a:off x="504000" y="3044160"/>
-            <a:ext cx="4426920" cy="1568160"/>
-          </a:xfrm>
-          <a:prstGeom prst="rect">
-            <a:avLst/>
-          </a:prstGeom>
-        </p:spPr>
-        <p:txBody>
-          <a:bodyPr lIns="0" rIns="0" tIns="0" bIns="0">
-            <a:normAutofit/>
+            <a:normAutofit fontScale="34000"/>
           </a:bodyPr>
           <a:p>
             <a:endParaRPr b="0" lang="ru-RU" sz="3200" spc="-1" strike="noStrike">
@@ -1104,7 +3826,7 @@
       </p:grpSpPr>
       <p:sp>
         <p:nvSpPr>
-          <p:cNvPr id="18" name="PlaceHolder 1"/>
+          <p:cNvPr id="15" name="PlaceHolder 1"/>
           <p:cNvSpPr>
             <a:spLocks noGrp="1"/>
           </p:cNvSpPr>
@@ -1115,7 +3837,7 @@
         <p:spPr>
           <a:xfrm>
             <a:off x="504000" y="74160"/>
-            <a:ext cx="9071640" cy="1250280"/>
+            <a:ext cx="9071280" cy="1250280"/>
           </a:xfrm>
           <a:prstGeom prst="rect">
             <a:avLst/>
@@ -1135,7 +3857,7 @@
       </p:sp>
       <p:sp>
         <p:nvSpPr>
-          <p:cNvPr id="19" name="PlaceHolder 2"/>
+          <p:cNvPr id="16" name="PlaceHolder 2"/>
           <p:cNvSpPr>
             <a:spLocks noGrp="1"/>
           </p:cNvSpPr>
@@ -1146,7 +3868,7 @@
         <p:spPr>
           <a:xfrm>
             <a:off x="504000" y="1326600"/>
-            <a:ext cx="4426920" cy="3288240"/>
+            <a:ext cx="2160000" cy="3287880"/>
           </a:xfrm>
           <a:prstGeom prst="rect">
             <a:avLst/>
@@ -1165,7 +3887,7 @@
       </p:sp>
       <p:sp>
         <p:nvSpPr>
-          <p:cNvPr id="20" name="PlaceHolder 3"/>
+          <p:cNvPr id="17" name="PlaceHolder 3"/>
           <p:cNvSpPr>
             <a:spLocks noGrp="1"/>
           </p:cNvSpPr>
@@ -1175,8 +3897,8 @@
         </p:nvSpPr>
         <p:spPr>
           <a:xfrm>
-            <a:off x="5152680" y="1326600"/>
-            <a:ext cx="4426920" cy="1568160"/>
+            <a:off x="2772360" y="1326600"/>
+            <a:ext cx="2160000" cy="1568160"/>
           </a:xfrm>
           <a:prstGeom prst="rect">
             <a:avLst/>
@@ -1184,7 +3906,7 @@
         </p:spPr>
         <p:txBody>
           <a:bodyPr lIns="0" rIns="0" tIns="0" bIns="0">
-            <a:normAutofit/>
+            <a:normAutofit fontScale="34000"/>
           </a:bodyPr>
           <a:p>
             <a:endParaRPr b="0" lang="ru-RU" sz="3200" spc="-1" strike="noStrike">
@@ -1195,7 +3917,7 @@
       </p:sp>
       <p:sp>
         <p:nvSpPr>
-          <p:cNvPr id="21" name="PlaceHolder 4"/>
+          <p:cNvPr id="18" name="PlaceHolder 4"/>
           <p:cNvSpPr>
             <a:spLocks noGrp="1"/>
           </p:cNvSpPr>
@@ -1205,8 +3927,8 @@
         </p:nvSpPr>
         <p:spPr>
           <a:xfrm>
-            <a:off x="5152680" y="3044160"/>
-            <a:ext cx="4426920" cy="1568160"/>
+            <a:off x="2772360" y="3044160"/>
+            <a:ext cx="2160000" cy="1568160"/>
           </a:xfrm>
           <a:prstGeom prst="rect">
             <a:avLst/>
@@ -1214,7 +3936,7 @@
         </p:spPr>
         <p:txBody>
           <a:bodyPr lIns="0" rIns="0" tIns="0" bIns="0">
-            <a:normAutofit/>
+            <a:normAutofit fontScale="34000"/>
           </a:bodyPr>
           <a:p>
             <a:endParaRPr b="0" lang="ru-RU" sz="3200" spc="-1" strike="noStrike">
@@ -1247,7 +3969,7 @@
       </p:grpSpPr>
       <p:sp>
         <p:nvSpPr>
-          <p:cNvPr id="22" name="PlaceHolder 1"/>
+          <p:cNvPr id="19" name="PlaceHolder 1"/>
           <p:cNvSpPr>
             <a:spLocks noGrp="1"/>
           </p:cNvSpPr>
@@ -1258,7 +3980,7 @@
         <p:spPr>
           <a:xfrm>
             <a:off x="504000" y="74160"/>
-            <a:ext cx="9071640" cy="1250280"/>
+            <a:ext cx="9071280" cy="1250280"/>
           </a:xfrm>
           <a:prstGeom prst="rect">
             <a:avLst/>
@@ -1278,7 +4000,7 @@
       </p:sp>
       <p:sp>
         <p:nvSpPr>
-          <p:cNvPr id="23" name="PlaceHolder 2"/>
+          <p:cNvPr id="20" name="PlaceHolder 2"/>
           <p:cNvSpPr>
             <a:spLocks noGrp="1"/>
           </p:cNvSpPr>
@@ -1289,7 +4011,7 @@
         <p:spPr>
           <a:xfrm>
             <a:off x="504000" y="1326600"/>
-            <a:ext cx="4426920" cy="1568160"/>
+            <a:ext cx="2160000" cy="1568160"/>
           </a:xfrm>
           <a:prstGeom prst="rect">
             <a:avLst/>
@@ -1297,7 +4019,7 @@
         </p:spPr>
         <p:txBody>
           <a:bodyPr lIns="0" rIns="0" tIns="0" bIns="0">
-            <a:normAutofit/>
+            <a:normAutofit fontScale="34000"/>
           </a:bodyPr>
           <a:p>
             <a:endParaRPr b="0" lang="ru-RU" sz="3200" spc="-1" strike="noStrike">
@@ -1308,7 +4030,7 @@
       </p:sp>
       <p:sp>
         <p:nvSpPr>
-          <p:cNvPr id="24" name="PlaceHolder 3"/>
+          <p:cNvPr id="21" name="PlaceHolder 3"/>
           <p:cNvSpPr>
             <a:spLocks noGrp="1"/>
           </p:cNvSpPr>
@@ -1318,8 +4040,8 @@
         </p:nvSpPr>
         <p:spPr>
           <a:xfrm>
-            <a:off x="5152680" y="1326600"/>
-            <a:ext cx="4426920" cy="1568160"/>
+            <a:off x="2772360" y="1326600"/>
+            <a:ext cx="2160000" cy="1568160"/>
           </a:xfrm>
           <a:prstGeom prst="rect">
             <a:avLst/>
@@ -1327,7 +4049,7 @@
         </p:spPr>
         <p:txBody>
           <a:bodyPr lIns="0" rIns="0" tIns="0" bIns="0">
-            <a:normAutofit/>
+            <a:normAutofit fontScale="34000"/>
           </a:bodyPr>
           <a:p>
             <a:endParaRPr b="0" lang="ru-RU" sz="3200" spc="-1" strike="noStrike">
@@ -1338,7 +4060,7 @@
       </p:sp>
       <p:sp>
         <p:nvSpPr>
-          <p:cNvPr id="25" name="PlaceHolder 4"/>
+          <p:cNvPr id="22" name="PlaceHolder 4"/>
           <p:cNvSpPr>
             <a:spLocks noGrp="1"/>
           </p:cNvSpPr>
@@ -1349,7 +4071,7 @@
         <p:spPr>
           <a:xfrm>
             <a:off x="504000" y="3044160"/>
-            <a:ext cx="9071640" cy="1568160"/>
+            <a:ext cx="4426560" cy="1568160"/>
           </a:xfrm>
           <a:prstGeom prst="rect">
             <a:avLst/>
@@ -1400,8 +4122,8 @@
         </p:nvSpPr>
         <p:spPr>
           <a:xfrm>
-            <a:off x="504000" y="226080"/>
-            <a:ext cx="9071640" cy="946440"/>
+            <a:off x="504000" y="74160"/>
+            <a:ext cx="9071280" cy="1249920"/>
           </a:xfrm>
           <a:prstGeom prst="rect">
             <a:avLst/>
@@ -1412,14 +4134,19 @@
             <a:noAutofit/>
           </a:bodyPr>
           <a:p>
-            <a:pPr algn="ctr"/>
-            <a:r>
-              <a:rPr b="0" lang="ru-RU" sz="4400" spc="-1" strike="noStrike">
-                <a:latin typeface="Arial"/>
-              </a:rPr>
-              <a:t>Для правки текста заглавия щёлкните мышью</a:t>
-            </a:r>
-            <a:endParaRPr b="0" lang="ru-RU" sz="4400" spc="-1" strike="noStrike">
+            <a:r>
+              <a:rPr b="0" lang="ru-RU" sz="1800" spc="-1" strike="noStrike">
+                <a:latin typeface="Arial"/>
+              </a:rPr>
+              <a:t>Для правки текста заглавия щёлкните </a:t>
+            </a:r>
+            <a:r>
+              <a:rPr b="0" lang="ru-RU" sz="1800" spc="-1" strike="noStrike">
+                <a:latin typeface="Arial"/>
+              </a:rPr>
+              <a:t>мышью</a:t>
+            </a:r>
+            <a:endParaRPr b="0" lang="ru-RU" sz="1800" spc="-1" strike="noStrike">
               <a:latin typeface="Arial"/>
             </a:endParaRPr>
           </a:p>
@@ -1438,7 +4165,7 @@
         <p:spPr>
           <a:xfrm>
             <a:off x="504000" y="1326600"/>
-            <a:ext cx="9071640" cy="3288240"/>
+            <a:ext cx="9072000" cy="3288600"/>
           </a:xfrm>
           <a:prstGeom prst="rect">
             <a:avLst/>
@@ -1464,13 +4191,37 @@
               <a:rPr b="0" lang="ru-RU" sz="3200" spc="-1" strike="noStrike">
                 <a:latin typeface="Arial"/>
               </a:rPr>
-              <a:t>Для правки </a:t>
+              <a:t>Для </a:t>
             </a:r>
             <a:r>
               <a:rPr b="0" lang="ru-RU" sz="3200" spc="-1" strike="noStrike">
                 <a:latin typeface="Arial"/>
               </a:rPr>
-              <a:t>структуры щёлкните </a:t>
+              <a:t>правки </a:t>
+            </a:r>
+            <a:r>
+              <a:rPr b="0" lang="ru-RU" sz="3200" spc="-1" strike="noStrike">
+                <a:latin typeface="Arial"/>
+              </a:rPr>
+              <a:t>структур</a:t>
+            </a:r>
+            <a:r>
+              <a:rPr b="0" lang="ru-RU" sz="3200" spc="-1" strike="noStrike">
+                <a:latin typeface="Arial"/>
+              </a:rPr>
+              <a:t>ы </a:t>
+            </a:r>
+            <a:r>
+              <a:rPr b="0" lang="ru-RU" sz="3200" spc="-1" strike="noStrike">
+                <a:latin typeface="Arial"/>
+              </a:rPr>
+              <a:t>щёлкнит</a:t>
+            </a:r>
+            <a:r>
+              <a:rPr b="0" lang="ru-RU" sz="3200" spc="-1" strike="noStrike">
+                <a:latin typeface="Arial"/>
+              </a:rPr>
+              <a:t>е </a:t>
             </a:r>
             <a:r>
               <a:rPr b="0" lang="ru-RU" sz="3200" spc="-1" strike="noStrike">
@@ -1498,13 +4249,31 @@
               <a:rPr b="0" lang="ru-RU" sz="2800" spc="-1" strike="noStrike">
                 <a:latin typeface="Arial"/>
               </a:rPr>
-              <a:t>Второй уровень </a:t>
+              <a:t>Второй </a:t>
             </a:r>
             <a:r>
               <a:rPr b="0" lang="ru-RU" sz="2800" spc="-1" strike="noStrike">
                 <a:latin typeface="Arial"/>
               </a:rPr>
-              <a:t>структуры</a:t>
+              <a:t>уровен</a:t>
+            </a:r>
+            <a:r>
+              <a:rPr b="0" lang="ru-RU" sz="2800" spc="-1" strike="noStrike">
+                <a:latin typeface="Arial"/>
+              </a:rPr>
+              <a:t>ь </a:t>
+            </a:r>
+            <a:r>
+              <a:rPr b="0" lang="ru-RU" sz="2800" spc="-1" strike="noStrike">
+                <a:latin typeface="Arial"/>
+              </a:rPr>
+              <a:t>структу</a:t>
+            </a:r>
+            <a:r>
+              <a:rPr b="0" lang="ru-RU" sz="2800" spc="-1" strike="noStrike">
+                <a:latin typeface="Arial"/>
+              </a:rPr>
+              <a:t>ры</a:t>
             </a:r>
             <a:endParaRPr b="0" lang="ru-RU" sz="2800" spc="-1" strike="noStrike">
               <a:latin typeface="Arial"/>
@@ -1526,13 +4295,37 @@
               <a:rPr b="0" lang="ru-RU" sz="2400" spc="-1" strike="noStrike">
                 <a:latin typeface="Arial"/>
               </a:rPr>
-              <a:t>Третий уровень </a:t>
+              <a:t>Трети</a:t>
             </a:r>
             <a:r>
               <a:rPr b="0" lang="ru-RU" sz="2400" spc="-1" strike="noStrike">
                 <a:latin typeface="Arial"/>
               </a:rPr>
-              <a:t>структуры</a:t>
+              <a:t>й </a:t>
+            </a:r>
+            <a:r>
+              <a:rPr b="0" lang="ru-RU" sz="2400" spc="-1" strike="noStrike">
+                <a:latin typeface="Arial"/>
+              </a:rPr>
+              <a:t>урове</a:t>
+            </a:r>
+            <a:r>
+              <a:rPr b="0" lang="ru-RU" sz="2400" spc="-1" strike="noStrike">
+                <a:latin typeface="Arial"/>
+              </a:rPr>
+              <a:t>нь </a:t>
+            </a:r>
+            <a:r>
+              <a:rPr b="0" lang="ru-RU" sz="2400" spc="-1" strike="noStrike">
+                <a:latin typeface="Arial"/>
+              </a:rPr>
+              <a:t>струк</a:t>
+            </a:r>
+            <a:r>
+              <a:rPr b="0" lang="ru-RU" sz="2400" spc="-1" strike="noStrike">
+                <a:latin typeface="Arial"/>
+              </a:rPr>
+              <a:t>туры</a:t>
             </a:r>
             <a:endParaRPr b="0" lang="ru-RU" sz="2400" spc="-1" strike="noStrike">
               <a:latin typeface="Arial"/>
@@ -1554,13 +4347,67 @@
               <a:rPr b="0" lang="ru-RU" sz="2000" spc="-1" strike="noStrike">
                 <a:latin typeface="Arial"/>
               </a:rPr>
-              <a:t>Четвёртый уровень </a:t>
+              <a:t>Чет</a:t>
             </a:r>
             <a:r>
               <a:rPr b="0" lang="ru-RU" sz="2000" spc="-1" strike="noStrike">
                 <a:latin typeface="Arial"/>
               </a:rPr>
-              <a:t>структуры</a:t>
+              <a:t>вёр</a:t>
+            </a:r>
+            <a:r>
+              <a:rPr b="0" lang="ru-RU" sz="2000" spc="-1" strike="noStrike">
+                <a:latin typeface="Arial"/>
+              </a:rPr>
+              <a:t>ты</a:t>
+            </a:r>
+            <a:r>
+              <a:rPr b="0" lang="ru-RU" sz="2000" spc="-1" strike="noStrike">
+                <a:latin typeface="Arial"/>
+              </a:rPr>
+              <a:t>й </a:t>
+            </a:r>
+            <a:r>
+              <a:rPr b="0" lang="ru-RU" sz="2000" spc="-1" strike="noStrike">
+                <a:latin typeface="Arial"/>
+              </a:rPr>
+              <a:t>уро</a:t>
+            </a:r>
+            <a:r>
+              <a:rPr b="0" lang="ru-RU" sz="2000" spc="-1" strike="noStrike">
+                <a:latin typeface="Arial"/>
+              </a:rPr>
+              <a:t>вен</a:t>
+            </a:r>
+            <a:r>
+              <a:rPr b="0" lang="ru-RU" sz="2000" spc="-1" strike="noStrike">
+                <a:latin typeface="Arial"/>
+              </a:rPr>
+              <a:t>ь </a:t>
+            </a:r>
+            <a:r>
+              <a:rPr b="0" lang="ru-RU" sz="2000" spc="-1" strike="noStrike">
+                <a:latin typeface="Arial"/>
+              </a:rPr>
+              <a:t>стр</a:t>
+            </a:r>
+            <a:r>
+              <a:rPr b="0" lang="ru-RU" sz="2000" spc="-1" strike="noStrike">
+                <a:latin typeface="Arial"/>
+              </a:rPr>
+              <a:t>укт</a:t>
+            </a:r>
+            <a:r>
+              <a:rPr b="0" lang="ru-RU" sz="2000" spc="-1" strike="noStrike">
+                <a:latin typeface="Arial"/>
+              </a:rPr>
+              <a:t>ур</a:t>
+            </a:r>
+            <a:r>
+              <a:rPr b="0" lang="ru-RU" sz="2000" spc="-1" strike="noStrike">
+                <a:latin typeface="Arial"/>
+              </a:rPr>
+              <a:t>ы</a:t>
             </a:r>
             <a:endParaRPr b="0" lang="ru-RU" sz="2000" spc="-1" strike="noStrike">
               <a:latin typeface="Arial"/>
@@ -1582,13 +4429,139 @@
               <a:rPr b="0" lang="ru-RU" sz="2000" spc="-1" strike="noStrike">
                 <a:latin typeface="Arial"/>
               </a:rPr>
-              <a:t>Пятый уровень </a:t>
+              <a:t>П</a:t>
             </a:r>
             <a:r>
               <a:rPr b="0" lang="ru-RU" sz="2000" spc="-1" strike="noStrike">
                 <a:latin typeface="Arial"/>
               </a:rPr>
-              <a:t>структуры</a:t>
+              <a:t>я</a:t>
+            </a:r>
+            <a:r>
+              <a:rPr b="0" lang="ru-RU" sz="2000" spc="-1" strike="noStrike">
+                <a:latin typeface="Arial"/>
+              </a:rPr>
+              <a:t>т</a:t>
+            </a:r>
+            <a:r>
+              <a:rPr b="0" lang="ru-RU" sz="2000" spc="-1" strike="noStrike">
+                <a:latin typeface="Arial"/>
+              </a:rPr>
+              <a:t>ы</a:t>
+            </a:r>
+            <a:r>
+              <a:rPr b="0" lang="ru-RU" sz="2000" spc="-1" strike="noStrike">
+                <a:latin typeface="Arial"/>
+              </a:rPr>
+              <a:t>й</a:t>
+            </a:r>
+            <a:r>
+              <a:rPr b="0" lang="ru-RU" sz="2000" spc="-1" strike="noStrike">
+                <a:latin typeface="Arial"/>
+              </a:rPr>
+              <a:t> </a:t>
+            </a:r>
+            <a:r>
+              <a:rPr b="0" lang="ru-RU" sz="2000" spc="-1" strike="noStrike">
+                <a:latin typeface="Arial"/>
+              </a:rPr>
+              <a:t>у</a:t>
+            </a:r>
+            <a:r>
+              <a:rPr b="0" lang="ru-RU" sz="2000" spc="-1" strike="noStrike">
+                <a:latin typeface="Arial"/>
+              </a:rPr>
+              <a:t>р</a:t>
+            </a:r>
+            <a:r>
+              <a:rPr b="0" lang="ru-RU" sz="2000" spc="-1" strike="noStrike">
+                <a:latin typeface="Arial"/>
+              </a:rPr>
+              <a:t>о</a:t>
+            </a:r>
+            <a:r>
+              <a:rPr b="0" lang="ru-RU" sz="2000" spc="-1" strike="noStrike">
+                <a:latin typeface="Arial"/>
+              </a:rPr>
+              <a:t>в</a:t>
+            </a:r>
+            <a:r>
+              <a:rPr b="0" lang="ru-RU" sz="2000" spc="-1" strike="noStrike">
+                <a:latin typeface="Arial"/>
+              </a:rPr>
+              <a:t>е</a:t>
+            </a:r>
+            <a:r>
+              <a:rPr b="0" lang="ru-RU" sz="2000" spc="-1" strike="noStrike">
+                <a:latin typeface="Arial"/>
+              </a:rPr>
+              <a:t>н</a:t>
+            </a:r>
+            <a:r>
+              <a:rPr b="0" lang="ru-RU" sz="2000" spc="-1" strike="noStrike">
+                <a:latin typeface="Arial"/>
+              </a:rPr>
+              <a:t>ь</a:t>
+            </a:r>
+            <a:r>
+              <a:rPr b="0" lang="ru-RU" sz="2000" spc="-1" strike="noStrike">
+                <a:latin typeface="Arial"/>
+              </a:rPr>
+              <a:t> </a:t>
+            </a:r>
+            <a:r>
+              <a:rPr b="0" lang="ru-RU" sz="2000" spc="-1" strike="noStrike">
+                <a:latin typeface="Arial"/>
+              </a:rPr>
+              <a:t>с</a:t>
+            </a:r>
+            <a:r>
+              <a:rPr b="0" lang="ru-RU" sz="2000" spc="-1" strike="noStrike">
+                <a:latin typeface="Arial"/>
+              </a:rPr>
+              <a:t>т</a:t>
+            </a:r>
+            <a:r>
+              <a:rPr b="0" lang="ru-RU" sz="2000" spc="-1" strike="noStrike">
+                <a:latin typeface="Arial"/>
+              </a:rPr>
+              <a:t>р</a:t>
+            </a:r>
+            <a:r>
+              <a:rPr b="0" lang="ru-RU" sz="2000" spc="-1" strike="noStrike">
+                <a:latin typeface="Arial"/>
+              </a:rPr>
+              <a:t>у</a:t>
+            </a:r>
+            <a:r>
+              <a:rPr b="0" lang="ru-RU" sz="2000" spc="-1" strike="noStrike">
+                <a:latin typeface="Arial"/>
+              </a:rPr>
+              <a:t>к</a:t>
+            </a:r>
+            <a:r>
+              <a:rPr b="0" lang="ru-RU" sz="2000" spc="-1" strike="noStrike">
+                <a:latin typeface="Arial"/>
+              </a:rPr>
+              <a:t>т</a:t>
+            </a:r>
+            <a:r>
+              <a:rPr b="0" lang="ru-RU" sz="2000" spc="-1" strike="noStrike">
+                <a:latin typeface="Arial"/>
+              </a:rPr>
+              <a:t>у</a:t>
+            </a:r>
+            <a:r>
+              <a:rPr b="0" lang="ru-RU" sz="2000" spc="-1" strike="noStrike">
+                <a:latin typeface="Arial"/>
+              </a:rPr>
+              <a:t>р</a:t>
+            </a:r>
+            <a:r>
+              <a:rPr b="0" lang="ru-RU" sz="2000" spc="-1" strike="noStrike">
+                <a:latin typeface="Arial"/>
+              </a:rPr>
+              <a:t>ы</a:t>
             </a:r>
             <a:endParaRPr b="0" lang="ru-RU" sz="2000" spc="-1" strike="noStrike">
               <a:latin typeface="Arial"/>
@@ -1610,19 +4583,145 @@
               <a:rPr b="0" lang="ru-RU" sz="2000" spc="-1" strike="noStrike">
                 <a:latin typeface="Arial"/>
               </a:rPr>
-              <a:t>Шестой </a:t>
+              <a:t>Ш</a:t>
             </a:r>
             <a:r>
               <a:rPr b="0" lang="ru-RU" sz="2000" spc="-1" strike="noStrike">
                 <a:latin typeface="Arial"/>
               </a:rPr>
-              <a:t>уровень </a:t>
+              <a:t>е</a:t>
             </a:r>
             <a:r>
               <a:rPr b="0" lang="ru-RU" sz="2000" spc="-1" strike="noStrike">
                 <a:latin typeface="Arial"/>
               </a:rPr>
-              <a:t>структуры</a:t>
+              <a:t>с</a:t>
+            </a:r>
+            <a:r>
+              <a:rPr b="0" lang="ru-RU" sz="2000" spc="-1" strike="noStrike">
+                <a:latin typeface="Arial"/>
+              </a:rPr>
+              <a:t>т</a:t>
+            </a:r>
+            <a:r>
+              <a:rPr b="0" lang="ru-RU" sz="2000" spc="-1" strike="noStrike">
+                <a:latin typeface="Arial"/>
+              </a:rPr>
+              <a:t>о</a:t>
+            </a:r>
+            <a:r>
+              <a:rPr b="0" lang="ru-RU" sz="2000" spc="-1" strike="noStrike">
+                <a:latin typeface="Arial"/>
+              </a:rPr>
+              <a:t>й</a:t>
+            </a:r>
+            <a:r>
+              <a:rPr b="0" lang="ru-RU" sz="2000" spc="-1" strike="noStrike">
+                <a:latin typeface="Arial"/>
+              </a:rPr>
+              <a:t> </a:t>
+            </a:r>
+            <a:r>
+              <a:rPr b="0" lang="ru-RU" sz="2000" spc="-1" strike="noStrike">
+                <a:latin typeface="Arial"/>
+              </a:rPr>
+              <a:t>у</a:t>
+            </a:r>
+            <a:r>
+              <a:rPr b="0" lang="ru-RU" sz="2000" spc="-1" strike="noStrike">
+                <a:latin typeface="Arial"/>
+              </a:rPr>
+              <a:t>р</a:t>
+            </a:r>
+            <a:r>
+              <a:rPr b="0" lang="ru-RU" sz="2000" spc="-1" strike="noStrike">
+                <a:latin typeface="Arial"/>
+              </a:rPr>
+              <a:t>о</a:t>
+            </a:r>
+            <a:r>
+              <a:rPr b="0" lang="ru-RU" sz="2000" spc="-1" strike="noStrike">
+                <a:latin typeface="Arial"/>
+              </a:rPr>
+              <a:t>в</a:t>
+            </a:r>
+            <a:r>
+              <a:rPr b="0" lang="ru-RU" sz="2000" spc="-1" strike="noStrike">
+                <a:latin typeface="Arial"/>
+              </a:rPr>
+              <a:t>е</a:t>
+            </a:r>
+            <a:r>
+              <a:rPr b="0" lang="ru-RU" sz="2000" spc="-1" strike="noStrike">
+                <a:latin typeface="Arial"/>
+              </a:rPr>
+              <a:t>н</a:t>
+            </a:r>
+            <a:r>
+              <a:rPr b="0" lang="ru-RU" sz="2000" spc="-1" strike="noStrike">
+                <a:latin typeface="Arial"/>
+              </a:rPr>
+              <a:t>ь</a:t>
+            </a:r>
+            <a:r>
+              <a:rPr b="0" lang="ru-RU" sz="2000" spc="-1" strike="noStrike">
+                <a:latin typeface="Arial"/>
+              </a:rPr>
+              <a:t> </a:t>
+            </a:r>
+            <a:r>
+              <a:rPr b="0" lang="ru-RU" sz="2000" spc="-1" strike="noStrike">
+                <a:latin typeface="Arial"/>
+              </a:rPr>
+              <a:t>с</a:t>
+            </a:r>
+            <a:r>
+              <a:rPr b="0" lang="ru-RU" sz="2000" spc="-1" strike="noStrike">
+                <a:latin typeface="Arial"/>
+              </a:rPr>
+              <a:t>т</a:t>
+            </a:r>
+            <a:r>
+              <a:rPr b="0" lang="ru-RU" sz="2000" spc="-1" strike="noStrike">
+                <a:latin typeface="Arial"/>
+              </a:rPr>
+              <a:t>р</a:t>
+            </a:r>
+            <a:r>
+              <a:rPr b="0" lang="ru-RU" sz="2000" spc="-1" strike="noStrike">
+                <a:latin typeface="Arial"/>
+              </a:rPr>
+              <a:t>у</a:t>
+            </a:r>
+            <a:r>
+              <a:rPr b="0" lang="ru-RU" sz="2000" spc="-1" strike="noStrike">
+                <a:latin typeface="Arial"/>
+              </a:rPr>
+              <a:t>к</a:t>
+            </a:r>
+            <a:r>
+              <a:rPr b="0" lang="ru-RU" sz="2000" spc="-1" strike="noStrike">
+                <a:latin typeface="Arial"/>
+              </a:rPr>
+              <a:t>т</a:t>
+            </a:r>
+            <a:r>
+              <a:rPr b="0" lang="ru-RU" sz="2000" spc="-1" strike="noStrike">
+                <a:latin typeface="Arial"/>
+              </a:rPr>
+              <a:t>у</a:t>
+            </a:r>
+            <a:r>
+              <a:rPr b="0" lang="ru-RU" sz="2000" spc="-1" strike="noStrike">
+                <a:latin typeface="Arial"/>
+              </a:rPr>
+              <a:t>р</a:t>
+            </a:r>
+            <a:r>
+              <a:rPr b="0" lang="ru-RU" sz="2000" spc="-1" strike="noStrike">
+                <a:latin typeface="Arial"/>
+              </a:rPr>
+              <a:t>ы</a:t>
             </a:r>
             <a:endParaRPr b="0" lang="ru-RU" sz="2000" spc="-1" strike="noStrike">
               <a:latin typeface="Arial"/>
@@ -1644,132 +4743,154 @@
               <a:rPr b="0" lang="ru-RU" sz="2000" spc="-1" strike="noStrike">
                 <a:latin typeface="Arial"/>
               </a:rPr>
-              <a:t>Седьмой </a:t>
+              <a:t>С</a:t>
             </a:r>
             <a:r>
               <a:rPr b="0" lang="ru-RU" sz="2000" spc="-1" strike="noStrike">
                 <a:latin typeface="Arial"/>
               </a:rPr>
-              <a:t>уровень </a:t>
+              <a:t>е</a:t>
             </a:r>
             <a:r>
               <a:rPr b="0" lang="ru-RU" sz="2000" spc="-1" strike="noStrike">
                 <a:latin typeface="Arial"/>
               </a:rPr>
-              <a:t>структуры</a:t>
+              <a:t>д</a:t>
+            </a:r>
+            <a:r>
+              <a:rPr b="0" lang="ru-RU" sz="2000" spc="-1" strike="noStrike">
+                <a:latin typeface="Arial"/>
+              </a:rPr>
+              <a:t>ь</a:t>
+            </a:r>
+            <a:r>
+              <a:rPr b="0" lang="ru-RU" sz="2000" spc="-1" strike="noStrike">
+                <a:latin typeface="Arial"/>
+              </a:rPr>
+              <a:t>м</a:t>
+            </a:r>
+            <a:r>
+              <a:rPr b="0" lang="ru-RU" sz="2000" spc="-1" strike="noStrike">
+                <a:latin typeface="Arial"/>
+              </a:rPr>
+              <a:t>о</a:t>
+            </a:r>
+            <a:r>
+              <a:rPr b="0" lang="ru-RU" sz="2000" spc="-1" strike="noStrike">
+                <a:latin typeface="Arial"/>
+              </a:rPr>
+              <a:t>й</a:t>
+            </a:r>
+            <a:r>
+              <a:rPr b="0" lang="ru-RU" sz="2000" spc="-1" strike="noStrike">
+                <a:latin typeface="Arial"/>
+              </a:rPr>
+              <a:t> </a:t>
+            </a:r>
+            <a:r>
+              <a:rPr b="0" lang="ru-RU" sz="2000" spc="-1" strike="noStrike">
+                <a:latin typeface="Arial"/>
+              </a:rPr>
+              <a:t>у</a:t>
+            </a:r>
+            <a:r>
+              <a:rPr b="0" lang="ru-RU" sz="2000" spc="-1" strike="noStrike">
+                <a:latin typeface="Arial"/>
+              </a:rPr>
+              <a:t>р</a:t>
+            </a:r>
+            <a:r>
+              <a:rPr b="0" lang="ru-RU" sz="2000" spc="-1" strike="noStrike">
+                <a:latin typeface="Arial"/>
+              </a:rPr>
+              <a:t>о</a:t>
+            </a:r>
+            <a:r>
+              <a:rPr b="0" lang="ru-RU" sz="2000" spc="-1" strike="noStrike">
+                <a:latin typeface="Arial"/>
+              </a:rPr>
+              <a:t>в</a:t>
+            </a:r>
+            <a:r>
+              <a:rPr b="0" lang="ru-RU" sz="2000" spc="-1" strike="noStrike">
+                <a:latin typeface="Arial"/>
+              </a:rPr>
+              <a:t>е</a:t>
+            </a:r>
+            <a:r>
+              <a:rPr b="0" lang="ru-RU" sz="2000" spc="-1" strike="noStrike">
+                <a:latin typeface="Arial"/>
+              </a:rPr>
+              <a:t>н</a:t>
+            </a:r>
+            <a:r>
+              <a:rPr b="0" lang="ru-RU" sz="2000" spc="-1" strike="noStrike">
+                <a:latin typeface="Arial"/>
+              </a:rPr>
+              <a:t>ь</a:t>
+            </a:r>
+            <a:r>
+              <a:rPr b="0" lang="ru-RU" sz="2000" spc="-1" strike="noStrike">
+                <a:latin typeface="Arial"/>
+              </a:rPr>
+              <a:t> </a:t>
+            </a:r>
+            <a:r>
+              <a:rPr b="0" lang="ru-RU" sz="2000" spc="-1" strike="noStrike">
+                <a:latin typeface="Arial"/>
+              </a:rPr>
+              <a:t>с</a:t>
+            </a:r>
+            <a:r>
+              <a:rPr b="0" lang="ru-RU" sz="2000" spc="-1" strike="noStrike">
+                <a:latin typeface="Arial"/>
+              </a:rPr>
+              <a:t>т</a:t>
+            </a:r>
+            <a:r>
+              <a:rPr b="0" lang="ru-RU" sz="2000" spc="-1" strike="noStrike">
+                <a:latin typeface="Arial"/>
+              </a:rPr>
+              <a:t>р</a:t>
+            </a:r>
+            <a:r>
+              <a:rPr b="0" lang="ru-RU" sz="2000" spc="-1" strike="noStrike">
+                <a:latin typeface="Arial"/>
+              </a:rPr>
+              <a:t>у</a:t>
+            </a:r>
+            <a:r>
+              <a:rPr b="0" lang="ru-RU" sz="2000" spc="-1" strike="noStrike">
+                <a:latin typeface="Arial"/>
+              </a:rPr>
+              <a:t>к</a:t>
+            </a:r>
+            <a:r>
+              <a:rPr b="0" lang="ru-RU" sz="2000" spc="-1" strike="noStrike">
+                <a:latin typeface="Arial"/>
+              </a:rPr>
+              <a:t>т</a:t>
+            </a:r>
+            <a:r>
+              <a:rPr b="0" lang="ru-RU" sz="2000" spc="-1" strike="noStrike">
+                <a:latin typeface="Arial"/>
+              </a:rPr>
+              <a:t>у</a:t>
+            </a:r>
+            <a:r>
+              <a:rPr b="0" lang="ru-RU" sz="2000" spc="-1" strike="noStrike">
+                <a:latin typeface="Arial"/>
+              </a:rPr>
+              <a:t>р</a:t>
+            </a:r>
+            <a:r>
+              <a:rPr b="0" lang="ru-RU" sz="2000" spc="-1" strike="noStrike">
+                <a:latin typeface="Arial"/>
+              </a:rPr>
+              <a:t>ы</a:t>
             </a:r>
             <a:endParaRPr b="0" lang="ru-RU" sz="2000" spc="-1" strike="noStrike">
               <a:latin typeface="Arial"/>
-            </a:endParaRPr>
-          </a:p>
-        </p:txBody>
-      </p:sp>
-      <p:sp>
-        <p:nvSpPr>
-          <p:cNvPr id="2" name="PlaceHolder 3"/>
-          <p:cNvSpPr>
-            <a:spLocks noGrp="1"/>
-          </p:cNvSpPr>
-          <p:nvPr>
-            <p:ph type="dt"/>
-          </p:nvPr>
-        </p:nvSpPr>
-        <p:spPr>
-          <a:xfrm>
-            <a:off x="504000" y="5165280"/>
-            <a:ext cx="2348280" cy="390600"/>
-          </a:xfrm>
-          <a:prstGeom prst="rect">
-            <a:avLst/>
-          </a:prstGeom>
-        </p:spPr>
-        <p:txBody>
-          <a:bodyPr lIns="0" rIns="0" tIns="0" bIns="0">
-            <a:noAutofit/>
-          </a:bodyPr>
-          <a:p>
-            <a:r>
-              <a:rPr b="0" lang="ru-RU" sz="1400" spc="-1" strike="noStrike">
-                <a:latin typeface="Times New Roman"/>
-              </a:rPr>
-              <a:t>&lt;дата/время&gt;</a:t>
-            </a:r>
-            <a:endParaRPr b="0" lang="ru-RU" sz="1400" spc="-1" strike="noStrike">
-              <a:latin typeface="Times New Roman"/>
-            </a:endParaRPr>
-          </a:p>
-        </p:txBody>
-      </p:sp>
-      <p:sp>
-        <p:nvSpPr>
-          <p:cNvPr id="3" name="PlaceHolder 4"/>
-          <p:cNvSpPr>
-            <a:spLocks noGrp="1"/>
-          </p:cNvSpPr>
-          <p:nvPr>
-            <p:ph type="ftr"/>
-          </p:nvPr>
-        </p:nvSpPr>
-        <p:spPr>
-          <a:xfrm>
-            <a:off x="3447360" y="5165280"/>
-            <a:ext cx="3195000" cy="390600"/>
-          </a:xfrm>
-          <a:prstGeom prst="rect">
-            <a:avLst/>
-          </a:prstGeom>
-        </p:spPr>
-        <p:txBody>
-          <a:bodyPr lIns="0" rIns="0" tIns="0" bIns="0">
-            <a:noAutofit/>
-          </a:bodyPr>
-          <a:p>
-            <a:pPr algn="ctr"/>
-            <a:r>
-              <a:rPr b="0" lang="ru-RU" sz="1400" spc="-1" strike="noStrike">
-                <a:latin typeface="Times New Roman"/>
-              </a:rPr>
-              <a:t>&lt;нижний колонтитул&gt;</a:t>
-            </a:r>
-            <a:endParaRPr b="0" lang="ru-RU" sz="1400" spc="-1" strike="noStrike">
-              <a:latin typeface="Times New Roman"/>
-            </a:endParaRPr>
-          </a:p>
-        </p:txBody>
-      </p:sp>
-      <p:sp>
-        <p:nvSpPr>
-          <p:cNvPr id="4" name="PlaceHolder 5"/>
-          <p:cNvSpPr>
-            <a:spLocks noGrp="1"/>
-          </p:cNvSpPr>
-          <p:nvPr>
-            <p:ph type="sldNum"/>
-          </p:nvPr>
-        </p:nvSpPr>
-        <p:spPr>
-          <a:xfrm>
-            <a:off x="7227360" y="5165280"/>
-            <a:ext cx="2348280" cy="390600"/>
-          </a:xfrm>
-          <a:prstGeom prst="rect">
-            <a:avLst/>
-          </a:prstGeom>
-        </p:spPr>
-        <p:txBody>
-          <a:bodyPr lIns="0" rIns="0" tIns="0" bIns="0">
-            <a:noAutofit/>
-          </a:bodyPr>
-          <a:p>
-            <a:pPr algn="r"/>
-            <a:fld id="{1ABACD7B-47AA-4CDD-B132-8E1B292AE443}" type="slidenum">
-              <a:rPr b="0" lang="ru-RU" sz="1400" spc="-1" strike="noStrike">
-                <a:latin typeface="Times New Roman"/>
-              </a:rPr>
-              <a:t>&lt;номер&gt;</a:t>
-            </a:fld>
-            <a:endParaRPr b="0" lang="ru-RU" sz="1400" spc="-1" strike="noStrike">
-              <a:latin typeface="Times New Roman"/>
             </a:endParaRPr>
           </a:p>
         </p:txBody>
@@ -1790,6 +4911,2219 @@
     <p:sldLayoutId id="2147483658" r:id="rId11"/>
     <p:sldLayoutId id="2147483659" r:id="rId12"/>
     <p:sldLayoutId id="2147483660" r:id="rId13"/>
+  </p:sldLayoutIdLst>
+</p:sldMaster>
+</file>
+
+<file path=ppt/slideMasters/slideMaster2.xml><?xml version="1.0" encoding="utf-8"?>
+<p:sldMaster xmlns:a="http://schemas.openxmlformats.org/drawingml/2006/main" xmlns:p="http://schemas.openxmlformats.org/presentationml/2006/main" xmlns:r="http://schemas.openxmlformats.org/officeDocument/2006/relationships" xmlns:p14="http://schemas.microsoft.com/office/powerpoint/2010/main" xmlns:p15="http://schemas.microsoft.com/office/powerpoint/2012/main" xmlns:mc="http://schemas.openxmlformats.org/markup-compatibility/2006">
+  <p:cSld>
+    <p:spTree>
+      <p:nvGrpSpPr>
+        <p:cNvPr id="1" name=""/>
+        <p:cNvGrpSpPr/>
+        <p:nvPr/>
+      </p:nvGrpSpPr>
+      <p:grpSpPr>
+        <a:xfrm>
+          <a:off x="0" y="0"/>
+          <a:ext cx="0" cy="0"/>
+          <a:chOff x="0" y="0"/>
+          <a:chExt cx="0" cy="0"/>
+        </a:xfrm>
+      </p:grpSpPr>
+      <p:sp>
+        <p:nvSpPr>
+          <p:cNvPr id="38" name="PlaceHolder 1"/>
+          <p:cNvSpPr>
+            <a:spLocks noGrp="1"/>
+          </p:cNvSpPr>
+          <p:nvPr>
+            <p:ph type="title"/>
+          </p:nvPr>
+        </p:nvSpPr>
+        <p:spPr>
+          <a:xfrm>
+            <a:off x="504000" y="74160"/>
+            <a:ext cx="9071280" cy="1249920"/>
+          </a:xfrm>
+          <a:prstGeom prst="rect">
+            <a:avLst/>
+          </a:prstGeom>
+        </p:spPr>
+        <p:txBody>
+          <a:bodyPr lIns="0" rIns="0" tIns="0" bIns="0" anchor="ctr">
+            <a:noAutofit/>
+          </a:bodyPr>
+          <a:p>
+            <a:r>
+              <a:rPr b="0" lang="ru-RU" sz="1800" spc="-1" strike="noStrike">
+                <a:latin typeface="Arial"/>
+              </a:rPr>
+              <a:t>Для правки текста заглавия щёлкните мышью</a:t>
+            </a:r>
+            <a:endParaRPr b="0" lang="ru-RU" sz="1800" spc="-1" strike="noStrike">
+              <a:latin typeface="Arial"/>
+            </a:endParaRPr>
+          </a:p>
+        </p:txBody>
+      </p:sp>
+      <p:sp>
+        <p:nvSpPr>
+          <p:cNvPr id="39" name="PlaceHolder 2"/>
+          <p:cNvSpPr>
+            <a:spLocks noGrp="1"/>
+          </p:cNvSpPr>
+          <p:nvPr>
+            <p:ph type="body"/>
+          </p:nvPr>
+        </p:nvSpPr>
+        <p:spPr>
+          <a:xfrm>
+            <a:off x="504000" y="1326600"/>
+            <a:ext cx="9071280" cy="3287880"/>
+          </a:xfrm>
+          <a:prstGeom prst="rect">
+            <a:avLst/>
+          </a:prstGeom>
+        </p:spPr>
+        <p:txBody>
+          <a:bodyPr lIns="0" rIns="0" tIns="0" bIns="0">
+            <a:normAutofit/>
+          </a:bodyPr>
+          <a:p>
+            <a:pPr marL="432000" indent="-324000">
+              <a:spcBef>
+                <a:spcPts val="1417"/>
+              </a:spcBef>
+              <a:buClr>
+                <a:srgbClr val="000000"/>
+              </a:buClr>
+              <a:buSzPct val="45000"/>
+              <a:buFont typeface="Wingdings" charset="2"/>
+              <a:buChar char=""/>
+            </a:pPr>
+            <a:r>
+              <a:rPr b="0" lang="ru-RU" sz="1800" spc="-1" strike="noStrike">
+                <a:latin typeface="Arial"/>
+              </a:rPr>
+              <a:t>Для правки </a:t>
+            </a:r>
+            <a:r>
+              <a:rPr b="0" lang="ru-RU" sz="1800" spc="-1" strike="noStrike">
+                <a:latin typeface="Arial"/>
+              </a:rPr>
+              <a:t>структуры </a:t>
+            </a:r>
+            <a:r>
+              <a:rPr b="0" lang="ru-RU" sz="1800" spc="-1" strike="noStrike">
+                <a:latin typeface="Arial"/>
+              </a:rPr>
+              <a:t>щёлкните </a:t>
+            </a:r>
+            <a:r>
+              <a:rPr b="0" lang="ru-RU" sz="1800" spc="-1" strike="noStrike">
+                <a:latin typeface="Arial"/>
+              </a:rPr>
+              <a:t>мышью</a:t>
+            </a:r>
+            <a:endParaRPr b="0" lang="ru-RU" sz="1800" spc="-1" strike="noStrike">
+              <a:latin typeface="Arial"/>
+            </a:endParaRPr>
+          </a:p>
+          <a:p>
+            <a:pPr lvl="1" marL="864000" indent="-324000">
+              <a:spcBef>
+                <a:spcPts val="1134"/>
+              </a:spcBef>
+              <a:buClr>
+                <a:srgbClr val="000000"/>
+              </a:buClr>
+              <a:buSzPct val="75000"/>
+              <a:buFont typeface="Symbol" charset="2"/>
+              <a:buChar char=""/>
+            </a:pPr>
+            <a:r>
+              <a:rPr b="0" lang="ru-RU" sz="1800" spc="-1" strike="noStrike">
+                <a:latin typeface="Arial"/>
+              </a:rPr>
+              <a:t>Второй </a:t>
+            </a:r>
+            <a:r>
+              <a:rPr b="0" lang="ru-RU" sz="1800" spc="-1" strike="noStrike">
+                <a:latin typeface="Arial"/>
+              </a:rPr>
+              <a:t>уровень </a:t>
+            </a:r>
+            <a:r>
+              <a:rPr b="0" lang="ru-RU" sz="1800" spc="-1" strike="noStrike">
+                <a:latin typeface="Arial"/>
+              </a:rPr>
+              <a:t>структуры</a:t>
+            </a:r>
+            <a:endParaRPr b="0" lang="ru-RU" sz="1800" spc="-1" strike="noStrike">
+              <a:latin typeface="Arial"/>
+            </a:endParaRPr>
+          </a:p>
+          <a:p>
+            <a:pPr lvl="2" marL="1296000" indent="-288000">
+              <a:spcBef>
+                <a:spcPts val="850"/>
+              </a:spcBef>
+              <a:buClr>
+                <a:srgbClr val="000000"/>
+              </a:buClr>
+              <a:buSzPct val="45000"/>
+              <a:buFont typeface="Wingdings" charset="2"/>
+              <a:buChar char=""/>
+            </a:pPr>
+            <a:r>
+              <a:rPr b="0" lang="ru-RU" sz="1800" spc="-1" strike="noStrike">
+                <a:latin typeface="Arial"/>
+              </a:rPr>
+              <a:t>Третий </a:t>
+            </a:r>
+            <a:r>
+              <a:rPr b="0" lang="ru-RU" sz="1800" spc="-1" strike="noStrike">
+                <a:latin typeface="Arial"/>
+              </a:rPr>
+              <a:t>уровень </a:t>
+            </a:r>
+            <a:r>
+              <a:rPr b="0" lang="ru-RU" sz="1800" spc="-1" strike="noStrike">
+                <a:latin typeface="Arial"/>
+              </a:rPr>
+              <a:t>структу</a:t>
+            </a:r>
+            <a:r>
+              <a:rPr b="0" lang="ru-RU" sz="1800" spc="-1" strike="noStrike">
+                <a:latin typeface="Arial"/>
+              </a:rPr>
+              <a:t>ры</a:t>
+            </a:r>
+            <a:endParaRPr b="0" lang="ru-RU" sz="1800" spc="-1" strike="noStrike">
+              <a:latin typeface="Arial"/>
+            </a:endParaRPr>
+          </a:p>
+          <a:p>
+            <a:pPr lvl="3" marL="1728000" indent="-216000">
+              <a:spcBef>
+                <a:spcPts val="567"/>
+              </a:spcBef>
+              <a:buClr>
+                <a:srgbClr val="000000"/>
+              </a:buClr>
+              <a:buSzPct val="75000"/>
+              <a:buFont typeface="Symbol" charset="2"/>
+              <a:buChar char=""/>
+            </a:pPr>
+            <a:r>
+              <a:rPr b="0" lang="ru-RU" sz="1800" spc="-1" strike="noStrike">
+                <a:latin typeface="Arial"/>
+              </a:rPr>
+              <a:t>Чет</a:t>
+            </a:r>
+            <a:r>
+              <a:rPr b="0" lang="ru-RU" sz="1800" spc="-1" strike="noStrike">
+                <a:latin typeface="Arial"/>
+              </a:rPr>
+              <a:t>вёр</a:t>
+            </a:r>
+            <a:r>
+              <a:rPr b="0" lang="ru-RU" sz="1800" spc="-1" strike="noStrike">
+                <a:latin typeface="Arial"/>
+              </a:rPr>
+              <a:t>тый </a:t>
+            </a:r>
+            <a:r>
+              <a:rPr b="0" lang="ru-RU" sz="1800" spc="-1" strike="noStrike">
+                <a:latin typeface="Arial"/>
+              </a:rPr>
+              <a:t>уро</a:t>
+            </a:r>
+            <a:r>
+              <a:rPr b="0" lang="ru-RU" sz="1800" spc="-1" strike="noStrike">
+                <a:latin typeface="Arial"/>
+              </a:rPr>
+              <a:t>вен</a:t>
+            </a:r>
+            <a:r>
+              <a:rPr b="0" lang="ru-RU" sz="1800" spc="-1" strike="noStrike">
+                <a:latin typeface="Arial"/>
+              </a:rPr>
+              <a:t>ь </a:t>
+            </a:r>
+            <a:r>
+              <a:rPr b="0" lang="ru-RU" sz="1800" spc="-1" strike="noStrike">
+                <a:latin typeface="Arial"/>
+              </a:rPr>
+              <a:t>стр</a:t>
+            </a:r>
+            <a:r>
+              <a:rPr b="0" lang="ru-RU" sz="1800" spc="-1" strike="noStrike">
+                <a:latin typeface="Arial"/>
+              </a:rPr>
+              <a:t>укт</a:t>
+            </a:r>
+            <a:r>
+              <a:rPr b="0" lang="ru-RU" sz="1800" spc="-1" strike="noStrike">
+                <a:latin typeface="Arial"/>
+              </a:rPr>
+              <a:t>уры</a:t>
+            </a:r>
+            <a:endParaRPr b="0" lang="ru-RU" sz="1800" spc="-1" strike="noStrike">
+              <a:latin typeface="Arial"/>
+            </a:endParaRPr>
+          </a:p>
+          <a:p>
+            <a:pPr lvl="4" marL="2160000" indent="-216000">
+              <a:spcBef>
+                <a:spcPts val="283"/>
+              </a:spcBef>
+              <a:buClr>
+                <a:srgbClr val="000000"/>
+              </a:buClr>
+              <a:buSzPct val="45000"/>
+              <a:buFont typeface="Wingdings" charset="2"/>
+              <a:buChar char=""/>
+            </a:pPr>
+            <a:r>
+              <a:rPr b="0" lang="ru-RU" sz="1800" spc="-1" strike="noStrike">
+                <a:latin typeface="Arial"/>
+              </a:rPr>
+              <a:t>П</a:t>
+            </a:r>
+            <a:r>
+              <a:rPr b="0" lang="ru-RU" sz="1800" spc="-1" strike="noStrike">
+                <a:latin typeface="Arial"/>
+              </a:rPr>
+              <a:t>я</a:t>
+            </a:r>
+            <a:r>
+              <a:rPr b="0" lang="ru-RU" sz="1800" spc="-1" strike="noStrike">
+                <a:latin typeface="Arial"/>
+              </a:rPr>
+              <a:t>т</a:t>
+            </a:r>
+            <a:r>
+              <a:rPr b="0" lang="ru-RU" sz="1800" spc="-1" strike="noStrike">
+                <a:latin typeface="Arial"/>
+              </a:rPr>
+              <a:t>ы</a:t>
+            </a:r>
+            <a:r>
+              <a:rPr b="0" lang="ru-RU" sz="1800" spc="-1" strike="noStrike">
+                <a:latin typeface="Arial"/>
+              </a:rPr>
+              <a:t>й</a:t>
+            </a:r>
+            <a:r>
+              <a:rPr b="0" lang="ru-RU" sz="1800" spc="-1" strike="noStrike">
+                <a:latin typeface="Arial"/>
+              </a:rPr>
+              <a:t> </a:t>
+            </a:r>
+            <a:r>
+              <a:rPr b="0" lang="ru-RU" sz="1800" spc="-1" strike="noStrike">
+                <a:latin typeface="Arial"/>
+              </a:rPr>
+              <a:t>у</a:t>
+            </a:r>
+            <a:r>
+              <a:rPr b="0" lang="ru-RU" sz="1800" spc="-1" strike="noStrike">
+                <a:latin typeface="Arial"/>
+              </a:rPr>
+              <a:t>р</a:t>
+            </a:r>
+            <a:r>
+              <a:rPr b="0" lang="ru-RU" sz="1800" spc="-1" strike="noStrike">
+                <a:latin typeface="Arial"/>
+              </a:rPr>
+              <a:t>о</a:t>
+            </a:r>
+            <a:r>
+              <a:rPr b="0" lang="ru-RU" sz="1800" spc="-1" strike="noStrike">
+                <a:latin typeface="Arial"/>
+              </a:rPr>
+              <a:t>в</a:t>
+            </a:r>
+            <a:r>
+              <a:rPr b="0" lang="ru-RU" sz="1800" spc="-1" strike="noStrike">
+                <a:latin typeface="Arial"/>
+              </a:rPr>
+              <a:t>е</a:t>
+            </a:r>
+            <a:r>
+              <a:rPr b="0" lang="ru-RU" sz="1800" spc="-1" strike="noStrike">
+                <a:latin typeface="Arial"/>
+              </a:rPr>
+              <a:t>н</a:t>
+            </a:r>
+            <a:r>
+              <a:rPr b="0" lang="ru-RU" sz="1800" spc="-1" strike="noStrike">
+                <a:latin typeface="Arial"/>
+              </a:rPr>
+              <a:t>ь</a:t>
+            </a:r>
+            <a:r>
+              <a:rPr b="0" lang="ru-RU" sz="1800" spc="-1" strike="noStrike">
+                <a:latin typeface="Arial"/>
+              </a:rPr>
+              <a:t> </a:t>
+            </a:r>
+            <a:r>
+              <a:rPr b="0" lang="ru-RU" sz="1800" spc="-1" strike="noStrike">
+                <a:latin typeface="Arial"/>
+              </a:rPr>
+              <a:t>с</a:t>
+            </a:r>
+            <a:r>
+              <a:rPr b="0" lang="ru-RU" sz="1800" spc="-1" strike="noStrike">
+                <a:latin typeface="Arial"/>
+              </a:rPr>
+              <a:t>т</a:t>
+            </a:r>
+            <a:r>
+              <a:rPr b="0" lang="ru-RU" sz="1800" spc="-1" strike="noStrike">
+                <a:latin typeface="Arial"/>
+              </a:rPr>
+              <a:t>р</a:t>
+            </a:r>
+            <a:r>
+              <a:rPr b="0" lang="ru-RU" sz="1800" spc="-1" strike="noStrike">
+                <a:latin typeface="Arial"/>
+              </a:rPr>
+              <a:t>у</a:t>
+            </a:r>
+            <a:r>
+              <a:rPr b="0" lang="ru-RU" sz="1800" spc="-1" strike="noStrike">
+                <a:latin typeface="Arial"/>
+              </a:rPr>
+              <a:t>к</a:t>
+            </a:r>
+            <a:r>
+              <a:rPr b="0" lang="ru-RU" sz="1800" spc="-1" strike="noStrike">
+                <a:latin typeface="Arial"/>
+              </a:rPr>
+              <a:t>т</a:t>
+            </a:r>
+            <a:r>
+              <a:rPr b="0" lang="ru-RU" sz="1800" spc="-1" strike="noStrike">
+                <a:latin typeface="Arial"/>
+              </a:rPr>
+              <a:t>у</a:t>
+            </a:r>
+            <a:r>
+              <a:rPr b="0" lang="ru-RU" sz="1800" spc="-1" strike="noStrike">
+                <a:latin typeface="Arial"/>
+              </a:rPr>
+              <a:t>р</a:t>
+            </a:r>
+            <a:r>
+              <a:rPr b="0" lang="ru-RU" sz="1800" spc="-1" strike="noStrike">
+                <a:latin typeface="Arial"/>
+              </a:rPr>
+              <a:t>ы</a:t>
+            </a:r>
+            <a:endParaRPr b="0" lang="ru-RU" sz="1800" spc="-1" strike="noStrike">
+              <a:latin typeface="Arial"/>
+            </a:endParaRPr>
+          </a:p>
+          <a:p>
+            <a:pPr lvl="5" marL="2592000" indent="-216000">
+              <a:spcBef>
+                <a:spcPts val="283"/>
+              </a:spcBef>
+              <a:buClr>
+                <a:srgbClr val="000000"/>
+              </a:buClr>
+              <a:buSzPct val="45000"/>
+              <a:buFont typeface="Wingdings" charset="2"/>
+              <a:buChar char=""/>
+            </a:pPr>
+            <a:r>
+              <a:rPr b="0" lang="ru-RU" sz="1800" spc="-1" strike="noStrike">
+                <a:latin typeface="Arial"/>
+              </a:rPr>
+              <a:t>Ш</a:t>
+            </a:r>
+            <a:r>
+              <a:rPr b="0" lang="ru-RU" sz="1800" spc="-1" strike="noStrike">
+                <a:latin typeface="Arial"/>
+              </a:rPr>
+              <a:t>е</a:t>
+            </a:r>
+            <a:r>
+              <a:rPr b="0" lang="ru-RU" sz="1800" spc="-1" strike="noStrike">
+                <a:latin typeface="Arial"/>
+              </a:rPr>
+              <a:t>с</a:t>
+            </a:r>
+            <a:r>
+              <a:rPr b="0" lang="ru-RU" sz="1800" spc="-1" strike="noStrike">
+                <a:latin typeface="Arial"/>
+              </a:rPr>
+              <a:t>т</a:t>
+            </a:r>
+            <a:r>
+              <a:rPr b="0" lang="ru-RU" sz="1800" spc="-1" strike="noStrike">
+                <a:latin typeface="Arial"/>
+              </a:rPr>
+              <a:t>о</a:t>
+            </a:r>
+            <a:r>
+              <a:rPr b="0" lang="ru-RU" sz="1800" spc="-1" strike="noStrike">
+                <a:latin typeface="Arial"/>
+              </a:rPr>
+              <a:t>й</a:t>
+            </a:r>
+            <a:r>
+              <a:rPr b="0" lang="ru-RU" sz="1800" spc="-1" strike="noStrike">
+                <a:latin typeface="Arial"/>
+              </a:rPr>
+              <a:t> </a:t>
+            </a:r>
+            <a:r>
+              <a:rPr b="0" lang="ru-RU" sz="1800" spc="-1" strike="noStrike">
+                <a:latin typeface="Arial"/>
+              </a:rPr>
+              <a:t>у</a:t>
+            </a:r>
+            <a:r>
+              <a:rPr b="0" lang="ru-RU" sz="1800" spc="-1" strike="noStrike">
+                <a:latin typeface="Arial"/>
+              </a:rPr>
+              <a:t>р</a:t>
+            </a:r>
+            <a:r>
+              <a:rPr b="0" lang="ru-RU" sz="1800" spc="-1" strike="noStrike">
+                <a:latin typeface="Arial"/>
+              </a:rPr>
+              <a:t>о</a:t>
+            </a:r>
+            <a:r>
+              <a:rPr b="0" lang="ru-RU" sz="1800" spc="-1" strike="noStrike">
+                <a:latin typeface="Arial"/>
+              </a:rPr>
+              <a:t>в</a:t>
+            </a:r>
+            <a:r>
+              <a:rPr b="0" lang="ru-RU" sz="1800" spc="-1" strike="noStrike">
+                <a:latin typeface="Arial"/>
+              </a:rPr>
+              <a:t>е</a:t>
+            </a:r>
+            <a:r>
+              <a:rPr b="0" lang="ru-RU" sz="1800" spc="-1" strike="noStrike">
+                <a:latin typeface="Arial"/>
+              </a:rPr>
+              <a:t>н</a:t>
+            </a:r>
+            <a:r>
+              <a:rPr b="0" lang="ru-RU" sz="1800" spc="-1" strike="noStrike">
+                <a:latin typeface="Arial"/>
+              </a:rPr>
+              <a:t>ь</a:t>
+            </a:r>
+            <a:r>
+              <a:rPr b="0" lang="ru-RU" sz="1800" spc="-1" strike="noStrike">
+                <a:latin typeface="Arial"/>
+              </a:rPr>
+              <a:t> </a:t>
+            </a:r>
+            <a:r>
+              <a:rPr b="0" lang="ru-RU" sz="1800" spc="-1" strike="noStrike">
+                <a:latin typeface="Arial"/>
+              </a:rPr>
+              <a:t>с</a:t>
+            </a:r>
+            <a:r>
+              <a:rPr b="0" lang="ru-RU" sz="1800" spc="-1" strike="noStrike">
+                <a:latin typeface="Arial"/>
+              </a:rPr>
+              <a:t>т</a:t>
+            </a:r>
+            <a:r>
+              <a:rPr b="0" lang="ru-RU" sz="1800" spc="-1" strike="noStrike">
+                <a:latin typeface="Arial"/>
+              </a:rPr>
+              <a:t>р</a:t>
+            </a:r>
+            <a:r>
+              <a:rPr b="0" lang="ru-RU" sz="1800" spc="-1" strike="noStrike">
+                <a:latin typeface="Arial"/>
+              </a:rPr>
+              <a:t>у</a:t>
+            </a:r>
+            <a:r>
+              <a:rPr b="0" lang="ru-RU" sz="1800" spc="-1" strike="noStrike">
+                <a:latin typeface="Arial"/>
+              </a:rPr>
+              <a:t>к</a:t>
+            </a:r>
+            <a:r>
+              <a:rPr b="0" lang="ru-RU" sz="1800" spc="-1" strike="noStrike">
+                <a:latin typeface="Arial"/>
+              </a:rPr>
+              <a:t>т</a:t>
+            </a:r>
+            <a:r>
+              <a:rPr b="0" lang="ru-RU" sz="1800" spc="-1" strike="noStrike">
+                <a:latin typeface="Arial"/>
+              </a:rPr>
+              <a:t>у</a:t>
+            </a:r>
+            <a:r>
+              <a:rPr b="0" lang="ru-RU" sz="1800" spc="-1" strike="noStrike">
+                <a:latin typeface="Arial"/>
+              </a:rPr>
+              <a:t>р</a:t>
+            </a:r>
+            <a:r>
+              <a:rPr b="0" lang="ru-RU" sz="1800" spc="-1" strike="noStrike">
+                <a:latin typeface="Arial"/>
+              </a:rPr>
+              <a:t>ы</a:t>
+            </a:r>
+            <a:endParaRPr b="0" lang="ru-RU" sz="1800" spc="-1" strike="noStrike">
+              <a:latin typeface="Arial"/>
+            </a:endParaRPr>
+          </a:p>
+          <a:p>
+            <a:pPr lvl="6" marL="3024000" indent="-216000">
+              <a:spcBef>
+                <a:spcPts val="283"/>
+              </a:spcBef>
+              <a:buClr>
+                <a:srgbClr val="000000"/>
+              </a:buClr>
+              <a:buSzPct val="45000"/>
+              <a:buFont typeface="Wingdings" charset="2"/>
+              <a:buChar char=""/>
+            </a:pPr>
+            <a:r>
+              <a:rPr b="0" lang="ru-RU" sz="1800" spc="-1" strike="noStrike">
+                <a:latin typeface="Arial"/>
+              </a:rPr>
+              <a:t>С</a:t>
+            </a:r>
+            <a:r>
+              <a:rPr b="0" lang="ru-RU" sz="1800" spc="-1" strike="noStrike">
+                <a:latin typeface="Arial"/>
+              </a:rPr>
+              <a:t>е</a:t>
+            </a:r>
+            <a:r>
+              <a:rPr b="0" lang="ru-RU" sz="1800" spc="-1" strike="noStrike">
+                <a:latin typeface="Arial"/>
+              </a:rPr>
+              <a:t>д</a:t>
+            </a:r>
+            <a:r>
+              <a:rPr b="0" lang="ru-RU" sz="1800" spc="-1" strike="noStrike">
+                <a:latin typeface="Arial"/>
+              </a:rPr>
+              <a:t>ь</a:t>
+            </a:r>
+            <a:r>
+              <a:rPr b="0" lang="ru-RU" sz="1800" spc="-1" strike="noStrike">
+                <a:latin typeface="Arial"/>
+              </a:rPr>
+              <a:t>м</a:t>
+            </a:r>
+            <a:r>
+              <a:rPr b="0" lang="ru-RU" sz="1800" spc="-1" strike="noStrike">
+                <a:latin typeface="Arial"/>
+              </a:rPr>
+              <a:t>о</a:t>
+            </a:r>
+            <a:r>
+              <a:rPr b="0" lang="ru-RU" sz="1800" spc="-1" strike="noStrike">
+                <a:latin typeface="Arial"/>
+              </a:rPr>
+              <a:t>й</a:t>
+            </a:r>
+            <a:r>
+              <a:rPr b="0" lang="ru-RU" sz="1800" spc="-1" strike="noStrike">
+                <a:latin typeface="Arial"/>
+              </a:rPr>
+              <a:t> </a:t>
+            </a:r>
+            <a:r>
+              <a:rPr b="0" lang="ru-RU" sz="1800" spc="-1" strike="noStrike">
+                <a:latin typeface="Arial"/>
+              </a:rPr>
+              <a:t>у</a:t>
+            </a:r>
+            <a:r>
+              <a:rPr b="0" lang="ru-RU" sz="1800" spc="-1" strike="noStrike">
+                <a:latin typeface="Arial"/>
+              </a:rPr>
+              <a:t>р</a:t>
+            </a:r>
+            <a:r>
+              <a:rPr b="0" lang="ru-RU" sz="1800" spc="-1" strike="noStrike">
+                <a:latin typeface="Arial"/>
+              </a:rPr>
+              <a:t>о</a:t>
+            </a:r>
+            <a:r>
+              <a:rPr b="0" lang="ru-RU" sz="1800" spc="-1" strike="noStrike">
+                <a:latin typeface="Arial"/>
+              </a:rPr>
+              <a:t>в</a:t>
+            </a:r>
+            <a:r>
+              <a:rPr b="0" lang="ru-RU" sz="1800" spc="-1" strike="noStrike">
+                <a:latin typeface="Arial"/>
+              </a:rPr>
+              <a:t>е</a:t>
+            </a:r>
+            <a:r>
+              <a:rPr b="0" lang="ru-RU" sz="1800" spc="-1" strike="noStrike">
+                <a:latin typeface="Arial"/>
+              </a:rPr>
+              <a:t>н</a:t>
+            </a:r>
+            <a:r>
+              <a:rPr b="0" lang="ru-RU" sz="1800" spc="-1" strike="noStrike">
+                <a:latin typeface="Arial"/>
+              </a:rPr>
+              <a:t>ь</a:t>
+            </a:r>
+            <a:r>
+              <a:rPr b="0" lang="ru-RU" sz="1800" spc="-1" strike="noStrike">
+                <a:latin typeface="Arial"/>
+              </a:rPr>
+              <a:t> </a:t>
+            </a:r>
+            <a:r>
+              <a:rPr b="0" lang="ru-RU" sz="1800" spc="-1" strike="noStrike">
+                <a:latin typeface="Arial"/>
+              </a:rPr>
+              <a:t>с</a:t>
+            </a:r>
+            <a:r>
+              <a:rPr b="0" lang="ru-RU" sz="1800" spc="-1" strike="noStrike">
+                <a:latin typeface="Arial"/>
+              </a:rPr>
+              <a:t>т</a:t>
+            </a:r>
+            <a:r>
+              <a:rPr b="0" lang="ru-RU" sz="1800" spc="-1" strike="noStrike">
+                <a:latin typeface="Arial"/>
+              </a:rPr>
+              <a:t>р</a:t>
+            </a:r>
+            <a:r>
+              <a:rPr b="0" lang="ru-RU" sz="1800" spc="-1" strike="noStrike">
+                <a:latin typeface="Arial"/>
+              </a:rPr>
+              <a:t>у</a:t>
+            </a:r>
+            <a:r>
+              <a:rPr b="0" lang="ru-RU" sz="1800" spc="-1" strike="noStrike">
+                <a:latin typeface="Arial"/>
+              </a:rPr>
+              <a:t>к</a:t>
+            </a:r>
+            <a:r>
+              <a:rPr b="0" lang="ru-RU" sz="1800" spc="-1" strike="noStrike">
+                <a:latin typeface="Arial"/>
+              </a:rPr>
+              <a:t>т</a:t>
+            </a:r>
+            <a:r>
+              <a:rPr b="0" lang="ru-RU" sz="1800" spc="-1" strike="noStrike">
+                <a:latin typeface="Arial"/>
+              </a:rPr>
+              <a:t>у</a:t>
+            </a:r>
+            <a:r>
+              <a:rPr b="0" lang="ru-RU" sz="1800" spc="-1" strike="noStrike">
+                <a:latin typeface="Arial"/>
+              </a:rPr>
+              <a:t>р</a:t>
+            </a:r>
+            <a:r>
+              <a:rPr b="0" lang="ru-RU" sz="1800" spc="-1" strike="noStrike">
+                <a:latin typeface="Arial"/>
+              </a:rPr>
+              <a:t>ы</a:t>
+            </a:r>
+            <a:endParaRPr b="0" lang="ru-RU" sz="1800" spc="-1" strike="noStrike">
+              <a:latin typeface="Arial"/>
+            </a:endParaRPr>
+          </a:p>
+        </p:txBody>
+      </p:sp>
+    </p:spTree>
+  </p:cSld>
+  <p:clrMap bg1="lt1" bg2="lt2" tx1="dk1" tx2="dk2" accent1="accent1" accent2="accent2" accent3="accent3" accent4="accent4" accent5="accent5" accent6="accent6" hlink="hlink" folHlink="folHlink"/>
+  <p:sldLayoutIdLst>
+    <p:sldLayoutId id="2147483662" r:id="rId2"/>
+    <p:sldLayoutId id="2147483663" r:id="rId3"/>
+    <p:sldLayoutId id="2147483664" r:id="rId4"/>
+    <p:sldLayoutId id="2147483665" r:id="rId5"/>
+    <p:sldLayoutId id="2147483666" r:id="rId6"/>
+    <p:sldLayoutId id="2147483667" r:id="rId7"/>
+    <p:sldLayoutId id="2147483668" r:id="rId8"/>
+    <p:sldLayoutId id="2147483669" r:id="rId9"/>
+    <p:sldLayoutId id="2147483670" r:id="rId10"/>
+    <p:sldLayoutId id="2147483671" r:id="rId11"/>
+    <p:sldLayoutId id="2147483672" r:id="rId12"/>
+    <p:sldLayoutId id="2147483673" r:id="rId13"/>
+  </p:sldLayoutIdLst>
+</p:sldMaster>
+</file>
+
+<file path=ppt/slideMasters/slideMaster3.xml><?xml version="1.0" encoding="utf-8"?>
+<p:sldMaster xmlns:a="http://schemas.openxmlformats.org/drawingml/2006/main" xmlns:p="http://schemas.openxmlformats.org/presentationml/2006/main" xmlns:r="http://schemas.openxmlformats.org/officeDocument/2006/relationships" xmlns:p14="http://schemas.microsoft.com/office/powerpoint/2010/main" xmlns:p15="http://schemas.microsoft.com/office/powerpoint/2012/main" xmlns:mc="http://schemas.openxmlformats.org/markup-compatibility/2006">
+  <p:cSld>
+    <p:spTree>
+      <p:nvGrpSpPr>
+        <p:cNvPr id="1" name=""/>
+        <p:cNvGrpSpPr/>
+        <p:nvPr/>
+      </p:nvGrpSpPr>
+      <p:grpSpPr>
+        <a:xfrm>
+          <a:off x="0" y="0"/>
+          <a:ext cx="0" cy="0"/>
+          <a:chOff x="0" y="0"/>
+          <a:chExt cx="0" cy="0"/>
+        </a:xfrm>
+      </p:grpSpPr>
+      <p:sp>
+        <p:nvSpPr>
+          <p:cNvPr id="76" name="PlaceHolder 1"/>
+          <p:cNvSpPr>
+            <a:spLocks noGrp="1"/>
+          </p:cNvSpPr>
+          <p:nvPr>
+            <p:ph type="title"/>
+          </p:nvPr>
+        </p:nvSpPr>
+        <p:spPr>
+          <a:xfrm>
+            <a:off x="504000" y="74160"/>
+            <a:ext cx="9071280" cy="1249920"/>
+          </a:xfrm>
+          <a:prstGeom prst="rect">
+            <a:avLst/>
+          </a:prstGeom>
+        </p:spPr>
+        <p:txBody>
+          <a:bodyPr lIns="0" rIns="0" tIns="0" bIns="0" anchor="ctr">
+            <a:noAutofit/>
+          </a:bodyPr>
+          <a:p>
+            <a:r>
+              <a:rPr b="0" lang="ru-RU" sz="1800" spc="-1" strike="noStrike">
+                <a:latin typeface="Arial"/>
+              </a:rPr>
+              <a:t>Для правки текста заглавия щёлкните мышью</a:t>
+            </a:r>
+            <a:endParaRPr b="0" lang="ru-RU" sz="1800" spc="-1" strike="noStrike">
+              <a:latin typeface="Arial"/>
+            </a:endParaRPr>
+          </a:p>
+        </p:txBody>
+      </p:sp>
+      <p:sp>
+        <p:nvSpPr>
+          <p:cNvPr id="77" name="PlaceHolder 2"/>
+          <p:cNvSpPr>
+            <a:spLocks noGrp="1"/>
+          </p:cNvSpPr>
+          <p:nvPr>
+            <p:ph type="body"/>
+          </p:nvPr>
+        </p:nvSpPr>
+        <p:spPr>
+          <a:xfrm>
+            <a:off x="504000" y="1326600"/>
+            <a:ext cx="4426560" cy="3287880"/>
+          </a:xfrm>
+          <a:prstGeom prst="rect">
+            <a:avLst/>
+          </a:prstGeom>
+        </p:spPr>
+        <p:txBody>
+          <a:bodyPr lIns="0" rIns="0" tIns="0" bIns="0">
+            <a:normAutofit fontScale="80000"/>
+          </a:bodyPr>
+          <a:p>
+            <a:pPr marL="432000" indent="-324000">
+              <a:spcBef>
+                <a:spcPts val="1417"/>
+              </a:spcBef>
+              <a:buClr>
+                <a:srgbClr val="000000"/>
+              </a:buClr>
+              <a:buSzPct val="45000"/>
+              <a:buFont typeface="Wingdings" charset="2"/>
+              <a:buChar char=""/>
+            </a:pPr>
+            <a:r>
+              <a:rPr b="0" lang="ru-RU" sz="1800" spc="-1" strike="noStrike">
+                <a:latin typeface="Arial"/>
+              </a:rPr>
+              <a:t>Для правки </a:t>
+            </a:r>
+            <a:r>
+              <a:rPr b="0" lang="ru-RU" sz="1800" spc="-1" strike="noStrike">
+                <a:latin typeface="Arial"/>
+              </a:rPr>
+              <a:t>структуры </a:t>
+            </a:r>
+            <a:r>
+              <a:rPr b="0" lang="ru-RU" sz="1800" spc="-1" strike="noStrike">
+                <a:latin typeface="Arial"/>
+              </a:rPr>
+              <a:t>щёлкните </a:t>
+            </a:r>
+            <a:r>
+              <a:rPr b="0" lang="ru-RU" sz="1800" spc="-1" strike="noStrike">
+                <a:latin typeface="Arial"/>
+              </a:rPr>
+              <a:t>мышью</a:t>
+            </a:r>
+            <a:endParaRPr b="0" lang="ru-RU" sz="1800" spc="-1" strike="noStrike">
+              <a:latin typeface="Arial"/>
+            </a:endParaRPr>
+          </a:p>
+          <a:p>
+            <a:pPr lvl="1" marL="864000" indent="-324000">
+              <a:spcBef>
+                <a:spcPts val="1134"/>
+              </a:spcBef>
+              <a:buClr>
+                <a:srgbClr val="000000"/>
+              </a:buClr>
+              <a:buSzPct val="75000"/>
+              <a:buFont typeface="Symbol" charset="2"/>
+              <a:buChar char=""/>
+            </a:pPr>
+            <a:r>
+              <a:rPr b="0" lang="ru-RU" sz="1800" spc="-1" strike="noStrike">
+                <a:latin typeface="Arial"/>
+              </a:rPr>
+              <a:t>Второй </a:t>
+            </a:r>
+            <a:r>
+              <a:rPr b="0" lang="ru-RU" sz="1800" spc="-1" strike="noStrike">
+                <a:latin typeface="Arial"/>
+              </a:rPr>
+              <a:t>уровень </a:t>
+            </a:r>
+            <a:r>
+              <a:rPr b="0" lang="ru-RU" sz="1800" spc="-1" strike="noStrike">
+                <a:latin typeface="Arial"/>
+              </a:rPr>
+              <a:t>структуры</a:t>
+            </a:r>
+            <a:endParaRPr b="0" lang="ru-RU" sz="1800" spc="-1" strike="noStrike">
+              <a:latin typeface="Arial"/>
+            </a:endParaRPr>
+          </a:p>
+          <a:p>
+            <a:pPr lvl="2" marL="1296000" indent="-288000">
+              <a:spcBef>
+                <a:spcPts val="850"/>
+              </a:spcBef>
+              <a:buClr>
+                <a:srgbClr val="000000"/>
+              </a:buClr>
+              <a:buSzPct val="45000"/>
+              <a:buFont typeface="Wingdings" charset="2"/>
+              <a:buChar char=""/>
+            </a:pPr>
+            <a:r>
+              <a:rPr b="0" lang="ru-RU" sz="1800" spc="-1" strike="noStrike">
+                <a:latin typeface="Arial"/>
+              </a:rPr>
+              <a:t>Третий </a:t>
+            </a:r>
+            <a:r>
+              <a:rPr b="0" lang="ru-RU" sz="1800" spc="-1" strike="noStrike">
+                <a:latin typeface="Arial"/>
+              </a:rPr>
+              <a:t>уровень </a:t>
+            </a:r>
+            <a:r>
+              <a:rPr b="0" lang="ru-RU" sz="1800" spc="-1" strike="noStrike">
+                <a:latin typeface="Arial"/>
+              </a:rPr>
+              <a:t>структу</a:t>
+            </a:r>
+            <a:r>
+              <a:rPr b="0" lang="ru-RU" sz="1800" spc="-1" strike="noStrike">
+                <a:latin typeface="Arial"/>
+              </a:rPr>
+              <a:t>ры</a:t>
+            </a:r>
+            <a:endParaRPr b="0" lang="ru-RU" sz="1800" spc="-1" strike="noStrike">
+              <a:latin typeface="Arial"/>
+            </a:endParaRPr>
+          </a:p>
+          <a:p>
+            <a:pPr lvl="3" marL="1728000" indent="-216000">
+              <a:spcBef>
+                <a:spcPts val="567"/>
+              </a:spcBef>
+              <a:buClr>
+                <a:srgbClr val="000000"/>
+              </a:buClr>
+              <a:buSzPct val="75000"/>
+              <a:buFont typeface="Symbol" charset="2"/>
+              <a:buChar char=""/>
+            </a:pPr>
+            <a:r>
+              <a:rPr b="0" lang="ru-RU" sz="1800" spc="-1" strike="noStrike">
+                <a:latin typeface="Arial"/>
+              </a:rPr>
+              <a:t>Чет</a:t>
+            </a:r>
+            <a:r>
+              <a:rPr b="0" lang="ru-RU" sz="1800" spc="-1" strike="noStrike">
+                <a:latin typeface="Arial"/>
+              </a:rPr>
+              <a:t>вёр</a:t>
+            </a:r>
+            <a:r>
+              <a:rPr b="0" lang="ru-RU" sz="1800" spc="-1" strike="noStrike">
+                <a:latin typeface="Arial"/>
+              </a:rPr>
+              <a:t>тый </a:t>
+            </a:r>
+            <a:r>
+              <a:rPr b="0" lang="ru-RU" sz="1800" spc="-1" strike="noStrike">
+                <a:latin typeface="Arial"/>
+              </a:rPr>
+              <a:t>уро</a:t>
+            </a:r>
+            <a:r>
+              <a:rPr b="0" lang="ru-RU" sz="1800" spc="-1" strike="noStrike">
+                <a:latin typeface="Arial"/>
+              </a:rPr>
+              <a:t>вен</a:t>
+            </a:r>
+            <a:r>
+              <a:rPr b="0" lang="ru-RU" sz="1800" spc="-1" strike="noStrike">
+                <a:latin typeface="Arial"/>
+              </a:rPr>
+              <a:t>ь </a:t>
+            </a:r>
+            <a:r>
+              <a:rPr b="0" lang="ru-RU" sz="1800" spc="-1" strike="noStrike">
+                <a:latin typeface="Arial"/>
+              </a:rPr>
+              <a:t>стр</a:t>
+            </a:r>
+            <a:r>
+              <a:rPr b="0" lang="ru-RU" sz="1800" spc="-1" strike="noStrike">
+                <a:latin typeface="Arial"/>
+              </a:rPr>
+              <a:t>укт</a:t>
+            </a:r>
+            <a:r>
+              <a:rPr b="0" lang="ru-RU" sz="1800" spc="-1" strike="noStrike">
+                <a:latin typeface="Arial"/>
+              </a:rPr>
+              <a:t>уры</a:t>
+            </a:r>
+            <a:endParaRPr b="0" lang="ru-RU" sz="1800" spc="-1" strike="noStrike">
+              <a:latin typeface="Arial"/>
+            </a:endParaRPr>
+          </a:p>
+          <a:p>
+            <a:pPr lvl="4" marL="2160000" indent="-216000">
+              <a:spcBef>
+                <a:spcPts val="283"/>
+              </a:spcBef>
+              <a:buClr>
+                <a:srgbClr val="000000"/>
+              </a:buClr>
+              <a:buSzPct val="45000"/>
+              <a:buFont typeface="Wingdings" charset="2"/>
+              <a:buChar char=""/>
+            </a:pPr>
+            <a:r>
+              <a:rPr b="0" lang="ru-RU" sz="1800" spc="-1" strike="noStrike">
+                <a:latin typeface="Arial"/>
+              </a:rPr>
+              <a:t>П</a:t>
+            </a:r>
+            <a:r>
+              <a:rPr b="0" lang="ru-RU" sz="1800" spc="-1" strike="noStrike">
+                <a:latin typeface="Arial"/>
+              </a:rPr>
+              <a:t>я</a:t>
+            </a:r>
+            <a:r>
+              <a:rPr b="0" lang="ru-RU" sz="1800" spc="-1" strike="noStrike">
+                <a:latin typeface="Arial"/>
+              </a:rPr>
+              <a:t>т</a:t>
+            </a:r>
+            <a:r>
+              <a:rPr b="0" lang="ru-RU" sz="1800" spc="-1" strike="noStrike">
+                <a:latin typeface="Arial"/>
+              </a:rPr>
+              <a:t>ы</a:t>
+            </a:r>
+            <a:r>
+              <a:rPr b="0" lang="ru-RU" sz="1800" spc="-1" strike="noStrike">
+                <a:latin typeface="Arial"/>
+              </a:rPr>
+              <a:t>й</a:t>
+            </a:r>
+            <a:r>
+              <a:rPr b="0" lang="ru-RU" sz="1800" spc="-1" strike="noStrike">
+                <a:latin typeface="Arial"/>
+              </a:rPr>
+              <a:t> </a:t>
+            </a:r>
+            <a:r>
+              <a:rPr b="0" lang="ru-RU" sz="1800" spc="-1" strike="noStrike">
+                <a:latin typeface="Arial"/>
+              </a:rPr>
+              <a:t>у</a:t>
+            </a:r>
+            <a:r>
+              <a:rPr b="0" lang="ru-RU" sz="1800" spc="-1" strike="noStrike">
+                <a:latin typeface="Arial"/>
+              </a:rPr>
+              <a:t>р</a:t>
+            </a:r>
+            <a:r>
+              <a:rPr b="0" lang="ru-RU" sz="1800" spc="-1" strike="noStrike">
+                <a:latin typeface="Arial"/>
+              </a:rPr>
+              <a:t>о</a:t>
+            </a:r>
+            <a:r>
+              <a:rPr b="0" lang="ru-RU" sz="1800" spc="-1" strike="noStrike">
+                <a:latin typeface="Arial"/>
+              </a:rPr>
+              <a:t>в</a:t>
+            </a:r>
+            <a:r>
+              <a:rPr b="0" lang="ru-RU" sz="1800" spc="-1" strike="noStrike">
+                <a:latin typeface="Arial"/>
+              </a:rPr>
+              <a:t>е</a:t>
+            </a:r>
+            <a:r>
+              <a:rPr b="0" lang="ru-RU" sz="1800" spc="-1" strike="noStrike">
+                <a:latin typeface="Arial"/>
+              </a:rPr>
+              <a:t>н</a:t>
+            </a:r>
+            <a:r>
+              <a:rPr b="0" lang="ru-RU" sz="1800" spc="-1" strike="noStrike">
+                <a:latin typeface="Arial"/>
+              </a:rPr>
+              <a:t>ь</a:t>
+            </a:r>
+            <a:r>
+              <a:rPr b="0" lang="ru-RU" sz="1800" spc="-1" strike="noStrike">
+                <a:latin typeface="Arial"/>
+              </a:rPr>
+              <a:t> </a:t>
+            </a:r>
+            <a:r>
+              <a:rPr b="0" lang="ru-RU" sz="1800" spc="-1" strike="noStrike">
+                <a:latin typeface="Arial"/>
+              </a:rPr>
+              <a:t>с</a:t>
+            </a:r>
+            <a:r>
+              <a:rPr b="0" lang="ru-RU" sz="1800" spc="-1" strike="noStrike">
+                <a:latin typeface="Arial"/>
+              </a:rPr>
+              <a:t>т</a:t>
+            </a:r>
+            <a:r>
+              <a:rPr b="0" lang="ru-RU" sz="1800" spc="-1" strike="noStrike">
+                <a:latin typeface="Arial"/>
+              </a:rPr>
+              <a:t>р</a:t>
+            </a:r>
+            <a:r>
+              <a:rPr b="0" lang="ru-RU" sz="1800" spc="-1" strike="noStrike">
+                <a:latin typeface="Arial"/>
+              </a:rPr>
+              <a:t>у</a:t>
+            </a:r>
+            <a:r>
+              <a:rPr b="0" lang="ru-RU" sz="1800" spc="-1" strike="noStrike">
+                <a:latin typeface="Arial"/>
+              </a:rPr>
+              <a:t>к</a:t>
+            </a:r>
+            <a:r>
+              <a:rPr b="0" lang="ru-RU" sz="1800" spc="-1" strike="noStrike">
+                <a:latin typeface="Arial"/>
+              </a:rPr>
+              <a:t>т</a:t>
+            </a:r>
+            <a:r>
+              <a:rPr b="0" lang="ru-RU" sz="1800" spc="-1" strike="noStrike">
+                <a:latin typeface="Arial"/>
+              </a:rPr>
+              <a:t>у</a:t>
+            </a:r>
+            <a:r>
+              <a:rPr b="0" lang="ru-RU" sz="1800" spc="-1" strike="noStrike">
+                <a:latin typeface="Arial"/>
+              </a:rPr>
+              <a:t>р</a:t>
+            </a:r>
+            <a:r>
+              <a:rPr b="0" lang="ru-RU" sz="1800" spc="-1" strike="noStrike">
+                <a:latin typeface="Arial"/>
+              </a:rPr>
+              <a:t>ы</a:t>
+            </a:r>
+            <a:endParaRPr b="0" lang="ru-RU" sz="1800" spc="-1" strike="noStrike">
+              <a:latin typeface="Arial"/>
+            </a:endParaRPr>
+          </a:p>
+          <a:p>
+            <a:pPr lvl="5" marL="2592000" indent="-216000">
+              <a:spcBef>
+                <a:spcPts val="283"/>
+              </a:spcBef>
+              <a:buClr>
+                <a:srgbClr val="000000"/>
+              </a:buClr>
+              <a:buSzPct val="45000"/>
+              <a:buFont typeface="Wingdings" charset="2"/>
+              <a:buChar char=""/>
+            </a:pPr>
+            <a:r>
+              <a:rPr b="0" lang="ru-RU" sz="1800" spc="-1" strike="noStrike">
+                <a:latin typeface="Arial"/>
+              </a:rPr>
+              <a:t>Ш</a:t>
+            </a:r>
+            <a:r>
+              <a:rPr b="0" lang="ru-RU" sz="1800" spc="-1" strike="noStrike">
+                <a:latin typeface="Arial"/>
+              </a:rPr>
+              <a:t>е</a:t>
+            </a:r>
+            <a:r>
+              <a:rPr b="0" lang="ru-RU" sz="1800" spc="-1" strike="noStrike">
+                <a:latin typeface="Arial"/>
+              </a:rPr>
+              <a:t>с</a:t>
+            </a:r>
+            <a:r>
+              <a:rPr b="0" lang="ru-RU" sz="1800" spc="-1" strike="noStrike">
+                <a:latin typeface="Arial"/>
+              </a:rPr>
+              <a:t>т</a:t>
+            </a:r>
+            <a:r>
+              <a:rPr b="0" lang="ru-RU" sz="1800" spc="-1" strike="noStrike">
+                <a:latin typeface="Arial"/>
+              </a:rPr>
+              <a:t>о</a:t>
+            </a:r>
+            <a:r>
+              <a:rPr b="0" lang="ru-RU" sz="1800" spc="-1" strike="noStrike">
+                <a:latin typeface="Arial"/>
+              </a:rPr>
+              <a:t>й</a:t>
+            </a:r>
+            <a:r>
+              <a:rPr b="0" lang="ru-RU" sz="1800" spc="-1" strike="noStrike">
+                <a:latin typeface="Arial"/>
+              </a:rPr>
+              <a:t> </a:t>
+            </a:r>
+            <a:r>
+              <a:rPr b="0" lang="ru-RU" sz="1800" spc="-1" strike="noStrike">
+                <a:latin typeface="Arial"/>
+              </a:rPr>
+              <a:t>у</a:t>
+            </a:r>
+            <a:r>
+              <a:rPr b="0" lang="ru-RU" sz="1800" spc="-1" strike="noStrike">
+                <a:latin typeface="Arial"/>
+              </a:rPr>
+              <a:t>р</a:t>
+            </a:r>
+            <a:r>
+              <a:rPr b="0" lang="ru-RU" sz="1800" spc="-1" strike="noStrike">
+                <a:latin typeface="Arial"/>
+              </a:rPr>
+              <a:t>о</a:t>
+            </a:r>
+            <a:r>
+              <a:rPr b="0" lang="ru-RU" sz="1800" spc="-1" strike="noStrike">
+                <a:latin typeface="Arial"/>
+              </a:rPr>
+              <a:t>в</a:t>
+            </a:r>
+            <a:r>
+              <a:rPr b="0" lang="ru-RU" sz="1800" spc="-1" strike="noStrike">
+                <a:latin typeface="Arial"/>
+              </a:rPr>
+              <a:t>е</a:t>
+            </a:r>
+            <a:r>
+              <a:rPr b="0" lang="ru-RU" sz="1800" spc="-1" strike="noStrike">
+                <a:latin typeface="Arial"/>
+              </a:rPr>
+              <a:t>н</a:t>
+            </a:r>
+            <a:r>
+              <a:rPr b="0" lang="ru-RU" sz="1800" spc="-1" strike="noStrike">
+                <a:latin typeface="Arial"/>
+              </a:rPr>
+              <a:t>ь</a:t>
+            </a:r>
+            <a:r>
+              <a:rPr b="0" lang="ru-RU" sz="1800" spc="-1" strike="noStrike">
+                <a:latin typeface="Arial"/>
+              </a:rPr>
+              <a:t> </a:t>
+            </a:r>
+            <a:r>
+              <a:rPr b="0" lang="ru-RU" sz="1800" spc="-1" strike="noStrike">
+                <a:latin typeface="Arial"/>
+              </a:rPr>
+              <a:t>с</a:t>
+            </a:r>
+            <a:r>
+              <a:rPr b="0" lang="ru-RU" sz="1800" spc="-1" strike="noStrike">
+                <a:latin typeface="Arial"/>
+              </a:rPr>
+              <a:t>т</a:t>
+            </a:r>
+            <a:r>
+              <a:rPr b="0" lang="ru-RU" sz="1800" spc="-1" strike="noStrike">
+                <a:latin typeface="Arial"/>
+              </a:rPr>
+              <a:t>р</a:t>
+            </a:r>
+            <a:r>
+              <a:rPr b="0" lang="ru-RU" sz="1800" spc="-1" strike="noStrike">
+                <a:latin typeface="Arial"/>
+              </a:rPr>
+              <a:t>у</a:t>
+            </a:r>
+            <a:r>
+              <a:rPr b="0" lang="ru-RU" sz="1800" spc="-1" strike="noStrike">
+                <a:latin typeface="Arial"/>
+              </a:rPr>
+              <a:t>к</a:t>
+            </a:r>
+            <a:r>
+              <a:rPr b="0" lang="ru-RU" sz="1800" spc="-1" strike="noStrike">
+                <a:latin typeface="Arial"/>
+              </a:rPr>
+              <a:t>т</a:t>
+            </a:r>
+            <a:r>
+              <a:rPr b="0" lang="ru-RU" sz="1800" spc="-1" strike="noStrike">
+                <a:latin typeface="Arial"/>
+              </a:rPr>
+              <a:t>у</a:t>
+            </a:r>
+            <a:r>
+              <a:rPr b="0" lang="ru-RU" sz="1800" spc="-1" strike="noStrike">
+                <a:latin typeface="Arial"/>
+              </a:rPr>
+              <a:t>р</a:t>
+            </a:r>
+            <a:r>
+              <a:rPr b="0" lang="ru-RU" sz="1800" spc="-1" strike="noStrike">
+                <a:latin typeface="Arial"/>
+              </a:rPr>
+              <a:t>ы</a:t>
+            </a:r>
+            <a:endParaRPr b="0" lang="ru-RU" sz="1800" spc="-1" strike="noStrike">
+              <a:latin typeface="Arial"/>
+            </a:endParaRPr>
+          </a:p>
+          <a:p>
+            <a:pPr lvl="6" marL="3024000" indent="-216000">
+              <a:spcBef>
+                <a:spcPts val="283"/>
+              </a:spcBef>
+              <a:buClr>
+                <a:srgbClr val="000000"/>
+              </a:buClr>
+              <a:buSzPct val="45000"/>
+              <a:buFont typeface="Wingdings" charset="2"/>
+              <a:buChar char=""/>
+            </a:pPr>
+            <a:r>
+              <a:rPr b="0" lang="ru-RU" sz="1800" spc="-1" strike="noStrike">
+                <a:latin typeface="Arial"/>
+              </a:rPr>
+              <a:t>С</a:t>
+            </a:r>
+            <a:r>
+              <a:rPr b="0" lang="ru-RU" sz="1800" spc="-1" strike="noStrike">
+                <a:latin typeface="Arial"/>
+              </a:rPr>
+              <a:t>е</a:t>
+            </a:r>
+            <a:r>
+              <a:rPr b="0" lang="ru-RU" sz="1800" spc="-1" strike="noStrike">
+                <a:latin typeface="Arial"/>
+              </a:rPr>
+              <a:t>д</a:t>
+            </a:r>
+            <a:r>
+              <a:rPr b="0" lang="ru-RU" sz="1800" spc="-1" strike="noStrike">
+                <a:latin typeface="Arial"/>
+              </a:rPr>
+              <a:t>ь</a:t>
+            </a:r>
+            <a:r>
+              <a:rPr b="0" lang="ru-RU" sz="1800" spc="-1" strike="noStrike">
+                <a:latin typeface="Arial"/>
+              </a:rPr>
+              <a:t>м</a:t>
+            </a:r>
+            <a:r>
+              <a:rPr b="0" lang="ru-RU" sz="1800" spc="-1" strike="noStrike">
+                <a:latin typeface="Arial"/>
+              </a:rPr>
+              <a:t>о</a:t>
+            </a:r>
+            <a:r>
+              <a:rPr b="0" lang="ru-RU" sz="1800" spc="-1" strike="noStrike">
+                <a:latin typeface="Arial"/>
+              </a:rPr>
+              <a:t>й</a:t>
+            </a:r>
+            <a:r>
+              <a:rPr b="0" lang="ru-RU" sz="1800" spc="-1" strike="noStrike">
+                <a:latin typeface="Arial"/>
+              </a:rPr>
+              <a:t> </a:t>
+            </a:r>
+            <a:r>
+              <a:rPr b="0" lang="ru-RU" sz="1800" spc="-1" strike="noStrike">
+                <a:latin typeface="Arial"/>
+              </a:rPr>
+              <a:t>у</a:t>
+            </a:r>
+            <a:r>
+              <a:rPr b="0" lang="ru-RU" sz="1800" spc="-1" strike="noStrike">
+                <a:latin typeface="Arial"/>
+              </a:rPr>
+              <a:t>р</a:t>
+            </a:r>
+            <a:r>
+              <a:rPr b="0" lang="ru-RU" sz="1800" spc="-1" strike="noStrike">
+                <a:latin typeface="Arial"/>
+              </a:rPr>
+              <a:t>о</a:t>
+            </a:r>
+            <a:r>
+              <a:rPr b="0" lang="ru-RU" sz="1800" spc="-1" strike="noStrike">
+                <a:latin typeface="Arial"/>
+              </a:rPr>
+              <a:t>в</a:t>
+            </a:r>
+            <a:r>
+              <a:rPr b="0" lang="ru-RU" sz="1800" spc="-1" strike="noStrike">
+                <a:latin typeface="Arial"/>
+              </a:rPr>
+              <a:t>е</a:t>
+            </a:r>
+            <a:r>
+              <a:rPr b="0" lang="ru-RU" sz="1800" spc="-1" strike="noStrike">
+                <a:latin typeface="Arial"/>
+              </a:rPr>
+              <a:t>н</a:t>
+            </a:r>
+            <a:r>
+              <a:rPr b="0" lang="ru-RU" sz="1800" spc="-1" strike="noStrike">
+                <a:latin typeface="Arial"/>
+              </a:rPr>
+              <a:t>ь</a:t>
+            </a:r>
+            <a:r>
+              <a:rPr b="0" lang="ru-RU" sz="1800" spc="-1" strike="noStrike">
+                <a:latin typeface="Arial"/>
+              </a:rPr>
+              <a:t> </a:t>
+            </a:r>
+            <a:r>
+              <a:rPr b="0" lang="ru-RU" sz="1800" spc="-1" strike="noStrike">
+                <a:latin typeface="Arial"/>
+              </a:rPr>
+              <a:t>с</a:t>
+            </a:r>
+            <a:r>
+              <a:rPr b="0" lang="ru-RU" sz="1800" spc="-1" strike="noStrike">
+                <a:latin typeface="Arial"/>
+              </a:rPr>
+              <a:t>т</a:t>
+            </a:r>
+            <a:r>
+              <a:rPr b="0" lang="ru-RU" sz="1800" spc="-1" strike="noStrike">
+                <a:latin typeface="Arial"/>
+              </a:rPr>
+              <a:t>р</a:t>
+            </a:r>
+            <a:r>
+              <a:rPr b="0" lang="ru-RU" sz="1800" spc="-1" strike="noStrike">
+                <a:latin typeface="Arial"/>
+              </a:rPr>
+              <a:t>у</a:t>
+            </a:r>
+            <a:r>
+              <a:rPr b="0" lang="ru-RU" sz="1800" spc="-1" strike="noStrike">
+                <a:latin typeface="Arial"/>
+              </a:rPr>
+              <a:t>к</a:t>
+            </a:r>
+            <a:r>
+              <a:rPr b="0" lang="ru-RU" sz="1800" spc="-1" strike="noStrike">
+                <a:latin typeface="Arial"/>
+              </a:rPr>
+              <a:t>т</a:t>
+            </a:r>
+            <a:r>
+              <a:rPr b="0" lang="ru-RU" sz="1800" spc="-1" strike="noStrike">
+                <a:latin typeface="Arial"/>
+              </a:rPr>
+              <a:t>у</a:t>
+            </a:r>
+            <a:r>
+              <a:rPr b="0" lang="ru-RU" sz="1800" spc="-1" strike="noStrike">
+                <a:latin typeface="Arial"/>
+              </a:rPr>
+              <a:t>р</a:t>
+            </a:r>
+            <a:r>
+              <a:rPr b="0" lang="ru-RU" sz="1800" spc="-1" strike="noStrike">
+                <a:latin typeface="Arial"/>
+              </a:rPr>
+              <a:t>ы</a:t>
+            </a:r>
+            <a:endParaRPr b="0" lang="ru-RU" sz="1800" spc="-1" strike="noStrike">
+              <a:latin typeface="Arial"/>
+            </a:endParaRPr>
+          </a:p>
+        </p:txBody>
+      </p:sp>
+      <p:sp>
+        <p:nvSpPr>
+          <p:cNvPr id="78" name="PlaceHolder 3"/>
+          <p:cNvSpPr>
+            <a:spLocks noGrp="1"/>
+          </p:cNvSpPr>
+          <p:nvPr>
+            <p:ph type="body"/>
+          </p:nvPr>
+        </p:nvSpPr>
+        <p:spPr>
+          <a:xfrm>
+            <a:off x="5152680" y="1326600"/>
+            <a:ext cx="4426560" cy="3287880"/>
+          </a:xfrm>
+          <a:prstGeom prst="rect">
+            <a:avLst/>
+          </a:prstGeom>
+        </p:spPr>
+        <p:txBody>
+          <a:bodyPr lIns="0" rIns="0" tIns="0" bIns="0">
+            <a:normAutofit fontScale="80000"/>
+          </a:bodyPr>
+          <a:p>
+            <a:pPr marL="432000" indent="-324000">
+              <a:spcBef>
+                <a:spcPts val="1417"/>
+              </a:spcBef>
+              <a:buClr>
+                <a:srgbClr val="000000"/>
+              </a:buClr>
+              <a:buSzPct val="45000"/>
+              <a:buFont typeface="Wingdings" charset="2"/>
+              <a:buChar char=""/>
+            </a:pPr>
+            <a:r>
+              <a:rPr b="0" lang="ru-RU" sz="1800" spc="-1" strike="noStrike">
+                <a:latin typeface="Arial"/>
+              </a:rPr>
+              <a:t>Для правки </a:t>
+            </a:r>
+            <a:r>
+              <a:rPr b="0" lang="ru-RU" sz="1800" spc="-1" strike="noStrike">
+                <a:latin typeface="Arial"/>
+              </a:rPr>
+              <a:t>структуры </a:t>
+            </a:r>
+            <a:r>
+              <a:rPr b="0" lang="ru-RU" sz="1800" spc="-1" strike="noStrike">
+                <a:latin typeface="Arial"/>
+              </a:rPr>
+              <a:t>щёлкните </a:t>
+            </a:r>
+            <a:r>
+              <a:rPr b="0" lang="ru-RU" sz="1800" spc="-1" strike="noStrike">
+                <a:latin typeface="Arial"/>
+              </a:rPr>
+              <a:t>мышью</a:t>
+            </a:r>
+            <a:endParaRPr b="0" lang="ru-RU" sz="1800" spc="-1" strike="noStrike">
+              <a:latin typeface="Arial"/>
+            </a:endParaRPr>
+          </a:p>
+          <a:p>
+            <a:pPr lvl="1" marL="864000" indent="-324000">
+              <a:spcBef>
+                <a:spcPts val="1134"/>
+              </a:spcBef>
+              <a:buClr>
+                <a:srgbClr val="000000"/>
+              </a:buClr>
+              <a:buSzPct val="75000"/>
+              <a:buFont typeface="Symbol" charset="2"/>
+              <a:buChar char=""/>
+            </a:pPr>
+            <a:r>
+              <a:rPr b="0" lang="ru-RU" sz="1800" spc="-1" strike="noStrike">
+                <a:latin typeface="Arial"/>
+              </a:rPr>
+              <a:t>Второй </a:t>
+            </a:r>
+            <a:r>
+              <a:rPr b="0" lang="ru-RU" sz="1800" spc="-1" strike="noStrike">
+                <a:latin typeface="Arial"/>
+              </a:rPr>
+              <a:t>уровень </a:t>
+            </a:r>
+            <a:r>
+              <a:rPr b="0" lang="ru-RU" sz="1800" spc="-1" strike="noStrike">
+                <a:latin typeface="Arial"/>
+              </a:rPr>
+              <a:t>структуры</a:t>
+            </a:r>
+            <a:endParaRPr b="0" lang="ru-RU" sz="1800" spc="-1" strike="noStrike">
+              <a:latin typeface="Arial"/>
+            </a:endParaRPr>
+          </a:p>
+          <a:p>
+            <a:pPr lvl="2" marL="1296000" indent="-288000">
+              <a:spcBef>
+                <a:spcPts val="850"/>
+              </a:spcBef>
+              <a:buClr>
+                <a:srgbClr val="000000"/>
+              </a:buClr>
+              <a:buSzPct val="45000"/>
+              <a:buFont typeface="Wingdings" charset="2"/>
+              <a:buChar char=""/>
+            </a:pPr>
+            <a:r>
+              <a:rPr b="0" lang="ru-RU" sz="1800" spc="-1" strike="noStrike">
+                <a:latin typeface="Arial"/>
+              </a:rPr>
+              <a:t>Третий </a:t>
+            </a:r>
+            <a:r>
+              <a:rPr b="0" lang="ru-RU" sz="1800" spc="-1" strike="noStrike">
+                <a:latin typeface="Arial"/>
+              </a:rPr>
+              <a:t>уровень </a:t>
+            </a:r>
+            <a:r>
+              <a:rPr b="0" lang="ru-RU" sz="1800" spc="-1" strike="noStrike">
+                <a:latin typeface="Arial"/>
+              </a:rPr>
+              <a:t>структу</a:t>
+            </a:r>
+            <a:r>
+              <a:rPr b="0" lang="ru-RU" sz="1800" spc="-1" strike="noStrike">
+                <a:latin typeface="Arial"/>
+              </a:rPr>
+              <a:t>ры</a:t>
+            </a:r>
+            <a:endParaRPr b="0" lang="ru-RU" sz="1800" spc="-1" strike="noStrike">
+              <a:latin typeface="Arial"/>
+            </a:endParaRPr>
+          </a:p>
+          <a:p>
+            <a:pPr lvl="3" marL="1728000" indent="-216000">
+              <a:spcBef>
+                <a:spcPts val="567"/>
+              </a:spcBef>
+              <a:buClr>
+                <a:srgbClr val="000000"/>
+              </a:buClr>
+              <a:buSzPct val="75000"/>
+              <a:buFont typeface="Symbol" charset="2"/>
+              <a:buChar char=""/>
+            </a:pPr>
+            <a:r>
+              <a:rPr b="0" lang="ru-RU" sz="1800" spc="-1" strike="noStrike">
+                <a:latin typeface="Arial"/>
+              </a:rPr>
+              <a:t>Чет</a:t>
+            </a:r>
+            <a:r>
+              <a:rPr b="0" lang="ru-RU" sz="1800" spc="-1" strike="noStrike">
+                <a:latin typeface="Arial"/>
+              </a:rPr>
+              <a:t>вёр</a:t>
+            </a:r>
+            <a:r>
+              <a:rPr b="0" lang="ru-RU" sz="1800" spc="-1" strike="noStrike">
+                <a:latin typeface="Arial"/>
+              </a:rPr>
+              <a:t>тый </a:t>
+            </a:r>
+            <a:r>
+              <a:rPr b="0" lang="ru-RU" sz="1800" spc="-1" strike="noStrike">
+                <a:latin typeface="Arial"/>
+              </a:rPr>
+              <a:t>уро</a:t>
+            </a:r>
+            <a:r>
+              <a:rPr b="0" lang="ru-RU" sz="1800" spc="-1" strike="noStrike">
+                <a:latin typeface="Arial"/>
+              </a:rPr>
+              <a:t>вен</a:t>
+            </a:r>
+            <a:r>
+              <a:rPr b="0" lang="ru-RU" sz="1800" spc="-1" strike="noStrike">
+                <a:latin typeface="Arial"/>
+              </a:rPr>
+              <a:t>ь </a:t>
+            </a:r>
+            <a:r>
+              <a:rPr b="0" lang="ru-RU" sz="1800" spc="-1" strike="noStrike">
+                <a:latin typeface="Arial"/>
+              </a:rPr>
+              <a:t>стр</a:t>
+            </a:r>
+            <a:r>
+              <a:rPr b="0" lang="ru-RU" sz="1800" spc="-1" strike="noStrike">
+                <a:latin typeface="Arial"/>
+              </a:rPr>
+              <a:t>укт</a:t>
+            </a:r>
+            <a:r>
+              <a:rPr b="0" lang="ru-RU" sz="1800" spc="-1" strike="noStrike">
+                <a:latin typeface="Arial"/>
+              </a:rPr>
+              <a:t>уры</a:t>
+            </a:r>
+            <a:endParaRPr b="0" lang="ru-RU" sz="1800" spc="-1" strike="noStrike">
+              <a:latin typeface="Arial"/>
+            </a:endParaRPr>
+          </a:p>
+          <a:p>
+            <a:pPr lvl="4" marL="2160000" indent="-216000">
+              <a:spcBef>
+                <a:spcPts val="283"/>
+              </a:spcBef>
+              <a:buClr>
+                <a:srgbClr val="000000"/>
+              </a:buClr>
+              <a:buSzPct val="45000"/>
+              <a:buFont typeface="Wingdings" charset="2"/>
+              <a:buChar char=""/>
+            </a:pPr>
+            <a:r>
+              <a:rPr b="0" lang="ru-RU" sz="1800" spc="-1" strike="noStrike">
+                <a:latin typeface="Arial"/>
+              </a:rPr>
+              <a:t>П</a:t>
+            </a:r>
+            <a:r>
+              <a:rPr b="0" lang="ru-RU" sz="1800" spc="-1" strike="noStrike">
+                <a:latin typeface="Arial"/>
+              </a:rPr>
+              <a:t>я</a:t>
+            </a:r>
+            <a:r>
+              <a:rPr b="0" lang="ru-RU" sz="1800" spc="-1" strike="noStrike">
+                <a:latin typeface="Arial"/>
+              </a:rPr>
+              <a:t>т</a:t>
+            </a:r>
+            <a:r>
+              <a:rPr b="0" lang="ru-RU" sz="1800" spc="-1" strike="noStrike">
+                <a:latin typeface="Arial"/>
+              </a:rPr>
+              <a:t>ы</a:t>
+            </a:r>
+            <a:r>
+              <a:rPr b="0" lang="ru-RU" sz="1800" spc="-1" strike="noStrike">
+                <a:latin typeface="Arial"/>
+              </a:rPr>
+              <a:t>й</a:t>
+            </a:r>
+            <a:r>
+              <a:rPr b="0" lang="ru-RU" sz="1800" spc="-1" strike="noStrike">
+                <a:latin typeface="Arial"/>
+              </a:rPr>
+              <a:t> </a:t>
+            </a:r>
+            <a:r>
+              <a:rPr b="0" lang="ru-RU" sz="1800" spc="-1" strike="noStrike">
+                <a:latin typeface="Arial"/>
+              </a:rPr>
+              <a:t>у</a:t>
+            </a:r>
+            <a:r>
+              <a:rPr b="0" lang="ru-RU" sz="1800" spc="-1" strike="noStrike">
+                <a:latin typeface="Arial"/>
+              </a:rPr>
+              <a:t>р</a:t>
+            </a:r>
+            <a:r>
+              <a:rPr b="0" lang="ru-RU" sz="1800" spc="-1" strike="noStrike">
+                <a:latin typeface="Arial"/>
+              </a:rPr>
+              <a:t>о</a:t>
+            </a:r>
+            <a:r>
+              <a:rPr b="0" lang="ru-RU" sz="1800" spc="-1" strike="noStrike">
+                <a:latin typeface="Arial"/>
+              </a:rPr>
+              <a:t>в</a:t>
+            </a:r>
+            <a:r>
+              <a:rPr b="0" lang="ru-RU" sz="1800" spc="-1" strike="noStrike">
+                <a:latin typeface="Arial"/>
+              </a:rPr>
+              <a:t>е</a:t>
+            </a:r>
+            <a:r>
+              <a:rPr b="0" lang="ru-RU" sz="1800" spc="-1" strike="noStrike">
+                <a:latin typeface="Arial"/>
+              </a:rPr>
+              <a:t>н</a:t>
+            </a:r>
+            <a:r>
+              <a:rPr b="0" lang="ru-RU" sz="1800" spc="-1" strike="noStrike">
+                <a:latin typeface="Arial"/>
+              </a:rPr>
+              <a:t>ь</a:t>
+            </a:r>
+            <a:r>
+              <a:rPr b="0" lang="ru-RU" sz="1800" spc="-1" strike="noStrike">
+                <a:latin typeface="Arial"/>
+              </a:rPr>
+              <a:t> </a:t>
+            </a:r>
+            <a:r>
+              <a:rPr b="0" lang="ru-RU" sz="1800" spc="-1" strike="noStrike">
+                <a:latin typeface="Arial"/>
+              </a:rPr>
+              <a:t>с</a:t>
+            </a:r>
+            <a:r>
+              <a:rPr b="0" lang="ru-RU" sz="1800" spc="-1" strike="noStrike">
+                <a:latin typeface="Arial"/>
+              </a:rPr>
+              <a:t>т</a:t>
+            </a:r>
+            <a:r>
+              <a:rPr b="0" lang="ru-RU" sz="1800" spc="-1" strike="noStrike">
+                <a:latin typeface="Arial"/>
+              </a:rPr>
+              <a:t>р</a:t>
+            </a:r>
+            <a:r>
+              <a:rPr b="0" lang="ru-RU" sz="1800" spc="-1" strike="noStrike">
+                <a:latin typeface="Arial"/>
+              </a:rPr>
+              <a:t>у</a:t>
+            </a:r>
+            <a:r>
+              <a:rPr b="0" lang="ru-RU" sz="1800" spc="-1" strike="noStrike">
+                <a:latin typeface="Arial"/>
+              </a:rPr>
+              <a:t>к</a:t>
+            </a:r>
+            <a:r>
+              <a:rPr b="0" lang="ru-RU" sz="1800" spc="-1" strike="noStrike">
+                <a:latin typeface="Arial"/>
+              </a:rPr>
+              <a:t>т</a:t>
+            </a:r>
+            <a:r>
+              <a:rPr b="0" lang="ru-RU" sz="1800" spc="-1" strike="noStrike">
+                <a:latin typeface="Arial"/>
+              </a:rPr>
+              <a:t>у</a:t>
+            </a:r>
+            <a:r>
+              <a:rPr b="0" lang="ru-RU" sz="1800" spc="-1" strike="noStrike">
+                <a:latin typeface="Arial"/>
+              </a:rPr>
+              <a:t>р</a:t>
+            </a:r>
+            <a:r>
+              <a:rPr b="0" lang="ru-RU" sz="1800" spc="-1" strike="noStrike">
+                <a:latin typeface="Arial"/>
+              </a:rPr>
+              <a:t>ы</a:t>
+            </a:r>
+            <a:endParaRPr b="0" lang="ru-RU" sz="1800" spc="-1" strike="noStrike">
+              <a:latin typeface="Arial"/>
+            </a:endParaRPr>
+          </a:p>
+          <a:p>
+            <a:pPr lvl="5" marL="2592000" indent="-216000">
+              <a:spcBef>
+                <a:spcPts val="283"/>
+              </a:spcBef>
+              <a:buClr>
+                <a:srgbClr val="000000"/>
+              </a:buClr>
+              <a:buSzPct val="45000"/>
+              <a:buFont typeface="Wingdings" charset="2"/>
+              <a:buChar char=""/>
+            </a:pPr>
+            <a:r>
+              <a:rPr b="0" lang="ru-RU" sz="1800" spc="-1" strike="noStrike">
+                <a:latin typeface="Arial"/>
+              </a:rPr>
+              <a:t>Ш</a:t>
+            </a:r>
+            <a:r>
+              <a:rPr b="0" lang="ru-RU" sz="1800" spc="-1" strike="noStrike">
+                <a:latin typeface="Arial"/>
+              </a:rPr>
+              <a:t>е</a:t>
+            </a:r>
+            <a:r>
+              <a:rPr b="0" lang="ru-RU" sz="1800" spc="-1" strike="noStrike">
+                <a:latin typeface="Arial"/>
+              </a:rPr>
+              <a:t>с</a:t>
+            </a:r>
+            <a:r>
+              <a:rPr b="0" lang="ru-RU" sz="1800" spc="-1" strike="noStrike">
+                <a:latin typeface="Arial"/>
+              </a:rPr>
+              <a:t>т</a:t>
+            </a:r>
+            <a:r>
+              <a:rPr b="0" lang="ru-RU" sz="1800" spc="-1" strike="noStrike">
+                <a:latin typeface="Arial"/>
+              </a:rPr>
+              <a:t>о</a:t>
+            </a:r>
+            <a:r>
+              <a:rPr b="0" lang="ru-RU" sz="1800" spc="-1" strike="noStrike">
+                <a:latin typeface="Arial"/>
+              </a:rPr>
+              <a:t>й</a:t>
+            </a:r>
+            <a:r>
+              <a:rPr b="0" lang="ru-RU" sz="1800" spc="-1" strike="noStrike">
+                <a:latin typeface="Arial"/>
+              </a:rPr>
+              <a:t> </a:t>
+            </a:r>
+            <a:r>
+              <a:rPr b="0" lang="ru-RU" sz="1800" spc="-1" strike="noStrike">
+                <a:latin typeface="Arial"/>
+              </a:rPr>
+              <a:t>у</a:t>
+            </a:r>
+            <a:r>
+              <a:rPr b="0" lang="ru-RU" sz="1800" spc="-1" strike="noStrike">
+                <a:latin typeface="Arial"/>
+              </a:rPr>
+              <a:t>р</a:t>
+            </a:r>
+            <a:r>
+              <a:rPr b="0" lang="ru-RU" sz="1800" spc="-1" strike="noStrike">
+                <a:latin typeface="Arial"/>
+              </a:rPr>
+              <a:t>о</a:t>
+            </a:r>
+            <a:r>
+              <a:rPr b="0" lang="ru-RU" sz="1800" spc="-1" strike="noStrike">
+                <a:latin typeface="Arial"/>
+              </a:rPr>
+              <a:t>в</a:t>
+            </a:r>
+            <a:r>
+              <a:rPr b="0" lang="ru-RU" sz="1800" spc="-1" strike="noStrike">
+                <a:latin typeface="Arial"/>
+              </a:rPr>
+              <a:t>е</a:t>
+            </a:r>
+            <a:r>
+              <a:rPr b="0" lang="ru-RU" sz="1800" spc="-1" strike="noStrike">
+                <a:latin typeface="Arial"/>
+              </a:rPr>
+              <a:t>н</a:t>
+            </a:r>
+            <a:r>
+              <a:rPr b="0" lang="ru-RU" sz="1800" spc="-1" strike="noStrike">
+                <a:latin typeface="Arial"/>
+              </a:rPr>
+              <a:t>ь</a:t>
+            </a:r>
+            <a:r>
+              <a:rPr b="0" lang="ru-RU" sz="1800" spc="-1" strike="noStrike">
+                <a:latin typeface="Arial"/>
+              </a:rPr>
+              <a:t> </a:t>
+            </a:r>
+            <a:r>
+              <a:rPr b="0" lang="ru-RU" sz="1800" spc="-1" strike="noStrike">
+                <a:latin typeface="Arial"/>
+              </a:rPr>
+              <a:t>с</a:t>
+            </a:r>
+            <a:r>
+              <a:rPr b="0" lang="ru-RU" sz="1800" spc="-1" strike="noStrike">
+                <a:latin typeface="Arial"/>
+              </a:rPr>
+              <a:t>т</a:t>
+            </a:r>
+            <a:r>
+              <a:rPr b="0" lang="ru-RU" sz="1800" spc="-1" strike="noStrike">
+                <a:latin typeface="Arial"/>
+              </a:rPr>
+              <a:t>р</a:t>
+            </a:r>
+            <a:r>
+              <a:rPr b="0" lang="ru-RU" sz="1800" spc="-1" strike="noStrike">
+                <a:latin typeface="Arial"/>
+              </a:rPr>
+              <a:t>у</a:t>
+            </a:r>
+            <a:r>
+              <a:rPr b="0" lang="ru-RU" sz="1800" spc="-1" strike="noStrike">
+                <a:latin typeface="Arial"/>
+              </a:rPr>
+              <a:t>к</a:t>
+            </a:r>
+            <a:r>
+              <a:rPr b="0" lang="ru-RU" sz="1800" spc="-1" strike="noStrike">
+                <a:latin typeface="Arial"/>
+              </a:rPr>
+              <a:t>т</a:t>
+            </a:r>
+            <a:r>
+              <a:rPr b="0" lang="ru-RU" sz="1800" spc="-1" strike="noStrike">
+                <a:latin typeface="Arial"/>
+              </a:rPr>
+              <a:t>у</a:t>
+            </a:r>
+            <a:r>
+              <a:rPr b="0" lang="ru-RU" sz="1800" spc="-1" strike="noStrike">
+                <a:latin typeface="Arial"/>
+              </a:rPr>
+              <a:t>р</a:t>
+            </a:r>
+            <a:r>
+              <a:rPr b="0" lang="ru-RU" sz="1800" spc="-1" strike="noStrike">
+                <a:latin typeface="Arial"/>
+              </a:rPr>
+              <a:t>ы</a:t>
+            </a:r>
+            <a:endParaRPr b="0" lang="ru-RU" sz="1800" spc="-1" strike="noStrike">
+              <a:latin typeface="Arial"/>
+            </a:endParaRPr>
+          </a:p>
+          <a:p>
+            <a:pPr lvl="6" marL="3024000" indent="-216000">
+              <a:spcBef>
+                <a:spcPts val="283"/>
+              </a:spcBef>
+              <a:buClr>
+                <a:srgbClr val="000000"/>
+              </a:buClr>
+              <a:buSzPct val="45000"/>
+              <a:buFont typeface="Wingdings" charset="2"/>
+              <a:buChar char=""/>
+            </a:pPr>
+            <a:r>
+              <a:rPr b="0" lang="ru-RU" sz="1800" spc="-1" strike="noStrike">
+                <a:latin typeface="Arial"/>
+              </a:rPr>
+              <a:t>С</a:t>
+            </a:r>
+            <a:r>
+              <a:rPr b="0" lang="ru-RU" sz="1800" spc="-1" strike="noStrike">
+                <a:latin typeface="Arial"/>
+              </a:rPr>
+              <a:t>е</a:t>
+            </a:r>
+            <a:r>
+              <a:rPr b="0" lang="ru-RU" sz="1800" spc="-1" strike="noStrike">
+                <a:latin typeface="Arial"/>
+              </a:rPr>
+              <a:t>д</a:t>
+            </a:r>
+            <a:r>
+              <a:rPr b="0" lang="ru-RU" sz="1800" spc="-1" strike="noStrike">
+                <a:latin typeface="Arial"/>
+              </a:rPr>
+              <a:t>ь</a:t>
+            </a:r>
+            <a:r>
+              <a:rPr b="0" lang="ru-RU" sz="1800" spc="-1" strike="noStrike">
+                <a:latin typeface="Arial"/>
+              </a:rPr>
+              <a:t>м</a:t>
+            </a:r>
+            <a:r>
+              <a:rPr b="0" lang="ru-RU" sz="1800" spc="-1" strike="noStrike">
+                <a:latin typeface="Arial"/>
+              </a:rPr>
+              <a:t>о</a:t>
+            </a:r>
+            <a:r>
+              <a:rPr b="0" lang="ru-RU" sz="1800" spc="-1" strike="noStrike">
+                <a:latin typeface="Arial"/>
+              </a:rPr>
+              <a:t>й</a:t>
+            </a:r>
+            <a:r>
+              <a:rPr b="0" lang="ru-RU" sz="1800" spc="-1" strike="noStrike">
+                <a:latin typeface="Arial"/>
+              </a:rPr>
+              <a:t> </a:t>
+            </a:r>
+            <a:r>
+              <a:rPr b="0" lang="ru-RU" sz="1800" spc="-1" strike="noStrike">
+                <a:latin typeface="Arial"/>
+              </a:rPr>
+              <a:t>у</a:t>
+            </a:r>
+            <a:r>
+              <a:rPr b="0" lang="ru-RU" sz="1800" spc="-1" strike="noStrike">
+                <a:latin typeface="Arial"/>
+              </a:rPr>
+              <a:t>р</a:t>
+            </a:r>
+            <a:r>
+              <a:rPr b="0" lang="ru-RU" sz="1800" spc="-1" strike="noStrike">
+                <a:latin typeface="Arial"/>
+              </a:rPr>
+              <a:t>о</a:t>
+            </a:r>
+            <a:r>
+              <a:rPr b="0" lang="ru-RU" sz="1800" spc="-1" strike="noStrike">
+                <a:latin typeface="Arial"/>
+              </a:rPr>
+              <a:t>в</a:t>
+            </a:r>
+            <a:r>
+              <a:rPr b="0" lang="ru-RU" sz="1800" spc="-1" strike="noStrike">
+                <a:latin typeface="Arial"/>
+              </a:rPr>
+              <a:t>е</a:t>
+            </a:r>
+            <a:r>
+              <a:rPr b="0" lang="ru-RU" sz="1800" spc="-1" strike="noStrike">
+                <a:latin typeface="Arial"/>
+              </a:rPr>
+              <a:t>н</a:t>
+            </a:r>
+            <a:r>
+              <a:rPr b="0" lang="ru-RU" sz="1800" spc="-1" strike="noStrike">
+                <a:latin typeface="Arial"/>
+              </a:rPr>
+              <a:t>ь</a:t>
+            </a:r>
+            <a:r>
+              <a:rPr b="0" lang="ru-RU" sz="1800" spc="-1" strike="noStrike">
+                <a:latin typeface="Arial"/>
+              </a:rPr>
+              <a:t> </a:t>
+            </a:r>
+            <a:r>
+              <a:rPr b="0" lang="ru-RU" sz="1800" spc="-1" strike="noStrike">
+                <a:latin typeface="Arial"/>
+              </a:rPr>
+              <a:t>с</a:t>
+            </a:r>
+            <a:r>
+              <a:rPr b="0" lang="ru-RU" sz="1800" spc="-1" strike="noStrike">
+                <a:latin typeface="Arial"/>
+              </a:rPr>
+              <a:t>т</a:t>
+            </a:r>
+            <a:r>
+              <a:rPr b="0" lang="ru-RU" sz="1800" spc="-1" strike="noStrike">
+                <a:latin typeface="Arial"/>
+              </a:rPr>
+              <a:t>р</a:t>
+            </a:r>
+            <a:r>
+              <a:rPr b="0" lang="ru-RU" sz="1800" spc="-1" strike="noStrike">
+                <a:latin typeface="Arial"/>
+              </a:rPr>
+              <a:t>у</a:t>
+            </a:r>
+            <a:r>
+              <a:rPr b="0" lang="ru-RU" sz="1800" spc="-1" strike="noStrike">
+                <a:latin typeface="Arial"/>
+              </a:rPr>
+              <a:t>к</a:t>
+            </a:r>
+            <a:r>
+              <a:rPr b="0" lang="ru-RU" sz="1800" spc="-1" strike="noStrike">
+                <a:latin typeface="Arial"/>
+              </a:rPr>
+              <a:t>т</a:t>
+            </a:r>
+            <a:r>
+              <a:rPr b="0" lang="ru-RU" sz="1800" spc="-1" strike="noStrike">
+                <a:latin typeface="Arial"/>
+              </a:rPr>
+              <a:t>у</a:t>
+            </a:r>
+            <a:r>
+              <a:rPr b="0" lang="ru-RU" sz="1800" spc="-1" strike="noStrike">
+                <a:latin typeface="Arial"/>
+              </a:rPr>
+              <a:t>р</a:t>
+            </a:r>
+            <a:r>
+              <a:rPr b="0" lang="ru-RU" sz="1800" spc="-1" strike="noStrike">
+                <a:latin typeface="Arial"/>
+              </a:rPr>
+              <a:t>ы</a:t>
+            </a:r>
+            <a:endParaRPr b="0" lang="ru-RU" sz="1800" spc="-1" strike="noStrike">
+              <a:latin typeface="Arial"/>
+            </a:endParaRPr>
+          </a:p>
+        </p:txBody>
+      </p:sp>
+    </p:spTree>
+  </p:cSld>
+  <p:clrMap bg1="lt1" bg2="lt2" tx1="dk1" tx2="dk2" accent1="accent1" accent2="accent2" accent3="accent3" accent4="accent4" accent5="accent5" accent6="accent6" hlink="hlink" folHlink="folHlink"/>
+  <p:sldLayoutIdLst>
+    <p:sldLayoutId id="2147483675" r:id="rId2"/>
+    <p:sldLayoutId id="2147483676" r:id="rId3"/>
+    <p:sldLayoutId id="2147483677" r:id="rId4"/>
+    <p:sldLayoutId id="2147483678" r:id="rId5"/>
+    <p:sldLayoutId id="2147483679" r:id="rId6"/>
+    <p:sldLayoutId id="2147483680" r:id="rId7"/>
+    <p:sldLayoutId id="2147483681" r:id="rId8"/>
+    <p:sldLayoutId id="2147483682" r:id="rId9"/>
+    <p:sldLayoutId id="2147483683" r:id="rId10"/>
+    <p:sldLayoutId id="2147483684" r:id="rId11"/>
+    <p:sldLayoutId id="2147483685" r:id="rId12"/>
+    <p:sldLayoutId id="2147483686" r:id="rId13"/>
   </p:sldLayoutIdLst>
 </p:sldMaster>
 </file>
@@ -1813,14 +7147,14 @@
       </p:grpSpPr>
       <p:sp>
         <p:nvSpPr>
-          <p:cNvPr id="41" name="TextShape 1"/>
-          <p:cNvSpPr txBox="1"/>
+          <p:cNvPr id="115" name="CustomShape 1"/>
+          <p:cNvSpPr/>
           <p:nvPr/>
         </p:nvSpPr>
         <p:spPr>
           <a:xfrm>
             <a:off x="432000" y="771840"/>
-            <a:ext cx="9071640" cy="1238040"/>
+            <a:ext cx="9071280" cy="1237680"/>
           </a:xfrm>
           <a:prstGeom prst="rect">
             <a:avLst/>
@@ -1830,34 +7164,44 @@
             <a:noFill/>
           </a:ln>
         </p:spPr>
+        <p:style>
+          <a:lnRef idx="0"/>
+          <a:fillRef idx="0"/>
+          <a:effectRef idx="0"/>
+          <a:fontRef idx="minor"/>
+        </p:style>
         <p:txBody>
           <a:bodyPr lIns="0" rIns="0" tIns="0" bIns="0" anchor="ctr">
             <a:noAutofit/>
           </a:bodyPr>
           <a:p>
-            <a:pPr algn="ctr"/>
+            <a:pPr algn="ctr">
+              <a:lnSpc>
+                <a:spcPct val="100000"/>
+              </a:lnSpc>
+            </a:pPr>
             <a:r>
               <a:rPr b="1" lang="ru-RU" sz="4400" spc="-1" strike="noStrike">
                 <a:latin typeface="Times New Roman"/>
               </a:rPr>
               <a:t>Прогнозирование курса котировок фонда S&amp;P500 с помощью LSTM</a:t>
             </a:r>
-            <a:endParaRPr b="1" lang="ru-RU" sz="4400" spc="-1" strike="noStrike">
-              <a:latin typeface="Times New Roman"/>
-            </a:endParaRPr>
-          </a:p>
-        </p:txBody>
-      </p:sp>
-      <p:sp>
-        <p:nvSpPr>
-          <p:cNvPr id="42" name="TextShape 2"/>
-          <p:cNvSpPr txBox="1"/>
+            <a:endParaRPr b="0" lang="ru-RU" sz="4400" spc="-1" strike="noStrike">
+              <a:latin typeface="Arial"/>
+            </a:endParaRPr>
+          </a:p>
+        </p:txBody>
+      </p:sp>
+      <p:sp>
+        <p:nvSpPr>
+          <p:cNvPr id="116" name="CustomShape 2"/>
+          <p:cNvSpPr/>
           <p:nvPr/>
         </p:nvSpPr>
         <p:spPr>
           <a:xfrm>
             <a:off x="504000" y="1326600"/>
-            <a:ext cx="9071640" cy="3288240"/>
+            <a:ext cx="9071280" cy="3287880"/>
           </a:xfrm>
           <a:prstGeom prst="rect">
             <a:avLst/>
@@ -1867,48 +7211,82 @@
             <a:noFill/>
           </a:ln>
         </p:spPr>
+        <p:style>
+          <a:lnRef idx="0"/>
+          <a:fillRef idx="0"/>
+          <a:effectRef idx="0"/>
+          <a:fontRef idx="minor"/>
+        </p:style>
         <p:txBody>
           <a:bodyPr lIns="0" rIns="0" tIns="0" bIns="0" anchor="ctr">
             <a:noAutofit/>
           </a:bodyPr>
           <a:p>
-            <a:pPr algn="r"/>
-            <a:endParaRPr b="0" lang="ru-RU" sz="2200" spc="-1" strike="noStrike">
-              <a:latin typeface="Times New Roman"/>
-            </a:endParaRPr>
-          </a:p>
-          <a:p>
-            <a:pPr algn="r"/>
-            <a:endParaRPr b="0" lang="ru-RU" sz="2200" spc="-1" strike="noStrike">
-              <a:latin typeface="Times New Roman"/>
-            </a:endParaRPr>
-          </a:p>
-          <a:p>
-            <a:pPr algn="r"/>
-            <a:endParaRPr b="0" lang="ru-RU" sz="2200" spc="-1" strike="noStrike">
-              <a:latin typeface="Times New Roman"/>
-            </a:endParaRPr>
-          </a:p>
-          <a:p>
-            <a:pPr algn="r"/>
-            <a:endParaRPr b="0" lang="ru-RU" sz="2200" spc="-1" strike="noStrike">
-              <a:latin typeface="Times New Roman"/>
-            </a:endParaRPr>
-          </a:p>
-          <a:p>
-            <a:pPr algn="r"/>
-            <a:endParaRPr b="0" lang="ru-RU" sz="2200" spc="-1" strike="noStrike">
-              <a:latin typeface="Times New Roman"/>
-            </a:endParaRPr>
-          </a:p>
-          <a:p>
-            <a:pPr algn="r"/>
-            <a:endParaRPr b="0" lang="ru-RU" sz="2200" spc="-1" strike="noStrike">
-              <a:latin typeface="Times New Roman"/>
-            </a:endParaRPr>
-          </a:p>
-          <a:p>
-            <a:pPr algn="r"/>
+            <a:pPr algn="r">
+              <a:lnSpc>
+                <a:spcPct val="100000"/>
+              </a:lnSpc>
+            </a:pPr>
+            <a:endParaRPr b="0" lang="ru-RU" sz="1800" spc="-1" strike="noStrike">
+              <a:latin typeface="Arial"/>
+            </a:endParaRPr>
+          </a:p>
+          <a:p>
+            <a:pPr algn="r">
+              <a:lnSpc>
+                <a:spcPct val="100000"/>
+              </a:lnSpc>
+            </a:pPr>
+            <a:endParaRPr b="0" lang="ru-RU" sz="1800" spc="-1" strike="noStrike">
+              <a:latin typeface="Arial"/>
+            </a:endParaRPr>
+          </a:p>
+          <a:p>
+            <a:pPr algn="r">
+              <a:lnSpc>
+                <a:spcPct val="100000"/>
+              </a:lnSpc>
+            </a:pPr>
+            <a:endParaRPr b="0" lang="ru-RU" sz="1800" spc="-1" strike="noStrike">
+              <a:latin typeface="Arial"/>
+            </a:endParaRPr>
+          </a:p>
+          <a:p>
+            <a:pPr algn="r">
+              <a:lnSpc>
+                <a:spcPct val="100000"/>
+              </a:lnSpc>
+            </a:pPr>
+            <a:endParaRPr b="0" lang="ru-RU" sz="1800" spc="-1" strike="noStrike">
+              <a:latin typeface="Arial"/>
+            </a:endParaRPr>
+          </a:p>
+          <a:p>
+            <a:pPr algn="r">
+              <a:lnSpc>
+                <a:spcPct val="100000"/>
+              </a:lnSpc>
+            </a:pPr>
+            <a:endParaRPr b="0" lang="ru-RU" sz="1800" spc="-1" strike="noStrike">
+              <a:latin typeface="Arial"/>
+            </a:endParaRPr>
+          </a:p>
+          <a:p>
+            <a:pPr algn="r">
+              <a:lnSpc>
+                <a:spcPct val="100000"/>
+              </a:lnSpc>
+            </a:pPr>
+            <a:endParaRPr b="0" lang="ru-RU" sz="1800" spc="-1" strike="noStrike">
+              <a:latin typeface="Arial"/>
+            </a:endParaRPr>
+          </a:p>
+          <a:p>
+            <a:pPr algn="r">
+              <a:lnSpc>
+                <a:spcPct val="100000"/>
+              </a:lnSpc>
+            </a:pPr>
             <a:r>
               <a:rPr b="0" lang="ru-RU" sz="2200" spc="-1" strike="noStrike">
                 <a:latin typeface="Times New Roman"/>
@@ -1916,11 +7294,15 @@
               <a:t>Выполнил студент 206 группы</a:t>
             </a:r>
             <a:endParaRPr b="0" lang="ru-RU" sz="2200" spc="-1" strike="noStrike">
-              <a:latin typeface="Times New Roman"/>
-            </a:endParaRPr>
-          </a:p>
-          <a:p>
-            <a:pPr algn="r"/>
+              <a:latin typeface="Arial"/>
+            </a:endParaRPr>
+          </a:p>
+          <a:p>
+            <a:pPr algn="r">
+              <a:lnSpc>
+                <a:spcPct val="100000"/>
+              </a:lnSpc>
+            </a:pPr>
             <a:r>
               <a:rPr b="0" lang="ru-RU" sz="2200" spc="-1" strike="noStrike">
                 <a:latin typeface="Times New Roman"/>
@@ -1928,11 +7310,15 @@
               <a:t>Физического факультета</a:t>
             </a:r>
             <a:endParaRPr b="0" lang="ru-RU" sz="2200" spc="-1" strike="noStrike">
-              <a:latin typeface="Times New Roman"/>
-            </a:endParaRPr>
-          </a:p>
-          <a:p>
-            <a:pPr algn="r"/>
+              <a:latin typeface="Arial"/>
+            </a:endParaRPr>
+          </a:p>
+          <a:p>
+            <a:pPr algn="r">
+              <a:lnSpc>
+                <a:spcPct val="100000"/>
+              </a:lnSpc>
+            </a:pPr>
             <a:r>
               <a:rPr b="0" lang="ru-RU" sz="2200" spc="-1" strike="noStrike">
                 <a:latin typeface="Times New Roman"/>
@@ -1940,7 +7326,424 @@
               <a:t>Клиентов Григорий Алексеевич</a:t>
             </a:r>
             <a:endParaRPr b="0" lang="ru-RU" sz="2200" spc="-1" strike="noStrike">
+              <a:latin typeface="Arial"/>
+            </a:endParaRPr>
+          </a:p>
+        </p:txBody>
+      </p:sp>
+    </p:spTree>
+  </p:cSld>
+  <mc:AlternateContent>
+    <mc:Choice Requires="p14">
+      <p:transition spd="slow" p14:dur="2000"/>
+    </mc:Choice>
+    <mc:Fallback>
+      <p:transition spd="slow"/>
+    </mc:Fallback>
+  </mc:AlternateContent>
+</p:sld>
+</file>
+
+<file path=ppt/slides/slide10.xml><?xml version="1.0" encoding="utf-8"?>
+<p:sld xmlns:a="http://schemas.openxmlformats.org/drawingml/2006/main" xmlns:p="http://schemas.openxmlformats.org/presentationml/2006/main" xmlns:r="http://schemas.openxmlformats.org/officeDocument/2006/relationships" xmlns:p14="http://schemas.microsoft.com/office/powerpoint/2010/main" xmlns:p15="http://schemas.microsoft.com/office/powerpoint/2012/main" xmlns:mc="http://schemas.openxmlformats.org/markup-compatibility/2006">
+  <p:cSld>
+    <p:spTree>
+      <p:nvGrpSpPr>
+        <p:cNvPr id="1" name=""/>
+        <p:cNvGrpSpPr/>
+        <p:nvPr/>
+      </p:nvGrpSpPr>
+      <p:grpSpPr>
+        <a:xfrm>
+          <a:off x="0" y="0"/>
+          <a:ext cx="0" cy="0"/>
+          <a:chOff x="0" y="0"/>
+          <a:chExt cx="0" cy="0"/>
+        </a:xfrm>
+      </p:grpSpPr>
+      <p:sp>
+        <p:nvSpPr>
+          <p:cNvPr id="138" name="TextShape 1"/>
+          <p:cNvSpPr txBox="1"/>
+          <p:nvPr/>
+        </p:nvSpPr>
+        <p:spPr>
+          <a:xfrm>
+            <a:off x="432000" y="2160000"/>
+            <a:ext cx="2736000" cy="708840"/>
+          </a:xfrm>
+          <a:prstGeom prst="rect">
+            <a:avLst/>
+          </a:prstGeom>
+          <a:noFill/>
+          <a:ln>
+            <a:noFill/>
+          </a:ln>
+        </p:spPr>
+        <p:txBody>
+          <a:bodyPr lIns="90000" rIns="90000" tIns="45000" bIns="45000">
+            <a:noAutofit/>
+          </a:bodyPr>
+          <a:p>
+            <a:r>
+              <a:rPr b="1" lang="ru-RU" sz="2200" spc="-1" strike="noStrike">
+                <a:latin typeface="Times New Roman"/>
+              </a:rPr>
+              <a:t>Предсказание на всём промежутке</a:t>
+            </a:r>
+            <a:endParaRPr b="1" lang="ru-RU" sz="2200" spc="-1" strike="noStrike">
               <a:latin typeface="Times New Roman"/>
+            </a:endParaRPr>
+          </a:p>
+        </p:txBody>
+      </p:sp>
+      <p:pic>
+        <p:nvPicPr>
+          <p:cNvPr id="139" name="" descr=""/>
+          <p:cNvPicPr/>
+          <p:nvPr/>
+        </p:nvPicPr>
+        <p:blipFill>
+          <a:blip r:embed="rId1"/>
+          <a:stretch/>
+        </p:blipFill>
+        <p:spPr>
+          <a:xfrm>
+            <a:off x="4464000" y="144000"/>
+            <a:ext cx="5400000" cy="5400000"/>
+          </a:xfrm>
+          <a:prstGeom prst="rect">
+            <a:avLst/>
+          </a:prstGeom>
+          <a:ln>
+            <a:noFill/>
+          </a:ln>
+        </p:spPr>
+      </p:pic>
+    </p:spTree>
+  </p:cSld>
+  <mc:AlternateContent>
+    <mc:Choice Requires="p14">
+      <p:transition spd="slow" p14:dur="2000"/>
+    </mc:Choice>
+    <mc:Fallback>
+      <p:transition spd="slow"/>
+    </mc:Fallback>
+  </mc:AlternateContent>
+</p:sld>
+</file>
+
+<file path=ppt/slides/slide11.xml><?xml version="1.0" encoding="utf-8"?>
+<p:sld xmlns:a="http://schemas.openxmlformats.org/drawingml/2006/main" xmlns:p="http://schemas.openxmlformats.org/presentationml/2006/main" xmlns:r="http://schemas.openxmlformats.org/officeDocument/2006/relationships" xmlns:p14="http://schemas.microsoft.com/office/powerpoint/2010/main" xmlns:p15="http://schemas.microsoft.com/office/powerpoint/2012/main" xmlns:mc="http://schemas.openxmlformats.org/markup-compatibility/2006">
+  <p:cSld>
+    <p:spTree>
+      <p:nvGrpSpPr>
+        <p:cNvPr id="1" name=""/>
+        <p:cNvGrpSpPr/>
+        <p:nvPr/>
+      </p:nvGrpSpPr>
+      <p:grpSpPr>
+        <a:xfrm>
+          <a:off x="0" y="0"/>
+          <a:ext cx="0" cy="0"/>
+          <a:chOff x="0" y="0"/>
+          <a:chExt cx="0" cy="0"/>
+        </a:xfrm>
+      </p:grpSpPr>
+      <p:sp>
+        <p:nvSpPr>
+          <p:cNvPr id="140" name="TextShape 1"/>
+          <p:cNvSpPr txBox="1"/>
+          <p:nvPr/>
+        </p:nvSpPr>
+        <p:spPr>
+          <a:xfrm>
+            <a:off x="648000" y="915480"/>
+            <a:ext cx="6696000" cy="596520"/>
+          </a:xfrm>
+          <a:prstGeom prst="rect">
+            <a:avLst/>
+          </a:prstGeom>
+          <a:noFill/>
+          <a:ln>
+            <a:noFill/>
+          </a:ln>
+        </p:spPr>
+        <p:txBody>
+          <a:bodyPr lIns="90000" rIns="90000" tIns="45000" bIns="45000">
+            <a:noAutofit/>
+          </a:bodyPr>
+          <a:p>
+            <a:r>
+              <a:rPr b="0" lang="ru-RU" sz="1800" spc="-1" strike="noStrike">
+                <a:latin typeface="Times New Roman"/>
+              </a:rPr>
+              <a:t>Также было оценено количество дней, где колебания курса составляли  &gt; 0.5%</a:t>
+            </a:r>
+            <a:endParaRPr b="0" lang="ru-RU" sz="1800" spc="-1" strike="noStrike">
+              <a:latin typeface="Times New Roman"/>
+            </a:endParaRPr>
+          </a:p>
+        </p:txBody>
+      </p:sp>
+      <p:pic>
+        <p:nvPicPr>
+          <p:cNvPr id="141" name="" descr=""/>
+          <p:cNvPicPr/>
+          <p:nvPr/>
+        </p:nvPicPr>
+        <p:blipFill>
+          <a:blip r:embed="rId1"/>
+          <a:stretch/>
+        </p:blipFill>
+        <p:spPr>
+          <a:xfrm>
+            <a:off x="2123640" y="2088000"/>
+            <a:ext cx="5833440" cy="2664000"/>
+          </a:xfrm>
+          <a:prstGeom prst="rect">
+            <a:avLst/>
+          </a:prstGeom>
+          <a:ln>
+            <a:noFill/>
+          </a:ln>
+        </p:spPr>
+      </p:pic>
+    </p:spTree>
+  </p:cSld>
+  <mc:AlternateContent>
+    <mc:Choice Requires="p14">
+      <p:transition spd="slow" p14:dur="2000"/>
+    </mc:Choice>
+    <mc:Fallback>
+      <p:transition spd="slow"/>
+    </mc:Fallback>
+  </mc:AlternateContent>
+</p:sld>
+</file>
+
+<file path=ppt/slides/slide12.xml><?xml version="1.0" encoding="utf-8"?>
+<p:sld xmlns:a="http://schemas.openxmlformats.org/drawingml/2006/main" xmlns:p="http://schemas.openxmlformats.org/presentationml/2006/main" xmlns:r="http://schemas.openxmlformats.org/officeDocument/2006/relationships" xmlns:p14="http://schemas.microsoft.com/office/powerpoint/2010/main" xmlns:p15="http://schemas.microsoft.com/office/powerpoint/2012/main" xmlns:mc="http://schemas.openxmlformats.org/markup-compatibility/2006">
+  <p:cSld>
+    <p:spTree>
+      <p:nvGrpSpPr>
+        <p:cNvPr id="1" name=""/>
+        <p:cNvGrpSpPr/>
+        <p:nvPr/>
+      </p:nvGrpSpPr>
+      <p:grpSpPr>
+        <a:xfrm>
+          <a:off x="0" y="0"/>
+          <a:ext cx="0" cy="0"/>
+          <a:chOff x="0" y="0"/>
+          <a:chExt cx="0" cy="0"/>
+        </a:xfrm>
+      </p:grpSpPr>
+      <p:sp>
+        <p:nvSpPr>
+          <p:cNvPr id="142" name="CustomShape 1"/>
+          <p:cNvSpPr/>
+          <p:nvPr/>
+        </p:nvSpPr>
+        <p:spPr>
+          <a:xfrm>
+            <a:off x="504000" y="226080"/>
+            <a:ext cx="9071280" cy="946080"/>
+          </a:xfrm>
+          <a:prstGeom prst="rect">
+            <a:avLst/>
+          </a:prstGeom>
+          <a:noFill/>
+          <a:ln>
+            <a:noFill/>
+          </a:ln>
+        </p:spPr>
+        <p:style>
+          <a:lnRef idx="0"/>
+          <a:fillRef idx="0"/>
+          <a:effectRef idx="0"/>
+          <a:fontRef idx="minor"/>
+        </p:style>
+        <p:txBody>
+          <a:bodyPr lIns="0" rIns="0" tIns="0" bIns="0" anchor="ctr">
+            <a:noAutofit/>
+          </a:bodyPr>
+          <a:p>
+            <a:pPr algn="ctr">
+              <a:lnSpc>
+                <a:spcPct val="100000"/>
+              </a:lnSpc>
+            </a:pPr>
+            <a:r>
+              <a:rPr b="1" lang="ru-RU" sz="4400" spc="-1" strike="noStrike">
+                <a:latin typeface="Times New Roman"/>
+              </a:rPr>
+              <a:t>Основные итоги работы</a:t>
+            </a:r>
+            <a:endParaRPr b="0" lang="ru-RU" sz="4400" spc="-1" strike="noStrike">
+              <a:latin typeface="Arial"/>
+            </a:endParaRPr>
+          </a:p>
+        </p:txBody>
+      </p:sp>
+      <p:sp>
+        <p:nvSpPr>
+          <p:cNvPr id="143" name="CustomShape 2"/>
+          <p:cNvSpPr/>
+          <p:nvPr/>
+        </p:nvSpPr>
+        <p:spPr>
+          <a:xfrm>
+            <a:off x="504000" y="1326600"/>
+            <a:ext cx="4426560" cy="3287880"/>
+          </a:xfrm>
+          <a:prstGeom prst="rect">
+            <a:avLst/>
+          </a:prstGeom>
+          <a:noFill/>
+          <a:ln>
+            <a:noFill/>
+          </a:ln>
+        </p:spPr>
+        <p:style>
+          <a:lnRef idx="0"/>
+          <a:fillRef idx="0"/>
+          <a:effectRef idx="0"/>
+          <a:fontRef idx="minor"/>
+        </p:style>
+        <p:txBody>
+          <a:bodyPr lIns="0" rIns="0" tIns="0" bIns="0">
+            <a:normAutofit/>
+          </a:bodyPr>
+          <a:p>
+            <a:pPr marL="432000" indent="-323640">
+              <a:lnSpc>
+                <a:spcPct val="100000"/>
+              </a:lnSpc>
+              <a:spcBef>
+                <a:spcPts val="1417"/>
+              </a:spcBef>
+              <a:buClr>
+                <a:srgbClr val="000000"/>
+              </a:buClr>
+              <a:buSzPct val="45000"/>
+              <a:buFont typeface="Wingdings" charset="2"/>
+              <a:buChar char=""/>
+            </a:pPr>
+            <a:r>
+              <a:rPr b="0" lang="ru-RU" sz="2200" spc="-1" strike="noStrike">
+                <a:latin typeface="Times New Roman"/>
+              </a:rPr>
+              <a:t>Было исследован результат модели для различных SEQ_LEN — визуально предсказания не отличались друг от друга</a:t>
+            </a:r>
+            <a:endParaRPr b="0" lang="ru-RU" sz="2200" spc="-1" strike="noStrike">
+              <a:latin typeface="Arial"/>
+            </a:endParaRPr>
+          </a:p>
+          <a:p>
+            <a:pPr marL="432000" indent="-323640">
+              <a:lnSpc>
+                <a:spcPct val="100000"/>
+              </a:lnSpc>
+              <a:spcBef>
+                <a:spcPts val="1417"/>
+              </a:spcBef>
+              <a:buClr>
+                <a:srgbClr val="000000"/>
+              </a:buClr>
+              <a:buSzPct val="45000"/>
+              <a:buFont typeface="Wingdings" charset="2"/>
+              <a:buChar char=""/>
+            </a:pPr>
+            <a:r>
+              <a:rPr b="0" lang="ru-RU" sz="2200" spc="-1" strike="noStrike">
+                <a:latin typeface="Times New Roman"/>
+              </a:rPr>
+              <a:t>Были исследован результат в зависимости от учета даты — с учетом даты предсказания получались более точные</a:t>
+            </a:r>
+            <a:endParaRPr b="0" lang="ru-RU" sz="2200" spc="-1" strike="noStrike">
+              <a:latin typeface="Arial"/>
+            </a:endParaRPr>
+          </a:p>
+        </p:txBody>
+      </p:sp>
+      <p:sp>
+        <p:nvSpPr>
+          <p:cNvPr id="144" name="CustomShape 3"/>
+          <p:cNvSpPr/>
+          <p:nvPr/>
+        </p:nvSpPr>
+        <p:spPr>
+          <a:xfrm>
+            <a:off x="5152680" y="1326600"/>
+            <a:ext cx="4426560" cy="3287880"/>
+          </a:xfrm>
+          <a:prstGeom prst="rect">
+            <a:avLst/>
+          </a:prstGeom>
+          <a:noFill/>
+          <a:ln>
+            <a:noFill/>
+          </a:ln>
+        </p:spPr>
+        <p:style>
+          <a:lnRef idx="0"/>
+          <a:fillRef idx="0"/>
+          <a:effectRef idx="0"/>
+          <a:fontRef idx="minor"/>
+        </p:style>
+        <p:txBody>
+          <a:bodyPr lIns="0" rIns="0" tIns="0" bIns="0">
+            <a:normAutofit/>
+          </a:bodyPr>
+          <a:p>
+            <a:pPr marL="432000" indent="-323640">
+              <a:lnSpc>
+                <a:spcPct val="100000"/>
+              </a:lnSpc>
+              <a:spcBef>
+                <a:spcPts val="1417"/>
+              </a:spcBef>
+              <a:buClr>
+                <a:srgbClr val="000000"/>
+              </a:buClr>
+              <a:buSzPct val="45000"/>
+              <a:buFont typeface="Wingdings" charset="2"/>
+              <a:buChar char=""/>
+            </a:pPr>
+            <a:r>
+              <a:rPr b="0" lang="ru-RU" sz="2200" spc="-1" strike="noStrike">
+                <a:latin typeface="Times New Roman"/>
+              </a:rPr>
+              <a:t>Было проанализировано качество предсказание на методе поиска дней с колебанием курса бумаги более заданного значения (0.5%).</a:t>
+            </a:r>
+            <a:endParaRPr b="0" lang="ru-RU" sz="2200" spc="-1" strike="noStrike">
+              <a:latin typeface="Arial"/>
+            </a:endParaRPr>
+          </a:p>
+          <a:p>
+            <a:pPr marL="432000" indent="-323640">
+              <a:lnSpc>
+                <a:spcPct val="100000"/>
+              </a:lnSpc>
+              <a:spcBef>
+                <a:spcPts val="1417"/>
+              </a:spcBef>
+              <a:buClr>
+                <a:srgbClr val="000000"/>
+              </a:buClr>
+              <a:buSzPct val="45000"/>
+              <a:buFont typeface="Wingdings" charset="2"/>
+              <a:buChar char=""/>
+            </a:pPr>
+            <a:r>
+              <a:rPr b="0" lang="ru-RU" sz="2200" spc="-1" strike="noStrike">
+                <a:latin typeface="Times New Roman"/>
+              </a:rPr>
+              <a:t>Из таблицы видно, что наилучшие результаты показывали модели, учитывающие дату </a:t>
+            </a:r>
+            <a:endParaRPr b="0" lang="ru-RU" sz="2200" spc="-1" strike="noStrike">
+              <a:latin typeface="Arial"/>
             </a:endParaRPr>
           </a:p>
         </p:txBody>
@@ -1977,14 +7780,14 @@
       </p:grpSpPr>
       <p:sp>
         <p:nvSpPr>
-          <p:cNvPr id="43" name="TextShape 1"/>
-          <p:cNvSpPr txBox="1"/>
+          <p:cNvPr id="117" name="CustomShape 1"/>
+          <p:cNvSpPr/>
           <p:nvPr/>
         </p:nvSpPr>
         <p:spPr>
           <a:xfrm>
             <a:off x="504000" y="226080"/>
-            <a:ext cx="9071640" cy="946440"/>
+            <a:ext cx="9071280" cy="946080"/>
           </a:xfrm>
           <a:prstGeom prst="rect">
             <a:avLst/>
@@ -1994,34 +7797,44 @@
             <a:noFill/>
           </a:ln>
         </p:spPr>
+        <p:style>
+          <a:lnRef idx="0"/>
+          <a:fillRef idx="0"/>
+          <a:effectRef idx="0"/>
+          <a:fontRef idx="minor"/>
+        </p:style>
         <p:txBody>
           <a:bodyPr lIns="0" rIns="0" tIns="0" bIns="0" anchor="ctr">
             <a:noAutofit/>
           </a:bodyPr>
           <a:p>
-            <a:pPr algn="ctr"/>
+            <a:pPr algn="ctr">
+              <a:lnSpc>
+                <a:spcPct val="100000"/>
+              </a:lnSpc>
+            </a:pPr>
             <a:r>
               <a:rPr b="1" lang="ru-RU" sz="4400" spc="-1" strike="noStrike">
                 <a:latin typeface="Times New Roman"/>
               </a:rPr>
               <a:t>Цель работы</a:t>
             </a:r>
-            <a:endParaRPr b="1" lang="ru-RU" sz="4400" spc="-1" strike="noStrike">
-              <a:latin typeface="Times New Roman"/>
-            </a:endParaRPr>
-          </a:p>
-        </p:txBody>
-      </p:sp>
-      <p:sp>
-        <p:nvSpPr>
-          <p:cNvPr id="44" name="TextShape 2"/>
-          <p:cNvSpPr txBox="1"/>
+            <a:endParaRPr b="0" lang="ru-RU" sz="4400" spc="-1" strike="noStrike">
+              <a:latin typeface="Arial"/>
+            </a:endParaRPr>
+          </a:p>
+        </p:txBody>
+      </p:sp>
+      <p:sp>
+        <p:nvSpPr>
+          <p:cNvPr id="118" name="CustomShape 2"/>
+          <p:cNvSpPr/>
           <p:nvPr/>
         </p:nvSpPr>
         <p:spPr>
           <a:xfrm>
             <a:off x="504000" y="1751760"/>
-            <a:ext cx="9071640" cy="3288240"/>
+            <a:ext cx="9071280" cy="3287880"/>
           </a:xfrm>
           <a:prstGeom prst="rect">
             <a:avLst/>
@@ -2031,12 +7844,21 @@
             <a:noFill/>
           </a:ln>
         </p:spPr>
+        <p:style>
+          <a:lnRef idx="0"/>
+          <a:fillRef idx="0"/>
+          <a:effectRef idx="0"/>
+          <a:fontRef idx="minor"/>
+        </p:style>
         <p:txBody>
           <a:bodyPr lIns="0" rIns="0" tIns="0" bIns="0">
             <a:normAutofit/>
           </a:bodyPr>
           <a:p>
-            <a:pPr marL="432000" indent="-324000">
+            <a:pPr marL="432000" indent="-323640">
+              <a:lnSpc>
+                <a:spcPct val="100000"/>
+              </a:lnSpc>
               <a:spcBef>
                 <a:spcPts val="1417"/>
               </a:spcBef>
@@ -2051,38 +7873,17 @@
               <a:rPr b="0" lang="ru-RU" sz="3200" spc="-1" strike="noStrike">
                 <a:latin typeface="Times New Roman"/>
               </a:rPr>
-              <a:t>Исследовать </a:t>
-            </a:r>
-            <a:r>
-              <a:rPr b="0" lang="ru-RU" sz="3200" spc="-1" strike="noStrike">
-                <a:latin typeface="Times New Roman"/>
-              </a:rPr>
-              <a:t>поведение LSTM-</a:t>
-            </a:r>
-            <a:r>
-              <a:rPr b="0" lang="ru-RU" sz="3200" spc="-1" strike="noStrike">
-                <a:latin typeface="Times New Roman"/>
-              </a:rPr>
-              <a:t>модели на задаче </a:t>
-            </a:r>
-            <a:r>
-              <a:rPr b="0" lang="ru-RU" sz="3200" spc="-1" strike="noStrike">
-                <a:latin typeface="Times New Roman"/>
-              </a:rPr>
-              <a:t>прогнозирования </a:t>
-            </a:r>
-            <a:r>
-              <a:rPr b="0" lang="ru-RU" sz="3200" spc="-1" strike="noStrike">
-                <a:latin typeface="Times New Roman"/>
-              </a:rPr>
-              <a:t>курса фонда S&amp;P500</a:t>
+              <a:t>Исследовать поведение LSTM-модели на задаче прогнозирования курса фонда S&amp;P500</a:t>
             </a:r>
             <a:endParaRPr b="0" lang="ru-RU" sz="3200" spc="-1" strike="noStrike">
-              <a:latin typeface="Times New Roman"/>
-            </a:endParaRPr>
-          </a:p>
-          <a:p>
-            <a:pPr marL="432000" indent="-324000">
+              <a:latin typeface="Arial"/>
+            </a:endParaRPr>
+          </a:p>
+          <a:p>
+            <a:pPr marL="432000" indent="-323640">
+              <a:lnSpc>
+                <a:spcPct val="100000"/>
+              </a:lnSpc>
               <a:spcBef>
                 <a:spcPts val="1417"/>
               </a:spcBef>
@@ -2097,34 +7898,10 @@
               <a:rPr b="0" lang="ru-RU" sz="3200" spc="-1" strike="noStrike">
                 <a:latin typeface="Times New Roman"/>
               </a:rPr>
-              <a:t>Проанализировать </a:t>
-            </a:r>
-            <a:r>
-              <a:rPr b="0" lang="ru-RU" sz="3200" spc="-1" strike="noStrike">
-                <a:latin typeface="Times New Roman"/>
-              </a:rPr>
-              <a:t>результаты в </a:t>
-            </a:r>
-            <a:r>
-              <a:rPr b="0" lang="ru-RU" sz="3200" spc="-1" strike="noStrike">
-                <a:latin typeface="Times New Roman"/>
-              </a:rPr>
-              <a:t>зависимости от </a:t>
-            </a:r>
-            <a:r>
-              <a:rPr b="0" lang="ru-RU" sz="3200" spc="-1" strike="noStrike">
-                <a:latin typeface="Times New Roman"/>
-              </a:rPr>
-              <a:t>внешних параметров </a:t>
-            </a:r>
-            <a:r>
-              <a:rPr b="0" lang="ru-RU" sz="3200" spc="-1" strike="noStrike">
-                <a:latin typeface="Times New Roman"/>
-              </a:rPr>
-              <a:t>модели LSTM</a:t>
+              <a:t>Проанализировать результаты в зависимости от внешних параметров модели LSTM</a:t>
             </a:r>
             <a:endParaRPr b="0" lang="ru-RU" sz="3200" spc="-1" strike="noStrike">
-              <a:latin typeface="Times New Roman"/>
+              <a:latin typeface="Arial"/>
             </a:endParaRPr>
           </a:p>
         </p:txBody>
@@ -2161,14 +7938,14 @@
       </p:grpSpPr>
       <p:sp>
         <p:nvSpPr>
-          <p:cNvPr id="45" name="TextShape 1"/>
-          <p:cNvSpPr txBox="1"/>
+          <p:cNvPr id="119" name="CustomShape 1"/>
+          <p:cNvSpPr/>
           <p:nvPr/>
         </p:nvSpPr>
         <p:spPr>
           <a:xfrm>
             <a:off x="504000" y="226080"/>
-            <a:ext cx="9071640" cy="946440"/>
+            <a:ext cx="9071280" cy="946080"/>
           </a:xfrm>
           <a:prstGeom prst="rect">
             <a:avLst/>
@@ -2178,34 +7955,44 @@
             <a:noFill/>
           </a:ln>
         </p:spPr>
+        <p:style>
+          <a:lnRef idx="0"/>
+          <a:fillRef idx="0"/>
+          <a:effectRef idx="0"/>
+          <a:fontRef idx="minor"/>
+        </p:style>
         <p:txBody>
           <a:bodyPr lIns="0" rIns="0" tIns="0" bIns="0" anchor="ctr">
             <a:noAutofit/>
           </a:bodyPr>
           <a:p>
-            <a:pPr algn="ctr"/>
+            <a:pPr algn="ctr">
+              <a:lnSpc>
+                <a:spcPct val="100000"/>
+              </a:lnSpc>
+            </a:pPr>
             <a:r>
               <a:rPr b="1" lang="ru-RU" sz="4400" spc="-1" strike="noStrike">
                 <a:latin typeface="Times New Roman"/>
               </a:rPr>
               <a:t>Описание реализации</a:t>
             </a:r>
-            <a:endParaRPr b="1" lang="ru-RU" sz="4400" spc="-1" strike="noStrike">
-              <a:latin typeface="Times New Roman"/>
-            </a:endParaRPr>
-          </a:p>
-        </p:txBody>
-      </p:sp>
-      <p:sp>
-        <p:nvSpPr>
-          <p:cNvPr id="46" name="TextShape 2"/>
-          <p:cNvSpPr txBox="1"/>
+            <a:endParaRPr b="0" lang="ru-RU" sz="4400" spc="-1" strike="noStrike">
+              <a:latin typeface="Arial"/>
+            </a:endParaRPr>
+          </a:p>
+        </p:txBody>
+      </p:sp>
+      <p:sp>
+        <p:nvSpPr>
+          <p:cNvPr id="120" name="CustomShape 2"/>
+          <p:cNvSpPr/>
           <p:nvPr/>
         </p:nvSpPr>
         <p:spPr>
           <a:xfrm>
-            <a:off x="504000" y="1326600"/>
-            <a:ext cx="4426920" cy="3288240"/>
+            <a:off x="504000" y="1608120"/>
+            <a:ext cx="4426560" cy="3287880"/>
           </a:xfrm>
           <a:prstGeom prst="rect">
             <a:avLst/>
@@ -2215,12 +8002,21 @@
             <a:noFill/>
           </a:ln>
         </p:spPr>
+        <p:style>
+          <a:lnRef idx="0"/>
+          <a:fillRef idx="0"/>
+          <a:effectRef idx="0"/>
+          <a:fontRef idx="minor"/>
+        </p:style>
         <p:txBody>
           <a:bodyPr lIns="0" rIns="0" tIns="0" bIns="0">
             <a:normAutofit/>
           </a:bodyPr>
           <a:p>
-            <a:pPr marL="432000" indent="-324000">
+            <a:pPr marL="432000" indent="-323640">
+              <a:lnSpc>
+                <a:spcPct val="100000"/>
+              </a:lnSpc>
               <a:spcBef>
                 <a:spcPts val="1417"/>
               </a:spcBef>
@@ -2232,23 +8028,20 @@
               <a:buChar char=""/>
             </a:pPr>
             <a:r>
-              <a:rPr b="0" lang="ru-RU" sz="2600" spc="-1" strike="noStrike">
+              <a:rPr b="0" lang="ru-RU" sz="2200" spc="-1" strike="noStrike">
                 <a:latin typeface="Times New Roman"/>
               </a:rPr>
-              <a:t>Для имплементации модели была использована библиотека </a:t>
-            </a:r>
-            <a:r>
-              <a:rPr b="0" lang="ru-RU" sz="2600" spc="-1" strike="noStrike">
-                <a:latin typeface="Times New Roman"/>
-              </a:rPr>
-              <a:t>Tensorflow</a:t>
-            </a:r>
-            <a:endParaRPr b="0" lang="ru-RU" sz="2600" spc="-1" strike="noStrike">
-              <a:latin typeface="Times New Roman"/>
-            </a:endParaRPr>
-          </a:p>
-          <a:p>
-            <a:pPr marL="432000" indent="-324000">
+              <a:t>Для имплементации модели была использована библиотека Tensorflow</a:t>
+            </a:r>
+            <a:endParaRPr b="0" lang="ru-RU" sz="2200" spc="-1" strike="noStrike">
+              <a:latin typeface="Arial"/>
+            </a:endParaRPr>
+          </a:p>
+          <a:p>
+            <a:pPr marL="432000" indent="-323640">
+              <a:lnSpc>
+                <a:spcPct val="100000"/>
+              </a:lnSpc>
               <a:spcBef>
                 <a:spcPts val="1417"/>
               </a:spcBef>
@@ -2260,33 +8053,27 @@
               <a:buChar char=""/>
             </a:pPr>
             <a:r>
-              <a:rPr b="0" lang="ru-RU" sz="2600" spc="-1" strike="noStrike">
+              <a:rPr b="0" lang="ru-RU" sz="2200" spc="-1" strike="noStrike">
                 <a:latin typeface="Times New Roman"/>
               </a:rPr>
-              <a:t>Датасет взят из Tinkoff Invest Api за период 2018-04 по </a:t>
-            </a:r>
-            <a:r>
-              <a:rPr b="0" lang="ru-RU" sz="2600" spc="-1" strike="noStrike">
-                <a:latin typeface="Times New Roman"/>
-              </a:rPr>
-              <a:t>2021-04 c шагом свечки в 1 час</a:t>
-            </a:r>
-            <a:endParaRPr b="0" lang="ru-RU" sz="2600" spc="-1" strike="noStrike">
-              <a:latin typeface="Times New Roman"/>
-            </a:endParaRPr>
-          </a:p>
-        </p:txBody>
-      </p:sp>
-      <p:sp>
-        <p:nvSpPr>
-          <p:cNvPr id="47" name="TextShape 3"/>
-          <p:cNvSpPr txBox="1"/>
+              <a:t>Датасет взят из Tinkoff Invest Api за период 2018-04 по 2021-04 c шагом свечки в 1 час</a:t>
+            </a:r>
+            <a:endParaRPr b="0" lang="ru-RU" sz="2200" spc="-1" strike="noStrike">
+              <a:latin typeface="Arial"/>
+            </a:endParaRPr>
+          </a:p>
+        </p:txBody>
+      </p:sp>
+      <p:sp>
+        <p:nvSpPr>
+          <p:cNvPr id="121" name="CustomShape 3"/>
+          <p:cNvSpPr/>
           <p:nvPr/>
         </p:nvSpPr>
         <p:spPr>
           <a:xfrm>
-            <a:off x="5152680" y="1326600"/>
-            <a:ext cx="4426920" cy="3288240"/>
+            <a:off x="5149440" y="1584000"/>
+            <a:ext cx="4426560" cy="3287880"/>
           </a:xfrm>
           <a:prstGeom prst="rect">
             <a:avLst/>
@@ -2296,12 +8083,21 @@
             <a:noFill/>
           </a:ln>
         </p:spPr>
+        <p:style>
+          <a:lnRef idx="0"/>
+          <a:fillRef idx="0"/>
+          <a:effectRef idx="0"/>
+          <a:fontRef idx="minor"/>
+        </p:style>
         <p:txBody>
           <a:bodyPr lIns="0" rIns="0" tIns="0" bIns="0">
             <a:normAutofit/>
           </a:bodyPr>
           <a:p>
-            <a:pPr marL="432000" indent="-324000">
+            <a:pPr marL="432000" indent="-323640">
+              <a:lnSpc>
+                <a:spcPct val="100000"/>
+              </a:lnSpc>
               <a:spcBef>
                 <a:spcPts val="1417"/>
               </a:spcBef>
@@ -2313,17 +8109,20 @@
               <a:buChar char=""/>
             </a:pPr>
             <a:r>
-              <a:rPr b="0" lang="ru-RU" sz="2600" spc="-1" strike="noStrike">
+              <a:rPr b="0" lang="ru-RU" sz="2200" spc="-1" strike="noStrike">
                 <a:latin typeface="Times New Roman"/>
               </a:rPr>
-              <a:t>На вход модели подаются вся информация свечки, со специфическим учетом даты</a:t>
-            </a:r>
-            <a:endParaRPr b="0" lang="ru-RU" sz="2600" spc="-1" strike="noStrike">
-              <a:latin typeface="Times New Roman"/>
-            </a:endParaRPr>
-          </a:p>
-          <a:p>
-            <a:pPr marL="432000" indent="-324000">
+              <a:t>На вход модели подаётся вся информация свечки, со специфическим учетом даты</a:t>
+            </a:r>
+            <a:endParaRPr b="0" lang="ru-RU" sz="2200" spc="-1" strike="noStrike">
+              <a:latin typeface="Arial"/>
+            </a:endParaRPr>
+          </a:p>
+          <a:p>
+            <a:pPr marL="432000" indent="-323640">
+              <a:lnSpc>
+                <a:spcPct val="100000"/>
+              </a:lnSpc>
               <a:spcBef>
                 <a:spcPts val="1417"/>
               </a:spcBef>
@@ -2335,13 +8134,38 @@
               <a:buChar char=""/>
             </a:pPr>
             <a:r>
-              <a:rPr b="0" lang="ru-RU" sz="2600" spc="-1" strike="noStrike">
+              <a:rPr b="0" lang="ru-RU" sz="2200" spc="-1" strike="noStrike">
                 <a:latin typeface="Times New Roman"/>
               </a:rPr>
               <a:t>Требуем от модели прогноз курса закрытия свечек</a:t>
             </a:r>
-            <a:endParaRPr b="0" lang="ru-RU" sz="2600" spc="-1" strike="noStrike">
-              <a:latin typeface="Times New Roman"/>
+            <a:endParaRPr b="0" lang="ru-RU" sz="2200" spc="-1" strike="noStrike">
+              <a:latin typeface="Arial"/>
+            </a:endParaRPr>
+          </a:p>
+          <a:p>
+            <a:pPr marL="432000" indent="-323640">
+              <a:lnSpc>
+                <a:spcPct val="100000"/>
+              </a:lnSpc>
+              <a:spcBef>
+                <a:spcPts val="1417"/>
+              </a:spcBef>
+              <a:buClr>
+                <a:srgbClr val="000000"/>
+              </a:buClr>
+              <a:buSzPct val="45000"/>
+              <a:buFont typeface="Wingdings" charset="2"/>
+              <a:buChar char=""/>
+            </a:pPr>
+            <a:r>
+              <a:rPr b="0" lang="ru-RU" sz="2200" spc="-1" strike="noStrike">
+                <a:latin typeface="Times New Roman"/>
+              </a:rPr>
+              <a:t>Обучение проводим на 50-ти эпохах</a:t>
+            </a:r>
+            <a:endParaRPr b="0" lang="ru-RU" sz="2200" spc="-1" strike="noStrike">
+              <a:latin typeface="Arial"/>
             </a:endParaRPr>
           </a:p>
         </p:txBody>
@@ -2378,14 +8202,14 @@
       </p:grpSpPr>
       <p:sp>
         <p:nvSpPr>
-          <p:cNvPr id="48" name="TextShape 1"/>
-          <p:cNvSpPr txBox="1"/>
+          <p:cNvPr id="122" name="CustomShape 1"/>
+          <p:cNvSpPr/>
           <p:nvPr/>
         </p:nvSpPr>
         <p:spPr>
           <a:xfrm>
             <a:off x="504000" y="226080"/>
-            <a:ext cx="9071640" cy="946440"/>
+            <a:ext cx="9071280" cy="946080"/>
           </a:xfrm>
           <a:prstGeom prst="rect">
             <a:avLst/>
@@ -2395,34 +8219,44 @@
             <a:noFill/>
           </a:ln>
         </p:spPr>
+        <p:style>
+          <a:lnRef idx="0"/>
+          <a:fillRef idx="0"/>
+          <a:effectRef idx="0"/>
+          <a:fontRef idx="minor"/>
+        </p:style>
         <p:txBody>
           <a:bodyPr lIns="0" rIns="0" tIns="0" bIns="0" anchor="ctr">
             <a:noAutofit/>
           </a:bodyPr>
           <a:p>
-            <a:pPr algn="ctr"/>
+            <a:pPr algn="ctr">
+              <a:lnSpc>
+                <a:spcPct val="100000"/>
+              </a:lnSpc>
+            </a:pPr>
             <a:r>
               <a:rPr b="1" lang="ru-RU" sz="4400" spc="-1" strike="noStrike">
                 <a:latin typeface="Times New Roman"/>
               </a:rPr>
               <a:t>Идея исследования</a:t>
             </a:r>
-            <a:endParaRPr b="1" lang="ru-RU" sz="4400" spc="-1" strike="noStrike">
-              <a:latin typeface="Times New Roman"/>
-            </a:endParaRPr>
-          </a:p>
-        </p:txBody>
-      </p:sp>
-      <p:sp>
-        <p:nvSpPr>
-          <p:cNvPr id="49" name="TextShape 2"/>
-          <p:cNvSpPr txBox="1"/>
+            <a:endParaRPr b="0" lang="ru-RU" sz="4400" spc="-1" strike="noStrike">
+              <a:latin typeface="Arial"/>
+            </a:endParaRPr>
+          </a:p>
+        </p:txBody>
+      </p:sp>
+      <p:sp>
+        <p:nvSpPr>
+          <p:cNvPr id="123" name="CustomShape 2"/>
+          <p:cNvSpPr/>
           <p:nvPr/>
         </p:nvSpPr>
         <p:spPr>
           <a:xfrm>
             <a:off x="504000" y="1326600"/>
-            <a:ext cx="4426920" cy="3288240"/>
+            <a:ext cx="4426560" cy="3287880"/>
           </a:xfrm>
           <a:prstGeom prst="rect">
             <a:avLst/>
@@ -2432,27 +8266,78 @@
             <a:noFill/>
           </a:ln>
         </p:spPr>
+        <p:style>
+          <a:lnRef idx="0"/>
+          <a:fillRef idx="0"/>
+          <a:effectRef idx="0"/>
+          <a:fontRef idx="minor"/>
+        </p:style>
         <p:txBody>
           <a:bodyPr lIns="0" rIns="0" tIns="0" bIns="0">
             <a:normAutofit/>
           </a:bodyPr>
           <a:p>
-            <a:endParaRPr b="0" lang="ru-RU" sz="3200" spc="-1" strike="noStrike">
-              <a:latin typeface="Arial"/>
-            </a:endParaRPr>
-          </a:p>
-        </p:txBody>
-      </p:sp>
-      <p:sp>
-        <p:nvSpPr>
-          <p:cNvPr id="50" name="TextShape 3"/>
-          <p:cNvSpPr txBox="1"/>
+            <a:pPr marL="432000" indent="-323640">
+              <a:lnSpc>
+                <a:spcPct val="100000"/>
+              </a:lnSpc>
+              <a:spcBef>
+                <a:spcPts val="1417"/>
+              </a:spcBef>
+              <a:buClr>
+                <a:srgbClr val="000000"/>
+              </a:buClr>
+              <a:buSzPct val="45000"/>
+              <a:buFont typeface="Wingdings" charset="2"/>
+              <a:buChar char=""/>
+            </a:pPr>
+            <a:r>
+              <a:rPr b="0" lang="ru-RU" sz="2200" spc="-1" strike="noStrike">
+                <a:latin typeface="Times New Roman"/>
+              </a:rPr>
+              <a:t>Обученную модель заставим предсказывать предстоящий курс за 200 часов</a:t>
+            </a:r>
+            <a:endParaRPr b="0" lang="ru-RU" sz="2200" spc="-1" strike="noStrike">
+              <a:latin typeface="Arial"/>
+            </a:endParaRPr>
+          </a:p>
+          <a:p>
+            <a:pPr marL="432000" indent="-323640">
+              <a:lnSpc>
+                <a:spcPct val="100000"/>
+              </a:lnSpc>
+              <a:spcBef>
+                <a:spcPts val="1417"/>
+              </a:spcBef>
+              <a:buClr>
+                <a:srgbClr val="000000"/>
+              </a:buClr>
+              <a:buSzPct val="45000"/>
+              <a:buFont typeface="Wingdings" charset="2"/>
+              <a:buChar char=""/>
+            </a:pPr>
+            <a:r>
+              <a:rPr b="0" lang="ru-RU" sz="2200" spc="-1" strike="noStrike">
+                <a:latin typeface="Times New Roman"/>
+              </a:rPr>
+              <a:t>В дате свечки учитывается день недели и время закрытия, обёртывая в синус</a:t>
+            </a:r>
+            <a:endParaRPr b="0" lang="ru-RU" sz="2200" spc="-1" strike="noStrike">
+              <a:latin typeface="Arial"/>
+            </a:endParaRPr>
+          </a:p>
+        </p:txBody>
+      </p:sp>
+      <p:sp>
+        <p:nvSpPr>
+          <p:cNvPr id="124" name="CustomShape 3"/>
+          <p:cNvSpPr/>
           <p:nvPr/>
         </p:nvSpPr>
         <p:spPr>
           <a:xfrm>
             <a:off x="5152680" y="1326600"/>
-            <a:ext cx="4426920" cy="3288240"/>
+            <a:ext cx="4426560" cy="3287880"/>
           </a:xfrm>
           <a:prstGeom prst="rect">
             <a:avLst/>
@@ -2462,17 +8347,797 @@
             <a:noFill/>
           </a:ln>
         </p:spPr>
+        <p:style>
+          <a:lnRef idx="0"/>
+          <a:fillRef idx="0"/>
+          <a:effectRef idx="0"/>
+          <a:fontRef idx="minor"/>
+        </p:style>
         <p:txBody>
           <a:bodyPr lIns="0" rIns="0" tIns="0" bIns="0">
             <a:normAutofit/>
           </a:bodyPr>
           <a:p>
-            <a:endParaRPr b="0" lang="ru-RU" sz="3200" spc="-1" strike="noStrike">
-              <a:latin typeface="Arial"/>
-            </a:endParaRPr>
-          </a:p>
-        </p:txBody>
-      </p:sp>
+            <a:pPr marL="432000" indent="-323640">
+              <a:lnSpc>
+                <a:spcPct val="100000"/>
+              </a:lnSpc>
+              <a:spcBef>
+                <a:spcPts val="1417"/>
+              </a:spcBef>
+              <a:buClr>
+                <a:srgbClr val="000000"/>
+              </a:buClr>
+              <a:buSzPct val="45000"/>
+              <a:buFont typeface="Wingdings" charset="2"/>
+              <a:buChar char=""/>
+            </a:pPr>
+            <a:r>
+              <a:rPr b="0" lang="ru-RU" sz="1800" spc="-1" strike="noStrike">
+                <a:latin typeface="Times New Roman"/>
+              </a:rPr>
+              <a:t>Полученное предсказание будем оценивать так:</a:t>
+            </a:r>
+            <a:endParaRPr b="0" lang="ru-RU" sz="1800" spc="-1" strike="noStrike">
+              <a:latin typeface="Arial"/>
+            </a:endParaRPr>
+          </a:p>
+          <a:p>
+            <a:pPr lvl="1" marL="432000" indent="-216000">
+              <a:lnSpc>
+                <a:spcPct val="100000"/>
+              </a:lnSpc>
+              <a:spcBef>
+                <a:spcPts val="1417"/>
+              </a:spcBef>
+              <a:buClr>
+                <a:srgbClr val="000000"/>
+              </a:buClr>
+              <a:buFont typeface="OpenSymbol" charset="2"/>
+              <a:buAutoNum type="arabicPeriod"/>
+            </a:pPr>
+            <a:r>
+              <a:rPr b="0" lang="ru-RU" sz="1800" spc="-1" strike="noStrike">
+                <a:latin typeface="Times New Roman"/>
+              </a:rPr>
+              <a:t> </a:t>
+            </a:r>
+            <a:r>
+              <a:rPr b="0" lang="ru-RU" sz="1800" spc="-1" strike="noStrike">
+                <a:latin typeface="Times New Roman"/>
+              </a:rPr>
+              <a:t>Разделим истинный и предсказанный курсы на участки по 7 часов и отметим те, на которых колебания курса больше 0.5%</a:t>
+            </a:r>
+            <a:endParaRPr b="0" lang="ru-RU" sz="1800" spc="-1" strike="noStrike">
+              <a:latin typeface="Arial"/>
+            </a:endParaRPr>
+          </a:p>
+          <a:p>
+            <a:pPr lvl="1" marL="432000" indent="-216000">
+              <a:lnSpc>
+                <a:spcPct val="100000"/>
+              </a:lnSpc>
+              <a:spcBef>
+                <a:spcPts val="1417"/>
+              </a:spcBef>
+              <a:buClr>
+                <a:srgbClr val="000000"/>
+              </a:buClr>
+              <a:buFont typeface="OpenSymbol" charset="2"/>
+              <a:buAutoNum type="arabicPeriod"/>
+            </a:pPr>
+            <a:r>
+              <a:rPr b="0" lang="ru-RU" sz="1800" spc="-1" strike="noStrike">
+                <a:latin typeface="Times New Roman"/>
+              </a:rPr>
+              <a:t>Посмотрим на совпадение и несовпадение таких отметок на истинной и предсказанном курсах</a:t>
+            </a:r>
+            <a:endParaRPr b="0" lang="ru-RU" sz="1800" spc="-1" strike="noStrike">
+              <a:latin typeface="Arial"/>
+            </a:endParaRPr>
+          </a:p>
+        </p:txBody>
+      </p:sp>
+    </p:spTree>
+  </p:cSld>
+  <mc:AlternateContent>
+    <mc:Choice Requires="p14">
+      <p:transition spd="slow" p14:dur="2000"/>
+    </mc:Choice>
+    <mc:Fallback>
+      <p:transition spd="slow"/>
+    </mc:Fallback>
+  </mc:AlternateContent>
+</p:sld>
+</file>
+
+<file path=ppt/slides/slide5.xml><?xml version="1.0" encoding="utf-8"?>
+<p:sld xmlns:a="http://schemas.openxmlformats.org/drawingml/2006/main" xmlns:p="http://schemas.openxmlformats.org/presentationml/2006/main" xmlns:r="http://schemas.openxmlformats.org/officeDocument/2006/relationships" xmlns:p14="http://schemas.microsoft.com/office/powerpoint/2010/main" xmlns:p15="http://schemas.microsoft.com/office/powerpoint/2012/main" xmlns:mc="http://schemas.openxmlformats.org/markup-compatibility/2006">
+  <p:cSld>
+    <p:spTree>
+      <p:nvGrpSpPr>
+        <p:cNvPr id="1" name=""/>
+        <p:cNvGrpSpPr/>
+        <p:nvPr/>
+      </p:nvGrpSpPr>
+      <p:grpSpPr>
+        <a:xfrm>
+          <a:off x="0" y="0"/>
+          <a:ext cx="0" cy="0"/>
+          <a:chOff x="0" y="0"/>
+          <a:chExt cx="0" cy="0"/>
+        </a:xfrm>
+      </p:grpSpPr>
+      <p:pic>
+        <p:nvPicPr>
+          <p:cNvPr id="125" name="" descr=""/>
+          <p:cNvPicPr/>
+          <p:nvPr/>
+        </p:nvPicPr>
+        <p:blipFill>
+          <a:blip r:embed="rId1"/>
+          <a:stretch/>
+        </p:blipFill>
+        <p:spPr>
+          <a:xfrm>
+            <a:off x="1314360" y="643680"/>
+            <a:ext cx="7452000" cy="4968000"/>
+          </a:xfrm>
+          <a:prstGeom prst="rect">
+            <a:avLst/>
+          </a:prstGeom>
+          <a:ln>
+            <a:noFill/>
+          </a:ln>
+        </p:spPr>
+      </p:pic>
+      <p:sp>
+        <p:nvSpPr>
+          <p:cNvPr id="126" name="TextShape 1"/>
+          <p:cNvSpPr txBox="1"/>
+          <p:nvPr/>
+        </p:nvSpPr>
+        <p:spPr>
+          <a:xfrm>
+            <a:off x="504000" y="74160"/>
+            <a:ext cx="9071280" cy="1249920"/>
+          </a:xfrm>
+          <a:prstGeom prst="rect">
+            <a:avLst/>
+          </a:prstGeom>
+          <a:noFill/>
+          <a:ln>
+            <a:noFill/>
+          </a:ln>
+        </p:spPr>
+        <p:txBody>
+          <a:bodyPr lIns="0" rIns="0" tIns="0" bIns="0" anchor="ctr">
+            <a:noAutofit/>
+          </a:bodyPr>
+          <a:p>
+            <a:pPr algn="ctr"/>
+            <a:r>
+              <a:rPr b="1" lang="ru-RU" sz="3200" spc="-1" strike="noStrike">
+                <a:latin typeface="Times New Roman"/>
+              </a:rPr>
+              <a:t>Исходный датасет</a:t>
+            </a:r>
+            <a:endParaRPr b="1" lang="ru-RU" sz="3200" spc="-1" strike="noStrike">
+              <a:latin typeface="Times New Roman"/>
+            </a:endParaRPr>
+          </a:p>
+        </p:txBody>
+      </p:sp>
+    </p:spTree>
+  </p:cSld>
+  <mc:AlternateContent>
+    <mc:Choice Requires="p14">
+      <p:transition spd="slow" p14:dur="2000"/>
+    </mc:Choice>
+    <mc:Fallback>
+      <p:transition spd="slow"/>
+    </mc:Fallback>
+  </mc:AlternateContent>
+</p:sld>
+</file>
+
+<file path=ppt/slides/slide6.xml><?xml version="1.0" encoding="utf-8"?>
+<p:sld xmlns:a="http://schemas.openxmlformats.org/drawingml/2006/main" xmlns:p="http://schemas.openxmlformats.org/presentationml/2006/main" xmlns:r="http://schemas.openxmlformats.org/officeDocument/2006/relationships" xmlns:p14="http://schemas.microsoft.com/office/powerpoint/2010/main" xmlns:p15="http://schemas.microsoft.com/office/powerpoint/2012/main" xmlns:mc="http://schemas.openxmlformats.org/markup-compatibility/2006">
+  <p:cSld>
+    <p:spTree>
+      <p:nvGrpSpPr>
+        <p:cNvPr id="1" name=""/>
+        <p:cNvGrpSpPr/>
+        <p:nvPr/>
+      </p:nvGrpSpPr>
+      <p:grpSpPr>
+        <a:xfrm>
+          <a:off x="0" y="0"/>
+          <a:ext cx="0" cy="0"/>
+          <a:chOff x="0" y="0"/>
+          <a:chExt cx="0" cy="0"/>
+        </a:xfrm>
+      </p:grpSpPr>
+      <p:sp>
+        <p:nvSpPr>
+          <p:cNvPr id="127" name="CustomShape 1"/>
+          <p:cNvSpPr/>
+          <p:nvPr/>
+        </p:nvSpPr>
+        <p:spPr>
+          <a:xfrm>
+            <a:off x="504000" y="226080"/>
+            <a:ext cx="9071280" cy="946080"/>
+          </a:xfrm>
+          <a:prstGeom prst="rect">
+            <a:avLst/>
+          </a:prstGeom>
+          <a:noFill/>
+          <a:ln>
+            <a:noFill/>
+          </a:ln>
+        </p:spPr>
+        <p:style>
+          <a:lnRef idx="0"/>
+          <a:fillRef idx="0"/>
+          <a:effectRef idx="0"/>
+          <a:fontRef idx="minor"/>
+        </p:style>
+        <p:txBody>
+          <a:bodyPr lIns="0" rIns="0" tIns="0" bIns="0" anchor="ctr">
+            <a:noAutofit/>
+          </a:bodyPr>
+          <a:p>
+            <a:pPr algn="ctr">
+              <a:lnSpc>
+                <a:spcPct val="100000"/>
+              </a:lnSpc>
+            </a:pPr>
+            <a:r>
+              <a:rPr b="1" lang="ru-RU" sz="4400" spc="-1" strike="noStrike">
+                <a:latin typeface="Times New Roman"/>
+              </a:rPr>
+              <a:t>Результаты</a:t>
+            </a:r>
+            <a:endParaRPr b="0" lang="ru-RU" sz="4400" spc="-1" strike="noStrike">
+              <a:latin typeface="Arial"/>
+            </a:endParaRPr>
+          </a:p>
+        </p:txBody>
+      </p:sp>
+      <p:sp>
+        <p:nvSpPr>
+          <p:cNvPr id="128" name="CustomShape 2"/>
+          <p:cNvSpPr/>
+          <p:nvPr/>
+        </p:nvSpPr>
+        <p:spPr>
+          <a:xfrm>
+            <a:off x="504000" y="1326600"/>
+            <a:ext cx="8928000" cy="3287880"/>
+          </a:xfrm>
+          <a:prstGeom prst="rect">
+            <a:avLst/>
+          </a:prstGeom>
+          <a:noFill/>
+          <a:ln>
+            <a:noFill/>
+          </a:ln>
+        </p:spPr>
+        <p:style>
+          <a:lnRef idx="0"/>
+          <a:fillRef idx="0"/>
+          <a:effectRef idx="0"/>
+          <a:fontRef idx="minor"/>
+        </p:style>
+        <p:txBody>
+          <a:bodyPr lIns="0" rIns="0" tIns="0" bIns="0">
+            <a:normAutofit/>
+          </a:bodyPr>
+          <a:p>
+            <a:pPr marL="432000" indent="-323640">
+              <a:lnSpc>
+                <a:spcPct val="100000"/>
+              </a:lnSpc>
+              <a:spcBef>
+                <a:spcPts val="1417"/>
+              </a:spcBef>
+              <a:buClr>
+                <a:srgbClr val="000000"/>
+              </a:buClr>
+              <a:buSzPct val="45000"/>
+              <a:buFont typeface="Wingdings" charset="2"/>
+              <a:buChar char=""/>
+            </a:pPr>
+            <a:r>
+              <a:rPr b="0" lang="ru-RU" sz="2200" spc="-1" strike="noStrike">
+                <a:latin typeface="Times New Roman"/>
+              </a:rPr>
+              <a:t>Проведем исследование предсказаний при варьировании параметров длины обучающей последовательности, а также от наличия учета времени в наборе данных.</a:t>
+            </a:r>
+            <a:endParaRPr b="0" lang="ru-RU" sz="2200" spc="-1" strike="noStrike">
+              <a:latin typeface="Arial"/>
+            </a:endParaRPr>
+          </a:p>
+        </p:txBody>
+      </p:sp>
+      <p:sp>
+        <p:nvSpPr>
+          <p:cNvPr id="129" name="CustomShape 3"/>
+          <p:cNvSpPr/>
+          <p:nvPr/>
+        </p:nvSpPr>
+        <p:spPr>
+          <a:xfrm>
+            <a:off x="5152680" y="1326600"/>
+            <a:ext cx="4426560" cy="3287880"/>
+          </a:xfrm>
+          <a:prstGeom prst="rect">
+            <a:avLst/>
+          </a:prstGeom>
+          <a:noFill/>
+          <a:ln>
+            <a:noFill/>
+          </a:ln>
+        </p:spPr>
+        <p:style>
+          <a:lnRef idx="0"/>
+          <a:fillRef idx="0"/>
+          <a:effectRef idx="0"/>
+          <a:fontRef idx="minor"/>
+        </p:style>
+      </p:sp>
+    </p:spTree>
+  </p:cSld>
+  <mc:AlternateContent>
+    <mc:Choice Requires="p14">
+      <p:transition spd="slow" p14:dur="2000"/>
+    </mc:Choice>
+    <mc:Fallback>
+      <p:transition spd="slow"/>
+    </mc:Fallback>
+  </mc:AlternateContent>
+</p:sld>
+</file>
+
+<file path=ppt/slides/slide7.xml><?xml version="1.0" encoding="utf-8"?>
+<p:sld xmlns:a="http://schemas.openxmlformats.org/drawingml/2006/main" xmlns:p="http://schemas.openxmlformats.org/presentationml/2006/main" xmlns:r="http://schemas.openxmlformats.org/officeDocument/2006/relationships" xmlns:p14="http://schemas.microsoft.com/office/powerpoint/2010/main" xmlns:p15="http://schemas.microsoft.com/office/powerpoint/2012/main" xmlns:mc="http://schemas.openxmlformats.org/markup-compatibility/2006">
+  <p:cSld>
+    <p:spTree>
+      <p:nvGrpSpPr>
+        <p:cNvPr id="1" name=""/>
+        <p:cNvGrpSpPr/>
+        <p:nvPr/>
+      </p:nvGrpSpPr>
+      <p:grpSpPr>
+        <a:xfrm>
+          <a:off x="0" y="0"/>
+          <a:ext cx="0" cy="0"/>
+          <a:chOff x="0" y="0"/>
+          <a:chExt cx="0" cy="0"/>
+        </a:xfrm>
+      </p:grpSpPr>
+      <p:sp>
+        <p:nvSpPr>
+          <p:cNvPr id="130" name="CustomShape 1"/>
+          <p:cNvSpPr/>
+          <p:nvPr/>
+        </p:nvSpPr>
+        <p:spPr>
+          <a:xfrm>
+            <a:off x="504000" y="226080"/>
+            <a:ext cx="9071280" cy="946080"/>
+          </a:xfrm>
+          <a:prstGeom prst="rect">
+            <a:avLst/>
+          </a:prstGeom>
+          <a:noFill/>
+          <a:ln>
+            <a:noFill/>
+          </a:ln>
+        </p:spPr>
+        <p:style>
+          <a:lnRef idx="0"/>
+          <a:fillRef idx="0"/>
+          <a:effectRef idx="0"/>
+          <a:fontRef idx="minor"/>
+        </p:style>
+      </p:sp>
+      <p:sp>
+        <p:nvSpPr>
+          <p:cNvPr id="131" name="CustomShape 2"/>
+          <p:cNvSpPr/>
+          <p:nvPr/>
+        </p:nvSpPr>
+        <p:spPr>
+          <a:xfrm>
+            <a:off x="37440" y="2304000"/>
+            <a:ext cx="4426560" cy="3287880"/>
+          </a:xfrm>
+          <a:prstGeom prst="rect">
+            <a:avLst/>
+          </a:prstGeom>
+          <a:noFill/>
+          <a:ln>
+            <a:noFill/>
+          </a:ln>
+        </p:spPr>
+        <p:style>
+          <a:lnRef idx="0"/>
+          <a:fillRef idx="0"/>
+          <a:effectRef idx="0"/>
+          <a:fontRef idx="minor"/>
+        </p:style>
+        <p:txBody>
+          <a:bodyPr lIns="0" rIns="0" tIns="0" bIns="0">
+            <a:normAutofit/>
+          </a:bodyPr>
+          <a:p>
+            <a:pPr marL="432000" indent="-323640">
+              <a:lnSpc>
+                <a:spcPct val="100000"/>
+              </a:lnSpc>
+              <a:spcBef>
+                <a:spcPts val="850"/>
+              </a:spcBef>
+              <a:buClr>
+                <a:srgbClr val="000000"/>
+              </a:buClr>
+              <a:buSzPct val="45000"/>
+              <a:buFont typeface="Wingdings" charset="2"/>
+              <a:buChar char=""/>
+            </a:pPr>
+            <a:r>
+              <a:rPr b="0" i="1" lang="ru-RU" sz="2200" spc="-1" strike="noStrike">
+                <a:latin typeface="Times New Roman"/>
+              </a:rPr>
+              <a:t>SEQ_LEN = 200</a:t>
+            </a:r>
+            <a:endParaRPr b="0" i="1" lang="ru-RU" sz="2200" spc="-1" strike="noStrike">
+              <a:latin typeface="Arial"/>
+              <a:ea typeface="Noto Sans CJK SC"/>
+            </a:endParaRPr>
+          </a:p>
+          <a:p>
+            <a:pPr marL="432000" indent="-323640">
+              <a:lnSpc>
+                <a:spcPct val="100000"/>
+              </a:lnSpc>
+              <a:spcBef>
+                <a:spcPts val="850"/>
+              </a:spcBef>
+              <a:buClr>
+                <a:srgbClr val="000000"/>
+              </a:buClr>
+              <a:buSzPct val="45000"/>
+              <a:buFont typeface="Wingdings" charset="2"/>
+              <a:buChar char=""/>
+            </a:pPr>
+            <a:r>
+              <a:rPr b="0" i="1" lang="ru-RU" sz="2200" spc="-1" strike="noStrike">
+                <a:latin typeface="Times New Roman"/>
+              </a:rPr>
+              <a:t>Дата учитывается</a:t>
+            </a:r>
+            <a:endParaRPr b="0" i="1" lang="ru-RU" sz="2200" spc="-1" strike="noStrike">
+              <a:latin typeface="Arial"/>
+              <a:ea typeface="Noto Sans CJK SC"/>
+            </a:endParaRPr>
+          </a:p>
+        </p:txBody>
+      </p:sp>
+      <p:pic>
+        <p:nvPicPr>
+          <p:cNvPr id="132" name="" descr=""/>
+          <p:cNvPicPr/>
+          <p:nvPr/>
+        </p:nvPicPr>
+        <p:blipFill>
+          <a:blip r:embed="rId1"/>
+          <a:stretch/>
+        </p:blipFill>
+        <p:spPr>
+          <a:xfrm>
+            <a:off x="2893680" y="288000"/>
+            <a:ext cx="7042320" cy="4968000"/>
+          </a:xfrm>
+          <a:prstGeom prst="rect">
+            <a:avLst/>
+          </a:prstGeom>
+          <a:ln>
+            <a:noFill/>
+          </a:ln>
+        </p:spPr>
+      </p:pic>
+    </p:spTree>
+  </p:cSld>
+  <mc:AlternateContent>
+    <mc:Choice Requires="p14">
+      <p:transition spd="slow" p14:dur="2000"/>
+    </mc:Choice>
+    <mc:Fallback>
+      <p:transition spd="slow"/>
+    </mc:Fallback>
+  </mc:AlternateContent>
+</p:sld>
+</file>
+
+<file path=ppt/slides/slide8.xml><?xml version="1.0" encoding="utf-8"?>
+<p:sld xmlns:a="http://schemas.openxmlformats.org/drawingml/2006/main" xmlns:p="http://schemas.openxmlformats.org/presentationml/2006/main" xmlns:r="http://schemas.openxmlformats.org/officeDocument/2006/relationships" xmlns:p14="http://schemas.microsoft.com/office/powerpoint/2010/main" xmlns:p15="http://schemas.microsoft.com/office/powerpoint/2012/main" xmlns:mc="http://schemas.openxmlformats.org/markup-compatibility/2006">
+  <p:cSld>
+    <p:spTree>
+      <p:nvGrpSpPr>
+        <p:cNvPr id="1" name=""/>
+        <p:cNvGrpSpPr/>
+        <p:nvPr/>
+      </p:nvGrpSpPr>
+      <p:grpSpPr>
+        <a:xfrm>
+          <a:off x="0" y="0"/>
+          <a:ext cx="0" cy="0"/>
+          <a:chOff x="0" y="0"/>
+          <a:chExt cx="0" cy="0"/>
+        </a:xfrm>
+      </p:grpSpPr>
+      <p:sp>
+        <p:nvSpPr>
+          <p:cNvPr id="133" name="TextShape 1"/>
+          <p:cNvSpPr txBox="1"/>
+          <p:nvPr/>
+        </p:nvSpPr>
+        <p:spPr>
+          <a:xfrm>
+            <a:off x="432000" y="2160000"/>
+            <a:ext cx="2736000" cy="708840"/>
+          </a:xfrm>
+          <a:prstGeom prst="rect">
+            <a:avLst/>
+          </a:prstGeom>
+          <a:noFill/>
+          <a:ln>
+            <a:noFill/>
+          </a:ln>
+        </p:spPr>
+        <p:txBody>
+          <a:bodyPr lIns="90000" rIns="90000" tIns="45000" bIns="45000">
+            <a:noAutofit/>
+          </a:bodyPr>
+          <a:p>
+            <a:r>
+              <a:rPr b="1" lang="ru-RU" sz="2200" spc="-1" strike="noStrike">
+                <a:latin typeface="Times New Roman"/>
+              </a:rPr>
+              <a:t>Предсказание на всём промежутке</a:t>
+            </a:r>
+            <a:endParaRPr b="1" lang="ru-RU" sz="2200" spc="-1" strike="noStrike">
+              <a:latin typeface="Times New Roman"/>
+            </a:endParaRPr>
+          </a:p>
+        </p:txBody>
+      </p:sp>
+      <p:pic>
+        <p:nvPicPr>
+          <p:cNvPr id="134" name="" descr=""/>
+          <p:cNvPicPr/>
+          <p:nvPr/>
+        </p:nvPicPr>
+        <p:blipFill>
+          <a:blip r:embed="rId1"/>
+          <a:stretch/>
+        </p:blipFill>
+        <p:spPr>
+          <a:xfrm>
+            <a:off x="4176000" y="0"/>
+            <a:ext cx="5472000" cy="5472000"/>
+          </a:xfrm>
+          <a:prstGeom prst="rect">
+            <a:avLst/>
+          </a:prstGeom>
+          <a:ln>
+            <a:noFill/>
+          </a:ln>
+        </p:spPr>
+      </p:pic>
+    </p:spTree>
+  </p:cSld>
+  <mc:AlternateContent>
+    <mc:Choice Requires="p14">
+      <p:transition spd="slow" p14:dur="2000"/>
+    </mc:Choice>
+    <mc:Fallback>
+      <p:transition spd="slow"/>
+    </mc:Fallback>
+  </mc:AlternateContent>
+</p:sld>
+</file>
+
+<file path=ppt/slides/slide9.xml><?xml version="1.0" encoding="utf-8"?>
+<p:sld xmlns:a="http://schemas.openxmlformats.org/drawingml/2006/main" xmlns:p="http://schemas.openxmlformats.org/presentationml/2006/main" xmlns:r="http://schemas.openxmlformats.org/officeDocument/2006/relationships" xmlns:p14="http://schemas.microsoft.com/office/powerpoint/2010/main" xmlns:p15="http://schemas.microsoft.com/office/powerpoint/2012/main" xmlns:mc="http://schemas.openxmlformats.org/markup-compatibility/2006">
+  <p:cSld>
+    <p:spTree>
+      <p:nvGrpSpPr>
+        <p:cNvPr id="1" name=""/>
+        <p:cNvGrpSpPr/>
+        <p:nvPr/>
+      </p:nvGrpSpPr>
+      <p:grpSpPr>
+        <a:xfrm>
+          <a:off x="0" y="0"/>
+          <a:ext cx="0" cy="0"/>
+          <a:chOff x="0" y="0"/>
+          <a:chExt cx="0" cy="0"/>
+        </a:xfrm>
+      </p:grpSpPr>
+      <p:sp>
+        <p:nvSpPr>
+          <p:cNvPr id="135" name="CustomShape 1"/>
+          <p:cNvSpPr/>
+          <p:nvPr/>
+        </p:nvSpPr>
+        <p:spPr>
+          <a:xfrm>
+            <a:off x="504000" y="226080"/>
+            <a:ext cx="9071280" cy="946080"/>
+          </a:xfrm>
+          <a:prstGeom prst="rect">
+            <a:avLst/>
+          </a:prstGeom>
+          <a:noFill/>
+          <a:ln>
+            <a:noFill/>
+          </a:ln>
+        </p:spPr>
+        <p:style>
+          <a:lnRef idx="0"/>
+          <a:fillRef idx="0"/>
+          <a:effectRef idx="0"/>
+          <a:fontRef idx="minor"/>
+        </p:style>
+      </p:sp>
+      <p:sp>
+        <p:nvSpPr>
+          <p:cNvPr id="136" name="CustomShape 2"/>
+          <p:cNvSpPr/>
+          <p:nvPr/>
+        </p:nvSpPr>
+        <p:spPr>
+          <a:xfrm>
+            <a:off x="37440" y="2304000"/>
+            <a:ext cx="4426560" cy="3287880"/>
+          </a:xfrm>
+          <a:prstGeom prst="rect">
+            <a:avLst/>
+          </a:prstGeom>
+          <a:noFill/>
+          <a:ln>
+            <a:noFill/>
+          </a:ln>
+        </p:spPr>
+        <p:style>
+          <a:lnRef idx="0"/>
+          <a:fillRef idx="0"/>
+          <a:effectRef idx="0"/>
+          <a:fontRef idx="minor"/>
+        </p:style>
+        <p:txBody>
+          <a:bodyPr lIns="0" rIns="0" tIns="0" bIns="0">
+            <a:normAutofit/>
+          </a:bodyPr>
+          <a:p>
+            <a:pPr marL="432000" indent="-323640">
+              <a:lnSpc>
+                <a:spcPct val="100000"/>
+              </a:lnSpc>
+              <a:spcBef>
+                <a:spcPts val="850"/>
+              </a:spcBef>
+              <a:buClr>
+                <a:srgbClr val="000000"/>
+              </a:buClr>
+              <a:buSzPct val="45000"/>
+              <a:buFont typeface="Wingdings" charset="2"/>
+              <a:buChar char=""/>
+            </a:pPr>
+            <a:r>
+              <a:rPr b="0" i="1" lang="ru-RU" sz="2200" spc="-1" strike="noStrike">
+                <a:latin typeface="Times New Roman"/>
+              </a:rPr>
+              <a:t>SEQ_LEN = 200</a:t>
+            </a:r>
+            <a:endParaRPr b="0" i="1" lang="ru-RU" sz="2200" spc="-1" strike="noStrike">
+              <a:latin typeface="Arial"/>
+              <a:ea typeface="Noto Sans CJK SC"/>
+            </a:endParaRPr>
+          </a:p>
+          <a:p>
+            <a:pPr marL="432000" indent="-323640">
+              <a:lnSpc>
+                <a:spcPct val="100000"/>
+              </a:lnSpc>
+              <a:spcBef>
+                <a:spcPts val="850"/>
+              </a:spcBef>
+              <a:buClr>
+                <a:srgbClr val="000000"/>
+              </a:buClr>
+              <a:buSzPct val="45000"/>
+              <a:buFont typeface="Wingdings" charset="2"/>
+              <a:buChar char=""/>
+            </a:pPr>
+            <a:r>
+              <a:rPr b="0" i="1" lang="ru-RU" sz="2200" spc="-1" strike="noStrike">
+                <a:latin typeface="Times New Roman"/>
+              </a:rPr>
+              <a:t>Дата </a:t>
+            </a:r>
+            <a:r>
+              <a:rPr b="1" i="1" lang="ru-RU" sz="2200" spc="-1" strike="noStrike">
+                <a:latin typeface="Times New Roman"/>
+              </a:rPr>
+              <a:t>НЕ</a:t>
+            </a:r>
+            <a:r>
+              <a:rPr b="0" i="1" lang="ru-RU" sz="2200" spc="-1" strike="noStrike">
+                <a:latin typeface="Times New Roman"/>
+              </a:rPr>
+              <a:t> </a:t>
+            </a:r>
+            <a:endParaRPr b="0" i="1" lang="ru-RU" sz="2200" spc="-1" strike="noStrike">
+              <a:latin typeface="Arial"/>
+              <a:ea typeface="Noto Sans CJK SC"/>
+            </a:endParaRPr>
+          </a:p>
+          <a:p>
+            <a:pPr marL="432000" indent="-323640">
+              <a:lnSpc>
+                <a:spcPct val="100000"/>
+              </a:lnSpc>
+              <a:spcBef>
+                <a:spcPts val="850"/>
+              </a:spcBef>
+              <a:buClr>
+                <a:srgbClr val="000000"/>
+              </a:buClr>
+              <a:buSzPct val="45000"/>
+              <a:buFont typeface="Wingdings" charset="2"/>
+              <a:buChar char=""/>
+            </a:pPr>
+            <a:r>
+              <a:rPr b="0" i="1" lang="ru-RU" sz="2200" spc="-1" strike="noStrike">
+                <a:latin typeface="Times New Roman"/>
+              </a:rPr>
+              <a:t>учитывается</a:t>
+            </a:r>
+            <a:endParaRPr b="0" i="1" lang="ru-RU" sz="2200" spc="-1" strike="noStrike">
+              <a:latin typeface="Arial"/>
+              <a:ea typeface="Noto Sans CJK SC"/>
+            </a:endParaRPr>
+          </a:p>
+        </p:txBody>
+      </p:sp>
+      <p:pic>
+        <p:nvPicPr>
+          <p:cNvPr id="137" name="" descr=""/>
+          <p:cNvPicPr/>
+          <p:nvPr/>
+        </p:nvPicPr>
+        <p:blipFill>
+          <a:blip r:embed="rId1"/>
+          <a:stretch/>
+        </p:blipFill>
+        <p:spPr>
+          <a:xfrm>
+            <a:off x="2376000" y="120960"/>
+            <a:ext cx="7541280" cy="5279040"/>
+          </a:xfrm>
+          <a:prstGeom prst="rect">
+            <a:avLst/>
+          </a:prstGeom>
+          <a:ln>
+            <a:noFill/>
+          </a:ln>
+        </p:spPr>
+      </p:pic>
     </p:spTree>
   </p:cSld>
   <mc:AlternateContent>
@@ -2710,4 +9375,456 @@
     </a:fmtScheme>
   </a:themeElements>
 </a:theme>
+</file>
+
+<file path=ppt/theme/theme2.xml><?xml version="1.0" encoding="utf-8"?>
+<a:theme xmlns:a="http://schemas.openxmlformats.org/drawingml/2006/main" name="Office Theme">
+  <a:themeElements>
+    <a:clrScheme name="Office">
+      <a:dk1>
+        <a:sysClr val="windowText" lastClr="000000"/>
+      </a:dk1>
+      <a:lt1>
+        <a:sysClr val="window" lastClr="FFFFFF"/>
+      </a:lt1>
+      <a:dk2>
+        <a:srgbClr val="1f497d"/>
+      </a:dk2>
+      <a:lt2>
+        <a:srgbClr val="eeece1"/>
+      </a:lt2>
+      <a:accent1>
+        <a:srgbClr val="4f81bd"/>
+      </a:accent1>
+      <a:accent2>
+        <a:srgbClr val="c0504d"/>
+      </a:accent2>
+      <a:accent3>
+        <a:srgbClr val="9bbb59"/>
+      </a:accent3>
+      <a:accent4>
+        <a:srgbClr val="8064a2"/>
+      </a:accent4>
+      <a:accent5>
+        <a:srgbClr val="4bacc6"/>
+      </a:accent5>
+      <a:accent6>
+        <a:srgbClr val="f79646"/>
+      </a:accent6>
+      <a:hlink>
+        <a:srgbClr val="0000ff"/>
+      </a:hlink>
+      <a:folHlink>
+        <a:srgbClr val="800080"/>
+      </a:folHlink>
+    </a:clrScheme>
+    <a:fontScheme name="Office">
+      <a:majorFont>
+        <a:latin typeface="Arial"/>
+        <a:ea typeface="DejaVu Sans"/>
+        <a:cs typeface="DejaVu Sans"/>
+      </a:majorFont>
+      <a:minorFont>
+        <a:latin typeface="Arial"/>
+        <a:ea typeface="DejaVu Sans"/>
+        <a:cs typeface="DejaVu Sans"/>
+      </a:minorFont>
+    </a:fontScheme>
+    <a:fmtScheme name="Office">
+      <a:fillStyleLst>
+        <a:solidFill>
+          <a:schemeClr val="phClr"/>
+        </a:solidFill>
+        <a:gradFill rotWithShape="1">
+          <a:gsLst>
+            <a:gs pos="0">
+              <a:schemeClr val="phClr">
+                <a:tint val="50000"/>
+                <a:satMod val="300000"/>
+              </a:schemeClr>
+            </a:gs>
+            <a:gs pos="35000">
+              <a:schemeClr val="phClr">
+                <a:tint val="37000"/>
+                <a:satMod val="300000"/>
+              </a:schemeClr>
+            </a:gs>
+            <a:gs pos="100000">
+              <a:schemeClr val="phClr">
+                <a:tint val="15000"/>
+                <a:satMod val="350000"/>
+              </a:schemeClr>
+            </a:gs>
+          </a:gsLst>
+          <a:lin ang="16200000" scaled="1"/>
+        </a:gradFill>
+        <a:gradFill rotWithShape="1">
+          <a:gsLst>
+            <a:gs pos="0">
+              <a:schemeClr val="phClr">
+                <a:shade val="51000"/>
+                <a:satMod val="130000"/>
+              </a:schemeClr>
+            </a:gs>
+            <a:gs pos="80000">
+              <a:schemeClr val="phClr">
+                <a:shade val="93000"/>
+                <a:satMod val="130000"/>
+              </a:schemeClr>
+            </a:gs>
+            <a:gs pos="100000">
+              <a:schemeClr val="phClr">
+                <a:shade val="94000"/>
+                <a:satMod val="135000"/>
+              </a:schemeClr>
+            </a:gs>
+          </a:gsLst>
+          <a:lin ang="16200000" scaled="0"/>
+        </a:gradFill>
+      </a:fillStyleLst>
+      <a:lnStyleLst>
+        <a:ln w="9525" cap="flat" cmpd="sng" algn="ctr">
+          <a:solidFill>
+            <a:schemeClr val="phClr">
+              <a:shade val="95000"/>
+              <a:satMod val="105000"/>
+            </a:schemeClr>
+          </a:solidFill>
+          <a:prstDash val="solid"/>
+          <a:miter/>
+        </a:ln>
+        <a:ln w="25400" cap="flat" cmpd="sng" algn="ctr">
+          <a:solidFill>
+            <a:schemeClr val="phClr"/>
+          </a:solidFill>
+          <a:prstDash val="solid"/>
+          <a:miter/>
+        </a:ln>
+        <a:ln w="38100" cap="flat" cmpd="sng" algn="ctr">
+          <a:solidFill>
+            <a:schemeClr val="phClr"/>
+          </a:solidFill>
+          <a:prstDash val="solid"/>
+          <a:miter/>
+        </a:ln>
+      </a:lnStyleLst>
+      <a:effectStyleLst>
+        <a:effectStyle>
+          <a:effectLst>
+            <a:outerShdw blurRad="40000" dist="20000" dir="5400000" rotWithShape="0">
+              <a:srgbClr val="000000">
+                <a:alpha val="38000"/>
+              </a:srgbClr>
+            </a:outerShdw>
+          </a:effectLst>
+        </a:effectStyle>
+        <a:effectStyle>
+          <a:effectLst>
+            <a:outerShdw blurRad="40000" dist="23000" dir="5400000" rotWithShape="0">
+              <a:srgbClr val="000000">
+                <a:alpha val="35000"/>
+              </a:srgbClr>
+            </a:outerShdw>
+          </a:effectLst>
+        </a:effectStyle>
+        <a:effectStyle>
+          <a:effectLst>
+            <a:outerShdw blurRad="40000" dist="23000" dir="5400000" rotWithShape="0">
+              <a:srgbClr val="000000">
+                <a:alpha val="35000"/>
+              </a:srgbClr>
+            </a:outerShdw>
+          </a:effectLst>
+          <a:scene3d>
+            <a:camera prst="orthographicFront">
+              <a:rot lat="0" lon="0" rev="0"/>
+            </a:camera>
+            <a:lightRig rig="threePt" dir="t">
+              <a:rot lat="0" lon="0" rev="1200000"/>
+            </a:lightRig>
+          </a:scene3d>
+          <a:sp3d>
+            <a:bevelT w="63500" h="25400"/>
+          </a:sp3d>
+        </a:effectStyle>
+      </a:effectStyleLst>
+      <a:bgFillStyleLst>
+        <a:solidFill>
+          <a:schemeClr val="phClr"/>
+        </a:solidFill>
+        <a:gradFill rotWithShape="1">
+          <a:gsLst>
+            <a:gs pos="0">
+              <a:schemeClr val="phClr">
+                <a:tint val="40000"/>
+                <a:satMod val="350000"/>
+              </a:schemeClr>
+            </a:gs>
+            <a:gs pos="40000">
+              <a:schemeClr val="phClr">
+                <a:tint val="45000"/>
+                <a:shade val="99000"/>
+                <a:satMod val="350000"/>
+              </a:schemeClr>
+            </a:gs>
+            <a:gs pos="100000">
+              <a:schemeClr val="phClr">
+                <a:shade val="20000"/>
+                <a:satMod val="255000"/>
+              </a:schemeClr>
+            </a:gs>
+          </a:gsLst>
+          <a:path path="circle">
+            <a:fillToRect l="50000" t="-80000" r="50000" b="180000"/>
+          </a:path>
+        </a:gradFill>
+        <a:gradFill rotWithShape="1">
+          <a:gsLst>
+            <a:gs pos="0">
+              <a:schemeClr val="phClr">
+                <a:tint val="80000"/>
+                <a:satMod val="300000"/>
+              </a:schemeClr>
+            </a:gs>
+            <a:gs pos="100000">
+              <a:schemeClr val="phClr">
+                <a:shade val="30000"/>
+                <a:satMod val="200000"/>
+              </a:schemeClr>
+            </a:gs>
+          </a:gsLst>
+          <a:path path="circle">
+            <a:fillToRect l="50000" t="50000" r="50000" b="50000"/>
+          </a:path>
+        </a:gradFill>
+      </a:bgFillStyleLst>
+    </a:fmtScheme>
+  </a:themeElements>
+</a:theme>
+</file>
+
+<file path=ppt/theme/theme3.xml><?xml version="1.0" encoding="utf-8"?>
+<a:theme xmlns:a="http://schemas.openxmlformats.org/drawingml/2006/main" name="Office Theme">
+  <a:themeElements>
+    <a:clrScheme name="Office">
+      <a:dk1>
+        <a:sysClr val="windowText" lastClr="000000"/>
+      </a:dk1>
+      <a:lt1>
+        <a:sysClr val="window" lastClr="FFFFFF"/>
+      </a:lt1>
+      <a:dk2>
+        <a:srgbClr val="1f497d"/>
+      </a:dk2>
+      <a:lt2>
+        <a:srgbClr val="eeece1"/>
+      </a:lt2>
+      <a:accent1>
+        <a:srgbClr val="4f81bd"/>
+      </a:accent1>
+      <a:accent2>
+        <a:srgbClr val="c0504d"/>
+      </a:accent2>
+      <a:accent3>
+        <a:srgbClr val="9bbb59"/>
+      </a:accent3>
+      <a:accent4>
+        <a:srgbClr val="8064a2"/>
+      </a:accent4>
+      <a:accent5>
+        <a:srgbClr val="4bacc6"/>
+      </a:accent5>
+      <a:accent6>
+        <a:srgbClr val="f79646"/>
+      </a:accent6>
+      <a:hlink>
+        <a:srgbClr val="0000ff"/>
+      </a:hlink>
+      <a:folHlink>
+        <a:srgbClr val="800080"/>
+      </a:folHlink>
+    </a:clrScheme>
+    <a:fontScheme name="Office">
+      <a:majorFont>
+        <a:latin typeface="Arial"/>
+        <a:ea typeface="DejaVu Sans"/>
+        <a:cs typeface="DejaVu Sans"/>
+      </a:majorFont>
+      <a:minorFont>
+        <a:latin typeface="Arial"/>
+        <a:ea typeface="DejaVu Sans"/>
+        <a:cs typeface="DejaVu Sans"/>
+      </a:minorFont>
+    </a:fontScheme>
+    <a:fmtScheme name="Office">
+      <a:fillStyleLst>
+        <a:solidFill>
+          <a:schemeClr val="phClr"/>
+        </a:solidFill>
+        <a:gradFill rotWithShape="1">
+          <a:gsLst>
+            <a:gs pos="0">
+              <a:schemeClr val="phClr">
+                <a:tint val="50000"/>
+                <a:satMod val="300000"/>
+              </a:schemeClr>
+            </a:gs>
+            <a:gs pos="35000">
+              <a:schemeClr val="phClr">
+                <a:tint val="37000"/>
+                <a:satMod val="300000"/>
+              </a:schemeClr>
+            </a:gs>
+            <a:gs pos="100000">
+              <a:schemeClr val="phClr">
+                <a:tint val="15000"/>
+                <a:satMod val="350000"/>
+              </a:schemeClr>
+            </a:gs>
+          </a:gsLst>
+          <a:lin ang="16200000" scaled="1"/>
+        </a:gradFill>
+        <a:gradFill rotWithShape="1">
+          <a:gsLst>
+            <a:gs pos="0">
+              <a:schemeClr val="phClr">
+                <a:shade val="51000"/>
+                <a:satMod val="130000"/>
+              </a:schemeClr>
+            </a:gs>
+            <a:gs pos="80000">
+              <a:schemeClr val="phClr">
+                <a:shade val="93000"/>
+                <a:satMod val="130000"/>
+              </a:schemeClr>
+            </a:gs>
+            <a:gs pos="100000">
+              <a:schemeClr val="phClr">
+                <a:shade val="94000"/>
+                <a:satMod val="135000"/>
+              </a:schemeClr>
+            </a:gs>
+          </a:gsLst>
+          <a:lin ang="16200000" scaled="0"/>
+        </a:gradFill>
+      </a:fillStyleLst>
+      <a:lnStyleLst>
+        <a:ln w="9525" cap="flat" cmpd="sng" algn="ctr">
+          <a:solidFill>
+            <a:schemeClr val="phClr">
+              <a:shade val="95000"/>
+              <a:satMod val="105000"/>
+            </a:schemeClr>
+          </a:solidFill>
+          <a:prstDash val="solid"/>
+          <a:miter/>
+        </a:ln>
+        <a:ln w="25400" cap="flat" cmpd="sng" algn="ctr">
+          <a:solidFill>
+            <a:schemeClr val="phClr"/>
+          </a:solidFill>
+          <a:prstDash val="solid"/>
+          <a:miter/>
+        </a:ln>
+        <a:ln w="38100" cap="flat" cmpd="sng" algn="ctr">
+          <a:solidFill>
+            <a:schemeClr val="phClr"/>
+          </a:solidFill>
+          <a:prstDash val="solid"/>
+          <a:miter/>
+        </a:ln>
+      </a:lnStyleLst>
+      <a:effectStyleLst>
+        <a:effectStyle>
+          <a:effectLst>
+            <a:outerShdw blurRad="40000" dist="20000" dir="5400000" rotWithShape="0">
+              <a:srgbClr val="000000">
+                <a:alpha val="38000"/>
+              </a:srgbClr>
+            </a:outerShdw>
+          </a:effectLst>
+        </a:effectStyle>
+        <a:effectStyle>
+          <a:effectLst>
+            <a:outerShdw blurRad="40000" dist="23000" dir="5400000" rotWithShape="0">
+              <a:srgbClr val="000000">
+                <a:alpha val="35000"/>
+              </a:srgbClr>
+            </a:outerShdw>
+          </a:effectLst>
+        </a:effectStyle>
+        <a:effectStyle>
+          <a:effectLst>
+            <a:outerShdw blurRad="40000" dist="23000" dir="5400000" rotWithShape="0">
+              <a:srgbClr val="000000">
+                <a:alpha val="35000"/>
+              </a:srgbClr>
+            </a:outerShdw>
+          </a:effectLst>
+          <a:scene3d>
+            <a:camera prst="orthographicFront">
+              <a:rot lat="0" lon="0" rev="0"/>
+            </a:camera>
+            <a:lightRig rig="threePt" dir="t">
+              <a:rot lat="0" lon="0" rev="1200000"/>
+            </a:lightRig>
+          </a:scene3d>
+          <a:sp3d>
+            <a:bevelT w="63500" h="25400"/>
+          </a:sp3d>
+        </a:effectStyle>
+      </a:effectStyleLst>
+      <a:bgFillStyleLst>
+        <a:solidFill>
+          <a:schemeClr val="phClr"/>
+        </a:solidFill>
+        <a:gradFill rotWithShape="1">
+          <a:gsLst>
+            <a:gs pos="0">
+              <a:schemeClr val="phClr">
+                <a:tint val="40000"/>
+                <a:satMod val="350000"/>
+              </a:schemeClr>
+            </a:gs>
+            <a:gs pos="40000">
+              <a:schemeClr val="phClr">
+                <a:tint val="45000"/>
+                <a:shade val="99000"/>
+                <a:satMod val="350000"/>
+              </a:schemeClr>
+            </a:gs>
+            <a:gs pos="100000">
+              <a:schemeClr val="phClr">
+                <a:shade val="20000"/>
+                <a:satMod val="255000"/>
+              </a:schemeClr>
+            </a:gs>
+          </a:gsLst>
+          <a:path path="circle">
+            <a:fillToRect l="50000" t="-80000" r="50000" b="180000"/>
+          </a:path>
+        </a:gradFill>
+        <a:gradFill rotWithShape="1">
+          <a:gsLst>
+            <a:gs pos="0">
+              <a:schemeClr val="phClr">
+                <a:tint val="80000"/>
+                <a:satMod val="300000"/>
+              </a:schemeClr>
+            </a:gs>
+            <a:gs pos="100000">
+              <a:schemeClr val="phClr">
+                <a:shade val="30000"/>
+                <a:satMod val="200000"/>
+              </a:schemeClr>
+            </a:gs>
+          </a:gsLst>
+          <a:path path="circle">
+            <a:fillToRect l="50000" t="50000" r="50000" b="50000"/>
+          </a:path>
+        </a:gradFill>
+      </a:bgFillStyleLst>
+    </a:fmtScheme>
+  </a:themeElements>
+</a:theme>
 </file>